--- a/AB_TOPs/1_Top_Projet/Top Projet.pptx
+++ b/AB_TOPs/1_Top_Projet/Top Projet.pptx
@@ -204,7 +204,7 @@
           <a:p>
             <a:fld id="{A9258FD7-AA4D-4EFB-8956-C98F2360B098}" type="datetimeFigureOut">
               <a:rPr lang="fr-FR" smtClean="0"/>
-              <a:t>14/03/2019</a:t>
+              <a:t>17/03/2019</a:t>
             </a:fld>
             <a:endParaRPr lang="fr-FR"/>
           </a:p>
@@ -618,7 +618,7 @@
           <a:p>
             <a:fld id="{854B7264-E21A-4329-A994-84F7B09D33B2}" type="datetimeFigureOut">
               <a:rPr lang="fr-FR" smtClean="0"/>
-              <a:t>14/03/2019</a:t>
+              <a:t>17/03/2019</a:t>
             </a:fld>
             <a:endParaRPr lang="fr-FR"/>
           </a:p>
@@ -816,7 +816,7 @@
           <a:p>
             <a:fld id="{854B7264-E21A-4329-A994-84F7B09D33B2}" type="datetimeFigureOut">
               <a:rPr lang="fr-FR" smtClean="0"/>
-              <a:t>14/03/2019</a:t>
+              <a:t>17/03/2019</a:t>
             </a:fld>
             <a:endParaRPr lang="fr-FR"/>
           </a:p>
@@ -1024,7 +1024,7 @@
           <a:p>
             <a:fld id="{854B7264-E21A-4329-A994-84F7B09D33B2}" type="datetimeFigureOut">
               <a:rPr lang="fr-FR" smtClean="0"/>
-              <a:t>14/03/2019</a:t>
+              <a:t>17/03/2019</a:t>
             </a:fld>
             <a:endParaRPr lang="fr-FR"/>
           </a:p>
@@ -1222,7 +1222,7 @@
           <a:p>
             <a:fld id="{854B7264-E21A-4329-A994-84F7B09D33B2}" type="datetimeFigureOut">
               <a:rPr lang="fr-FR" smtClean="0"/>
-              <a:t>14/03/2019</a:t>
+              <a:t>17/03/2019</a:t>
             </a:fld>
             <a:endParaRPr lang="fr-FR"/>
           </a:p>
@@ -1497,7 +1497,7 @@
           <a:p>
             <a:fld id="{854B7264-E21A-4329-A994-84F7B09D33B2}" type="datetimeFigureOut">
               <a:rPr lang="fr-FR" smtClean="0"/>
-              <a:t>14/03/2019</a:t>
+              <a:t>17/03/2019</a:t>
             </a:fld>
             <a:endParaRPr lang="fr-FR"/>
           </a:p>
@@ -1762,7 +1762,7 @@
           <a:p>
             <a:fld id="{854B7264-E21A-4329-A994-84F7B09D33B2}" type="datetimeFigureOut">
               <a:rPr lang="fr-FR" smtClean="0"/>
-              <a:t>14/03/2019</a:t>
+              <a:t>17/03/2019</a:t>
             </a:fld>
             <a:endParaRPr lang="fr-FR"/>
           </a:p>
@@ -2174,7 +2174,7 @@
           <a:p>
             <a:fld id="{854B7264-E21A-4329-A994-84F7B09D33B2}" type="datetimeFigureOut">
               <a:rPr lang="fr-FR" smtClean="0"/>
-              <a:t>14/03/2019</a:t>
+              <a:t>17/03/2019</a:t>
             </a:fld>
             <a:endParaRPr lang="fr-FR"/>
           </a:p>
@@ -2315,7 +2315,7 @@
           <a:p>
             <a:fld id="{854B7264-E21A-4329-A994-84F7B09D33B2}" type="datetimeFigureOut">
               <a:rPr lang="fr-FR" smtClean="0"/>
-              <a:t>14/03/2019</a:t>
+              <a:t>17/03/2019</a:t>
             </a:fld>
             <a:endParaRPr lang="fr-FR"/>
           </a:p>
@@ -2428,7 +2428,7 @@
           <a:p>
             <a:fld id="{854B7264-E21A-4329-A994-84F7B09D33B2}" type="datetimeFigureOut">
               <a:rPr lang="fr-FR" smtClean="0"/>
-              <a:t>14/03/2019</a:t>
+              <a:t>17/03/2019</a:t>
             </a:fld>
             <a:endParaRPr lang="fr-FR"/>
           </a:p>
@@ -2739,7 +2739,7 @@
           <a:p>
             <a:fld id="{854B7264-E21A-4329-A994-84F7B09D33B2}" type="datetimeFigureOut">
               <a:rPr lang="fr-FR" smtClean="0"/>
-              <a:t>14/03/2019</a:t>
+              <a:t>17/03/2019</a:t>
             </a:fld>
             <a:endParaRPr lang="fr-FR"/>
           </a:p>
@@ -3027,7 +3027,7 @@
           <a:p>
             <a:fld id="{854B7264-E21A-4329-A994-84F7B09D33B2}" type="datetimeFigureOut">
               <a:rPr lang="fr-FR" smtClean="0"/>
-              <a:t>14/03/2019</a:t>
+              <a:t>17/03/2019</a:t>
             </a:fld>
             <a:endParaRPr lang="fr-FR"/>
           </a:p>
@@ -3268,7 +3268,7 @@
           <a:p>
             <a:fld id="{854B7264-E21A-4329-A994-84F7B09D33B2}" type="datetimeFigureOut">
               <a:rPr lang="fr-FR" smtClean="0"/>
-              <a:t>14/03/2019</a:t>
+              <a:t>17/03/2019</a:t>
             </a:fld>
             <a:endParaRPr lang="fr-FR"/>
           </a:p>
@@ -3957,6 +3957,1043 @@
           </a:p>
         </p:txBody>
       </p:sp>
+      <p:graphicFrame>
+        <p:nvGraphicFramePr>
+          <p:cNvPr id="3" name="Tableau 2">
+            <a:extLst>
+              <a:ext uri="{FF2B5EF4-FFF2-40B4-BE49-F238E27FC236}">
+                <a16:creationId xmlns:a16="http://schemas.microsoft.com/office/drawing/2014/main" id="{25B61384-C09C-4D54-BE9B-3B2DA2C3A3DB}"/>
+              </a:ext>
+            </a:extLst>
+          </p:cNvPr>
+          <p:cNvGraphicFramePr>
+            <a:graphicFrameLocks noGrp="1"/>
+          </p:cNvGraphicFramePr>
+          <p:nvPr>
+            <p:extLst>
+              <p:ext uri="{D42A27DB-BD31-4B8C-83A1-F6EECF244321}">
+                <p14:modId xmlns:p14="http://schemas.microsoft.com/office/powerpoint/2010/main" val="1179672245"/>
+              </p:ext>
+            </p:extLst>
+          </p:nvPr>
+        </p:nvGraphicFramePr>
+        <p:xfrm>
+          <a:off x="1806714" y="1561179"/>
+          <a:ext cx="2559878" cy="1559560"/>
+        </p:xfrm>
+        <a:graphic>
+          <a:graphicData uri="http://schemas.openxmlformats.org/drawingml/2006/table">
+            <a:tbl>
+              <a:tblPr firstRow="1" bandRow="1">
+                <a:tableStyleId>{073A0DAA-6AF3-43AB-8588-CEC1D06C72B9}</a:tableStyleId>
+              </a:tblPr>
+              <a:tblGrid>
+                <a:gridCol w="2559878">
+                  <a:extLst>
+                    <a:ext uri="{9D8B030D-6E8A-4147-A177-3AD203B41FA5}">
+                      <a16:colId xmlns:a16="http://schemas.microsoft.com/office/drawing/2014/main" val="3684544287"/>
+                    </a:ext>
+                  </a:extLst>
+                </a:gridCol>
+              </a:tblGrid>
+              <a:tr h="370840">
+                <a:tc>
+                  <a:txBody>
+                    <a:bodyPr/>
+                    <a:lstStyle/>
+                    <a:p>
+                      <a:r>
+                        <a:rPr lang="fr-FR" dirty="0"/>
+                        <a:t>Direction Opérationnelle</a:t>
+                      </a:r>
+                    </a:p>
+                  </a:txBody>
+                  <a:tcPr/>
+                </a:tc>
+                <a:extLst>
+                  <a:ext uri="{0D108BD9-81ED-4DB2-BD59-A6C34878D82A}">
+                    <a16:rowId xmlns:a16="http://schemas.microsoft.com/office/drawing/2014/main" val="4067572817"/>
+                  </a:ext>
+                </a:extLst>
+              </a:tr>
+              <a:tr h="370840">
+                <a:tc>
+                  <a:txBody>
+                    <a:bodyPr/>
+                    <a:lstStyle/>
+                    <a:p>
+                      <a:r>
+                        <a:rPr lang="fr-FR" dirty="0"/>
+                        <a:t>Directeur Projet</a:t>
+                      </a:r>
+                    </a:p>
+                    <a:p>
+                      <a:r>
+                        <a:rPr lang="fr-FR" dirty="0"/>
+                        <a:t>Directeur Financier</a:t>
+                      </a:r>
+                    </a:p>
+                    <a:p>
+                      <a:r>
+                        <a:rPr lang="fr-FR" dirty="0"/>
+                        <a:t>Directeur Technique</a:t>
+                      </a:r>
+                    </a:p>
+                    <a:p>
+                      <a:r>
+                        <a:rPr lang="fr-FR" dirty="0"/>
+                        <a:t>Directeur Performance</a:t>
+                      </a:r>
+                    </a:p>
+                  </a:txBody>
+                  <a:tcPr/>
+                </a:tc>
+                <a:extLst>
+                  <a:ext uri="{0D108BD9-81ED-4DB2-BD59-A6C34878D82A}">
+                    <a16:rowId xmlns:a16="http://schemas.microsoft.com/office/drawing/2014/main" val="1471015278"/>
+                  </a:ext>
+                </a:extLst>
+              </a:tr>
+            </a:tbl>
+          </a:graphicData>
+        </a:graphic>
+      </p:graphicFrame>
+      <p:graphicFrame>
+        <p:nvGraphicFramePr>
+          <p:cNvPr id="5" name="Tableau 4">
+            <a:extLst>
+              <a:ext uri="{FF2B5EF4-FFF2-40B4-BE49-F238E27FC236}">
+                <a16:creationId xmlns:a16="http://schemas.microsoft.com/office/drawing/2014/main" id="{4BEAA1D9-A9C9-4A98-8E10-6A66D25C8EFA}"/>
+              </a:ext>
+            </a:extLst>
+          </p:cNvPr>
+          <p:cNvGraphicFramePr>
+            <a:graphicFrameLocks noGrp="1"/>
+          </p:cNvGraphicFramePr>
+          <p:nvPr>
+            <p:extLst>
+              <p:ext uri="{D42A27DB-BD31-4B8C-83A1-F6EECF244321}">
+                <p14:modId xmlns:p14="http://schemas.microsoft.com/office/powerpoint/2010/main" val="2726852684"/>
+              </p:ext>
+            </p:extLst>
+          </p:nvPr>
+        </p:nvGraphicFramePr>
+        <p:xfrm>
+          <a:off x="5008217" y="1561179"/>
+          <a:ext cx="2175564" cy="1559560"/>
+        </p:xfrm>
+        <a:graphic>
+          <a:graphicData uri="http://schemas.openxmlformats.org/drawingml/2006/table">
+            <a:tbl>
+              <a:tblPr firstRow="1" bandRow="1">
+                <a:tableStyleId>{073A0DAA-6AF3-43AB-8588-CEC1D06C72B9}</a:tableStyleId>
+              </a:tblPr>
+              <a:tblGrid>
+                <a:gridCol w="2175564">
+                  <a:extLst>
+                    <a:ext uri="{9D8B030D-6E8A-4147-A177-3AD203B41FA5}">
+                      <a16:colId xmlns:a16="http://schemas.microsoft.com/office/drawing/2014/main" val="3684544287"/>
+                    </a:ext>
+                  </a:extLst>
+                </a:gridCol>
+              </a:tblGrid>
+              <a:tr h="370840">
+                <a:tc>
+                  <a:txBody>
+                    <a:bodyPr/>
+                    <a:lstStyle/>
+                    <a:p>
+                      <a:r>
+                        <a:rPr lang="fr-FR" dirty="0"/>
+                        <a:t>Direction Associative</a:t>
+                      </a:r>
+                    </a:p>
+                  </a:txBody>
+                  <a:tcPr/>
+                </a:tc>
+                <a:extLst>
+                  <a:ext uri="{0D108BD9-81ED-4DB2-BD59-A6C34878D82A}">
+                    <a16:rowId xmlns:a16="http://schemas.microsoft.com/office/drawing/2014/main" val="4067572817"/>
+                  </a:ext>
+                </a:extLst>
+              </a:tr>
+              <a:tr h="370840">
+                <a:tc>
+                  <a:txBody>
+                    <a:bodyPr/>
+                    <a:lstStyle/>
+                    <a:p>
+                      <a:r>
+                        <a:rPr lang="fr-FR" dirty="0"/>
+                        <a:t>Président</a:t>
+                      </a:r>
+                    </a:p>
+                    <a:p>
+                      <a:r>
+                        <a:rPr lang="fr-FR" dirty="0"/>
+                        <a:t>Trésorier</a:t>
+                      </a:r>
+                    </a:p>
+                    <a:p>
+                      <a:r>
+                        <a:rPr lang="fr-FR" dirty="0"/>
+                        <a:t>Secrétaire Général</a:t>
+                      </a:r>
+                    </a:p>
+                    <a:p>
+                      <a:endParaRPr lang="fr-FR" dirty="0"/>
+                    </a:p>
+                  </a:txBody>
+                  <a:tcPr/>
+                </a:tc>
+                <a:extLst>
+                  <a:ext uri="{0D108BD9-81ED-4DB2-BD59-A6C34878D82A}">
+                    <a16:rowId xmlns:a16="http://schemas.microsoft.com/office/drawing/2014/main" val="1471015278"/>
+                  </a:ext>
+                </a:extLst>
+              </a:tr>
+            </a:tbl>
+          </a:graphicData>
+        </a:graphic>
+      </p:graphicFrame>
+      <p:graphicFrame>
+        <p:nvGraphicFramePr>
+          <p:cNvPr id="6" name="Tableau 5">
+            <a:extLst>
+              <a:ext uri="{FF2B5EF4-FFF2-40B4-BE49-F238E27FC236}">
+                <a16:creationId xmlns:a16="http://schemas.microsoft.com/office/drawing/2014/main" id="{E561B5E7-E4ED-4F4A-B242-B927CFB0340C}"/>
+              </a:ext>
+            </a:extLst>
+          </p:cNvPr>
+          <p:cNvGraphicFramePr>
+            <a:graphicFrameLocks noGrp="1"/>
+          </p:cNvGraphicFramePr>
+          <p:nvPr>
+            <p:extLst>
+              <p:ext uri="{D42A27DB-BD31-4B8C-83A1-F6EECF244321}">
+                <p14:modId xmlns:p14="http://schemas.microsoft.com/office/powerpoint/2010/main" val="2852065124"/>
+              </p:ext>
+            </p:extLst>
+          </p:nvPr>
+        </p:nvGraphicFramePr>
+        <p:xfrm>
+          <a:off x="7825406" y="1561179"/>
+          <a:ext cx="3003825" cy="1559560"/>
+        </p:xfrm>
+        <a:graphic>
+          <a:graphicData uri="http://schemas.openxmlformats.org/drawingml/2006/table">
+            <a:tbl>
+              <a:tblPr firstRow="1" bandRow="1">
+                <a:tableStyleId>{073A0DAA-6AF3-43AB-8588-CEC1D06C72B9}</a:tableStyleId>
+              </a:tblPr>
+              <a:tblGrid>
+                <a:gridCol w="3003825">
+                  <a:extLst>
+                    <a:ext uri="{9D8B030D-6E8A-4147-A177-3AD203B41FA5}">
+                      <a16:colId xmlns:a16="http://schemas.microsoft.com/office/drawing/2014/main" val="3684544287"/>
+                    </a:ext>
+                  </a:extLst>
+                </a:gridCol>
+              </a:tblGrid>
+              <a:tr h="370840">
+                <a:tc>
+                  <a:txBody>
+                    <a:bodyPr/>
+                    <a:lstStyle/>
+                    <a:p>
+                      <a:r>
+                        <a:rPr lang="fr-FR" dirty="0"/>
+                        <a:t>Département Communication</a:t>
+                      </a:r>
+                    </a:p>
+                  </a:txBody>
+                  <a:tcPr/>
+                </a:tc>
+                <a:extLst>
+                  <a:ext uri="{0D108BD9-81ED-4DB2-BD59-A6C34878D82A}">
+                    <a16:rowId xmlns:a16="http://schemas.microsoft.com/office/drawing/2014/main" val="4067572817"/>
+                  </a:ext>
+                </a:extLst>
+              </a:tr>
+              <a:tr h="370840">
+                <a:tc>
+                  <a:txBody>
+                    <a:bodyPr/>
+                    <a:lstStyle/>
+                    <a:p>
+                      <a:r>
+                        <a:rPr lang="fr-FR" dirty="0"/>
+                        <a:t>Directeur</a:t>
+                      </a:r>
+                    </a:p>
+                    <a:p>
+                      <a:r>
+                        <a:rPr lang="fr-FR" dirty="0"/>
+                        <a:t>Membres</a:t>
+                      </a:r>
+                    </a:p>
+                    <a:p>
+                      <a:endParaRPr lang="fr-FR" dirty="0"/>
+                    </a:p>
+                    <a:p>
+                      <a:endParaRPr lang="fr-FR" dirty="0"/>
+                    </a:p>
+                  </a:txBody>
+                  <a:tcPr/>
+                </a:tc>
+                <a:extLst>
+                  <a:ext uri="{0D108BD9-81ED-4DB2-BD59-A6C34878D82A}">
+                    <a16:rowId xmlns:a16="http://schemas.microsoft.com/office/drawing/2014/main" val="1471015278"/>
+                  </a:ext>
+                </a:extLst>
+              </a:tr>
+            </a:tbl>
+          </a:graphicData>
+        </a:graphic>
+      </p:graphicFrame>
+      <p:graphicFrame>
+        <p:nvGraphicFramePr>
+          <p:cNvPr id="7" name="Tableau 6">
+            <a:extLst>
+              <a:ext uri="{FF2B5EF4-FFF2-40B4-BE49-F238E27FC236}">
+                <a16:creationId xmlns:a16="http://schemas.microsoft.com/office/drawing/2014/main" id="{A9477C4C-A161-46E8-B418-19685C94D190}"/>
+              </a:ext>
+            </a:extLst>
+          </p:cNvPr>
+          <p:cNvGraphicFramePr>
+            <a:graphicFrameLocks noGrp="1"/>
+          </p:cNvGraphicFramePr>
+          <p:nvPr>
+            <p:extLst>
+              <p:ext uri="{D42A27DB-BD31-4B8C-83A1-F6EECF244321}">
+                <p14:modId xmlns:p14="http://schemas.microsoft.com/office/powerpoint/2010/main" val="1102946371"/>
+              </p:ext>
+            </p:extLst>
+          </p:nvPr>
+        </p:nvGraphicFramePr>
+        <p:xfrm>
+          <a:off x="980659" y="3670420"/>
+          <a:ext cx="3385933" cy="1559560"/>
+        </p:xfrm>
+        <a:graphic>
+          <a:graphicData uri="http://schemas.openxmlformats.org/drawingml/2006/table">
+            <a:tbl>
+              <a:tblPr firstRow="1" bandRow="1">
+                <a:tableStyleId>{073A0DAA-6AF3-43AB-8588-CEC1D06C72B9}</a:tableStyleId>
+              </a:tblPr>
+              <a:tblGrid>
+                <a:gridCol w="3385933">
+                  <a:extLst>
+                    <a:ext uri="{9D8B030D-6E8A-4147-A177-3AD203B41FA5}">
+                      <a16:colId xmlns:a16="http://schemas.microsoft.com/office/drawing/2014/main" val="3684544287"/>
+                    </a:ext>
+                  </a:extLst>
+                </a:gridCol>
+              </a:tblGrid>
+              <a:tr h="370840">
+                <a:tc>
+                  <a:txBody>
+                    <a:bodyPr/>
+                    <a:lstStyle/>
+                    <a:p>
+                      <a:r>
+                        <a:rPr lang="fr-FR" dirty="0"/>
+                        <a:t>Châssis équipé &amp; Aérodynamique</a:t>
+                      </a:r>
+                    </a:p>
+                  </a:txBody>
+                  <a:tcPr/>
+                </a:tc>
+                <a:extLst>
+                  <a:ext uri="{0D108BD9-81ED-4DB2-BD59-A6C34878D82A}">
+                    <a16:rowId xmlns:a16="http://schemas.microsoft.com/office/drawing/2014/main" val="4067572817"/>
+                  </a:ext>
+                </a:extLst>
+              </a:tr>
+              <a:tr h="370840">
+                <a:tc>
+                  <a:txBody>
+                    <a:bodyPr/>
+                    <a:lstStyle/>
+                    <a:p>
+                      <a:r>
+                        <a:rPr lang="fr-FR" dirty="0"/>
+                        <a:t>Directeur</a:t>
+                      </a:r>
+                    </a:p>
+                    <a:p>
+                      <a:r>
+                        <a:rPr lang="fr-FR" dirty="0"/>
+                        <a:t>Membres</a:t>
+                      </a:r>
+                    </a:p>
+                    <a:p>
+                      <a:endParaRPr lang="fr-FR" dirty="0"/>
+                    </a:p>
+                    <a:p>
+                      <a:endParaRPr lang="fr-FR" dirty="0"/>
+                    </a:p>
+                  </a:txBody>
+                  <a:tcPr/>
+                </a:tc>
+                <a:extLst>
+                  <a:ext uri="{0D108BD9-81ED-4DB2-BD59-A6C34878D82A}">
+                    <a16:rowId xmlns:a16="http://schemas.microsoft.com/office/drawing/2014/main" val="1471015278"/>
+                  </a:ext>
+                </a:extLst>
+              </a:tr>
+            </a:tbl>
+          </a:graphicData>
+        </a:graphic>
+      </p:graphicFrame>
+      <p:graphicFrame>
+        <p:nvGraphicFramePr>
+          <p:cNvPr id="8" name="Tableau 7">
+            <a:extLst>
+              <a:ext uri="{FF2B5EF4-FFF2-40B4-BE49-F238E27FC236}">
+                <a16:creationId xmlns:a16="http://schemas.microsoft.com/office/drawing/2014/main" id="{50B46A87-759A-476B-BDE7-2C2EB8B48BE8}"/>
+              </a:ext>
+            </a:extLst>
+          </p:cNvPr>
+          <p:cNvGraphicFramePr>
+            <a:graphicFrameLocks noGrp="1"/>
+          </p:cNvGraphicFramePr>
+          <p:nvPr>
+            <p:extLst>
+              <p:ext uri="{D42A27DB-BD31-4B8C-83A1-F6EECF244321}">
+                <p14:modId xmlns:p14="http://schemas.microsoft.com/office/powerpoint/2010/main" val="2129183918"/>
+              </p:ext>
+            </p:extLst>
+          </p:nvPr>
+        </p:nvGraphicFramePr>
+        <p:xfrm>
+          <a:off x="5008217" y="3670420"/>
+          <a:ext cx="1458844" cy="1559560"/>
+        </p:xfrm>
+        <a:graphic>
+          <a:graphicData uri="http://schemas.openxmlformats.org/drawingml/2006/table">
+            <a:tbl>
+              <a:tblPr firstRow="1" bandRow="1">
+                <a:tableStyleId>{073A0DAA-6AF3-43AB-8588-CEC1D06C72B9}</a:tableStyleId>
+              </a:tblPr>
+              <a:tblGrid>
+                <a:gridCol w="1458844">
+                  <a:extLst>
+                    <a:ext uri="{9D8B030D-6E8A-4147-A177-3AD203B41FA5}">
+                      <a16:colId xmlns:a16="http://schemas.microsoft.com/office/drawing/2014/main" val="3684544287"/>
+                    </a:ext>
+                  </a:extLst>
+                </a:gridCol>
+              </a:tblGrid>
+              <a:tr h="370840">
+                <a:tc>
+                  <a:txBody>
+                    <a:bodyPr/>
+                    <a:lstStyle/>
+                    <a:p>
+                      <a:r>
+                        <a:rPr lang="fr-FR" dirty="0"/>
+                        <a:t>Motorisation</a:t>
+                      </a:r>
+                    </a:p>
+                  </a:txBody>
+                  <a:tcPr/>
+                </a:tc>
+                <a:extLst>
+                  <a:ext uri="{0D108BD9-81ED-4DB2-BD59-A6C34878D82A}">
+                    <a16:rowId xmlns:a16="http://schemas.microsoft.com/office/drawing/2014/main" val="4067572817"/>
+                  </a:ext>
+                </a:extLst>
+              </a:tr>
+              <a:tr h="370840">
+                <a:tc>
+                  <a:txBody>
+                    <a:bodyPr/>
+                    <a:lstStyle/>
+                    <a:p>
+                      <a:r>
+                        <a:rPr lang="fr-FR" dirty="0"/>
+                        <a:t>Directeur</a:t>
+                      </a:r>
+                    </a:p>
+                    <a:p>
+                      <a:r>
+                        <a:rPr lang="fr-FR" dirty="0"/>
+                        <a:t>Membres</a:t>
+                      </a:r>
+                    </a:p>
+                    <a:p>
+                      <a:endParaRPr lang="fr-FR" dirty="0"/>
+                    </a:p>
+                    <a:p>
+                      <a:endParaRPr lang="fr-FR" dirty="0"/>
+                    </a:p>
+                  </a:txBody>
+                  <a:tcPr/>
+                </a:tc>
+                <a:extLst>
+                  <a:ext uri="{0D108BD9-81ED-4DB2-BD59-A6C34878D82A}">
+                    <a16:rowId xmlns:a16="http://schemas.microsoft.com/office/drawing/2014/main" val="1471015278"/>
+                  </a:ext>
+                </a:extLst>
+              </a:tr>
+            </a:tbl>
+          </a:graphicData>
+        </a:graphic>
+      </p:graphicFrame>
+      <p:graphicFrame>
+        <p:nvGraphicFramePr>
+          <p:cNvPr id="9" name="Tableau 8">
+            <a:extLst>
+              <a:ext uri="{FF2B5EF4-FFF2-40B4-BE49-F238E27FC236}">
+                <a16:creationId xmlns:a16="http://schemas.microsoft.com/office/drawing/2014/main" id="{9EBD2441-6CEF-4B03-8B5B-0BF853A28F4B}"/>
+              </a:ext>
+            </a:extLst>
+          </p:cNvPr>
+          <p:cNvGraphicFramePr>
+            <a:graphicFrameLocks noGrp="1"/>
+          </p:cNvGraphicFramePr>
+          <p:nvPr>
+            <p:extLst>
+              <p:ext uri="{D42A27DB-BD31-4B8C-83A1-F6EECF244321}">
+                <p14:modId xmlns:p14="http://schemas.microsoft.com/office/powerpoint/2010/main" val="127200390"/>
+              </p:ext>
+            </p:extLst>
+          </p:nvPr>
+        </p:nvGraphicFramePr>
+        <p:xfrm>
+          <a:off x="7108686" y="3670420"/>
+          <a:ext cx="1525106" cy="1559560"/>
+        </p:xfrm>
+        <a:graphic>
+          <a:graphicData uri="http://schemas.openxmlformats.org/drawingml/2006/table">
+            <a:tbl>
+              <a:tblPr firstRow="1" bandRow="1">
+                <a:tableStyleId>{073A0DAA-6AF3-43AB-8588-CEC1D06C72B9}</a:tableStyleId>
+              </a:tblPr>
+              <a:tblGrid>
+                <a:gridCol w="1525106">
+                  <a:extLst>
+                    <a:ext uri="{9D8B030D-6E8A-4147-A177-3AD203B41FA5}">
+                      <a16:colId xmlns:a16="http://schemas.microsoft.com/office/drawing/2014/main" val="3684544287"/>
+                    </a:ext>
+                  </a:extLst>
+                </a:gridCol>
+              </a:tblGrid>
+              <a:tr h="370840">
+                <a:tc>
+                  <a:txBody>
+                    <a:bodyPr/>
+                    <a:lstStyle/>
+                    <a:p>
+                      <a:r>
+                        <a:rPr lang="fr-FR" dirty="0"/>
+                        <a:t>Liaison au Sol</a:t>
+                      </a:r>
+                    </a:p>
+                  </a:txBody>
+                  <a:tcPr/>
+                </a:tc>
+                <a:extLst>
+                  <a:ext uri="{0D108BD9-81ED-4DB2-BD59-A6C34878D82A}">
+                    <a16:rowId xmlns:a16="http://schemas.microsoft.com/office/drawing/2014/main" val="4067572817"/>
+                  </a:ext>
+                </a:extLst>
+              </a:tr>
+              <a:tr h="370840">
+                <a:tc>
+                  <a:txBody>
+                    <a:bodyPr/>
+                    <a:lstStyle/>
+                    <a:p>
+                      <a:r>
+                        <a:rPr lang="fr-FR" dirty="0"/>
+                        <a:t>Directeur</a:t>
+                      </a:r>
+                    </a:p>
+                    <a:p>
+                      <a:r>
+                        <a:rPr lang="fr-FR" dirty="0"/>
+                        <a:t>Membres</a:t>
+                      </a:r>
+                    </a:p>
+                    <a:p>
+                      <a:endParaRPr lang="fr-FR" dirty="0"/>
+                    </a:p>
+                    <a:p>
+                      <a:endParaRPr lang="fr-FR" dirty="0"/>
+                    </a:p>
+                  </a:txBody>
+                  <a:tcPr/>
+                </a:tc>
+                <a:extLst>
+                  <a:ext uri="{0D108BD9-81ED-4DB2-BD59-A6C34878D82A}">
+                    <a16:rowId xmlns:a16="http://schemas.microsoft.com/office/drawing/2014/main" val="1471015278"/>
+                  </a:ext>
+                </a:extLst>
+              </a:tr>
+            </a:tbl>
+          </a:graphicData>
+        </a:graphic>
+      </p:graphicFrame>
+      <p:graphicFrame>
+        <p:nvGraphicFramePr>
+          <p:cNvPr id="10" name="Tableau 9">
+            <a:extLst>
+              <a:ext uri="{FF2B5EF4-FFF2-40B4-BE49-F238E27FC236}">
+                <a16:creationId xmlns:a16="http://schemas.microsoft.com/office/drawing/2014/main" id="{F5486385-26F9-4186-AC8F-F8C1992F586B}"/>
+              </a:ext>
+            </a:extLst>
+          </p:cNvPr>
+          <p:cNvGraphicFramePr>
+            <a:graphicFrameLocks noGrp="1"/>
+          </p:cNvGraphicFramePr>
+          <p:nvPr>
+            <p:extLst>
+              <p:ext uri="{D42A27DB-BD31-4B8C-83A1-F6EECF244321}">
+                <p14:modId xmlns:p14="http://schemas.microsoft.com/office/powerpoint/2010/main" val="1429122691"/>
+              </p:ext>
+            </p:extLst>
+          </p:nvPr>
+        </p:nvGraphicFramePr>
+        <p:xfrm>
+          <a:off x="9275417" y="3670420"/>
+          <a:ext cx="1458844" cy="1559560"/>
+        </p:xfrm>
+        <a:graphic>
+          <a:graphicData uri="http://schemas.openxmlformats.org/drawingml/2006/table">
+            <a:tbl>
+              <a:tblPr firstRow="1" bandRow="1">
+                <a:tableStyleId>{073A0DAA-6AF3-43AB-8588-CEC1D06C72B9}</a:tableStyleId>
+              </a:tblPr>
+              <a:tblGrid>
+                <a:gridCol w="1458844">
+                  <a:extLst>
+                    <a:ext uri="{9D8B030D-6E8A-4147-A177-3AD203B41FA5}">
+                      <a16:colId xmlns:a16="http://schemas.microsoft.com/office/drawing/2014/main" val="3684544287"/>
+                    </a:ext>
+                  </a:extLst>
+                </a:gridCol>
+              </a:tblGrid>
+              <a:tr h="370840">
+                <a:tc>
+                  <a:txBody>
+                    <a:bodyPr/>
+                    <a:lstStyle/>
+                    <a:p>
+                      <a:r>
+                        <a:rPr lang="fr-FR" dirty="0" err="1"/>
+                        <a:t>Séism</a:t>
+                      </a:r>
+                      <a:endParaRPr lang="fr-FR" dirty="0"/>
+                    </a:p>
+                  </a:txBody>
+                  <a:tcPr/>
+                </a:tc>
+                <a:extLst>
+                  <a:ext uri="{0D108BD9-81ED-4DB2-BD59-A6C34878D82A}">
+                    <a16:rowId xmlns:a16="http://schemas.microsoft.com/office/drawing/2014/main" val="4067572817"/>
+                  </a:ext>
+                </a:extLst>
+              </a:tr>
+              <a:tr h="370840">
+                <a:tc>
+                  <a:txBody>
+                    <a:bodyPr/>
+                    <a:lstStyle/>
+                    <a:p>
+                      <a:r>
+                        <a:rPr lang="fr-FR" dirty="0"/>
+                        <a:t>Directeur</a:t>
+                      </a:r>
+                    </a:p>
+                    <a:p>
+                      <a:r>
+                        <a:rPr lang="fr-FR" dirty="0"/>
+                        <a:t>Membres</a:t>
+                      </a:r>
+                    </a:p>
+                    <a:p>
+                      <a:endParaRPr lang="fr-FR" dirty="0"/>
+                    </a:p>
+                    <a:p>
+                      <a:endParaRPr lang="fr-FR" dirty="0"/>
+                    </a:p>
+                  </a:txBody>
+                  <a:tcPr/>
+                </a:tc>
+                <a:extLst>
+                  <a:ext uri="{0D108BD9-81ED-4DB2-BD59-A6C34878D82A}">
+                    <a16:rowId xmlns:a16="http://schemas.microsoft.com/office/drawing/2014/main" val="1471015278"/>
+                  </a:ext>
+                </a:extLst>
+              </a:tr>
+            </a:tbl>
+          </a:graphicData>
+        </a:graphic>
+      </p:graphicFrame>
+      <p:cxnSp>
+        <p:nvCxnSpPr>
+          <p:cNvPr id="14" name="Connecteur droit avec flèche 13">
+            <a:extLst>
+              <a:ext uri="{FF2B5EF4-FFF2-40B4-BE49-F238E27FC236}">
+                <a16:creationId xmlns:a16="http://schemas.microsoft.com/office/drawing/2014/main" id="{C0B5A49D-80EB-480C-BFEA-3D048D706EFE}"/>
+              </a:ext>
+            </a:extLst>
+          </p:cNvPr>
+          <p:cNvCxnSpPr>
+            <a:cxnSpLocks/>
+            <a:stCxn id="3" idx="3"/>
+            <a:endCxn id="5" idx="1"/>
+          </p:cNvCxnSpPr>
+          <p:nvPr/>
+        </p:nvCxnSpPr>
+        <p:spPr>
+          <a:xfrm>
+            <a:off x="4366592" y="2340959"/>
+            <a:ext cx="641625" cy="0"/>
+          </a:xfrm>
+          <a:prstGeom prst="straightConnector1">
+            <a:avLst/>
+          </a:prstGeom>
+          <a:ln w="12700">
+            <a:solidFill>
+              <a:schemeClr val="tx1"/>
+            </a:solidFill>
+            <a:headEnd type="triangle"/>
+            <a:tailEnd type="triangle"/>
+          </a:ln>
+        </p:spPr>
+        <p:style>
+          <a:lnRef idx="1">
+            <a:schemeClr val="accent1"/>
+          </a:lnRef>
+          <a:fillRef idx="0">
+            <a:schemeClr val="accent1"/>
+          </a:fillRef>
+          <a:effectRef idx="0">
+            <a:schemeClr val="accent1"/>
+          </a:effectRef>
+          <a:fontRef idx="minor">
+            <a:schemeClr val="tx1"/>
+          </a:fontRef>
+        </p:style>
+      </p:cxnSp>
+      <p:cxnSp>
+        <p:nvCxnSpPr>
+          <p:cNvPr id="16" name="Connecteur droit avec flèche 15">
+            <a:extLst>
+              <a:ext uri="{FF2B5EF4-FFF2-40B4-BE49-F238E27FC236}">
+                <a16:creationId xmlns:a16="http://schemas.microsoft.com/office/drawing/2014/main" id="{EE0E492C-3BC3-4825-AF9F-64D6E02578AE}"/>
+              </a:ext>
+            </a:extLst>
+          </p:cNvPr>
+          <p:cNvCxnSpPr>
+            <a:cxnSpLocks/>
+            <a:stCxn id="5" idx="3"/>
+            <a:endCxn id="6" idx="1"/>
+          </p:cNvCxnSpPr>
+          <p:nvPr/>
+        </p:nvCxnSpPr>
+        <p:spPr>
+          <a:xfrm>
+            <a:off x="7183781" y="2340959"/>
+            <a:ext cx="641625" cy="0"/>
+          </a:xfrm>
+          <a:prstGeom prst="straightConnector1">
+            <a:avLst/>
+          </a:prstGeom>
+          <a:ln w="12700">
+            <a:solidFill>
+              <a:schemeClr val="tx1"/>
+            </a:solidFill>
+            <a:headEnd type="triangle"/>
+            <a:tailEnd type="triangle"/>
+          </a:ln>
+        </p:spPr>
+        <p:style>
+          <a:lnRef idx="1">
+            <a:schemeClr val="accent1"/>
+          </a:lnRef>
+          <a:fillRef idx="0">
+            <a:schemeClr val="accent1"/>
+          </a:fillRef>
+          <a:effectRef idx="0">
+            <a:schemeClr val="accent1"/>
+          </a:effectRef>
+          <a:fontRef idx="minor">
+            <a:schemeClr val="tx1"/>
+          </a:fontRef>
+        </p:style>
+      </p:cxnSp>
+      <p:cxnSp>
+        <p:nvCxnSpPr>
+          <p:cNvPr id="20" name="Connecteur droit 19">
+            <a:extLst>
+              <a:ext uri="{FF2B5EF4-FFF2-40B4-BE49-F238E27FC236}">
+                <a16:creationId xmlns:a16="http://schemas.microsoft.com/office/drawing/2014/main" id="{65185353-685C-4BE1-A6F7-410198EE9ECF}"/>
+              </a:ext>
+            </a:extLst>
+          </p:cNvPr>
+          <p:cNvCxnSpPr>
+            <a:cxnSpLocks/>
+          </p:cNvCxnSpPr>
+          <p:nvPr/>
+        </p:nvCxnSpPr>
+        <p:spPr>
+          <a:xfrm>
+            <a:off x="2673625" y="3429000"/>
+            <a:ext cx="7331214" cy="0"/>
+          </a:xfrm>
+          <a:prstGeom prst="line">
+            <a:avLst/>
+          </a:prstGeom>
+          <a:ln w="12700">
+            <a:solidFill>
+              <a:schemeClr val="tx1"/>
+            </a:solidFill>
+          </a:ln>
+        </p:spPr>
+        <p:style>
+          <a:lnRef idx="1">
+            <a:schemeClr val="accent1"/>
+          </a:lnRef>
+          <a:fillRef idx="0">
+            <a:schemeClr val="accent1"/>
+          </a:fillRef>
+          <a:effectRef idx="0">
+            <a:schemeClr val="accent1"/>
+          </a:effectRef>
+          <a:fontRef idx="minor">
+            <a:schemeClr val="tx1"/>
+          </a:fontRef>
+        </p:style>
+      </p:cxnSp>
+      <p:cxnSp>
+        <p:nvCxnSpPr>
+          <p:cNvPr id="22" name="Connecteur droit avec flèche 21">
+            <a:extLst>
+              <a:ext uri="{FF2B5EF4-FFF2-40B4-BE49-F238E27FC236}">
+                <a16:creationId xmlns:a16="http://schemas.microsoft.com/office/drawing/2014/main" id="{D8BF401C-B8F7-42B4-9874-EED0A975D70F}"/>
+              </a:ext>
+            </a:extLst>
+          </p:cNvPr>
+          <p:cNvCxnSpPr>
+            <a:cxnSpLocks/>
+            <a:endCxn id="7" idx="0"/>
+          </p:cNvCxnSpPr>
+          <p:nvPr/>
+        </p:nvCxnSpPr>
+        <p:spPr>
+          <a:xfrm>
+            <a:off x="2673625" y="3429000"/>
+            <a:ext cx="0" cy="241420"/>
+          </a:xfrm>
+          <a:prstGeom prst="straightConnector1">
+            <a:avLst/>
+          </a:prstGeom>
+          <a:ln w="12700">
+            <a:solidFill>
+              <a:schemeClr val="tx1"/>
+            </a:solidFill>
+            <a:tailEnd type="triangle"/>
+          </a:ln>
+        </p:spPr>
+        <p:style>
+          <a:lnRef idx="1">
+            <a:schemeClr val="accent1"/>
+          </a:lnRef>
+          <a:fillRef idx="0">
+            <a:schemeClr val="accent1"/>
+          </a:fillRef>
+          <a:effectRef idx="0">
+            <a:schemeClr val="accent1"/>
+          </a:effectRef>
+          <a:fontRef idx="minor">
+            <a:schemeClr val="tx1"/>
+          </a:fontRef>
+        </p:style>
+      </p:cxnSp>
+      <p:cxnSp>
+        <p:nvCxnSpPr>
+          <p:cNvPr id="28" name="Connecteur droit avec flèche 27">
+            <a:extLst>
+              <a:ext uri="{FF2B5EF4-FFF2-40B4-BE49-F238E27FC236}">
+                <a16:creationId xmlns:a16="http://schemas.microsoft.com/office/drawing/2014/main" id="{294F1954-A0FB-4189-9506-956003C41DD9}"/>
+              </a:ext>
+            </a:extLst>
+          </p:cNvPr>
+          <p:cNvCxnSpPr>
+            <a:cxnSpLocks/>
+            <a:endCxn id="10" idx="0"/>
+          </p:cNvCxnSpPr>
+          <p:nvPr/>
+        </p:nvCxnSpPr>
+        <p:spPr>
+          <a:xfrm>
+            <a:off x="10004839" y="3429000"/>
+            <a:ext cx="0" cy="241420"/>
+          </a:xfrm>
+          <a:prstGeom prst="straightConnector1">
+            <a:avLst/>
+          </a:prstGeom>
+          <a:ln w="12700">
+            <a:solidFill>
+              <a:schemeClr val="tx1"/>
+            </a:solidFill>
+            <a:tailEnd type="triangle"/>
+          </a:ln>
+        </p:spPr>
+        <p:style>
+          <a:lnRef idx="1">
+            <a:schemeClr val="accent1"/>
+          </a:lnRef>
+          <a:fillRef idx="0">
+            <a:schemeClr val="accent1"/>
+          </a:fillRef>
+          <a:effectRef idx="0">
+            <a:schemeClr val="accent1"/>
+          </a:effectRef>
+          <a:fontRef idx="minor">
+            <a:schemeClr val="tx1"/>
+          </a:fontRef>
+        </p:style>
+      </p:cxnSp>
+      <p:cxnSp>
+        <p:nvCxnSpPr>
+          <p:cNvPr id="32" name="Connecteur droit avec flèche 31">
+            <a:extLst>
+              <a:ext uri="{FF2B5EF4-FFF2-40B4-BE49-F238E27FC236}">
+                <a16:creationId xmlns:a16="http://schemas.microsoft.com/office/drawing/2014/main" id="{C1DB949C-98C7-4015-ACEC-45ECD09D3C2E}"/>
+              </a:ext>
+            </a:extLst>
+          </p:cNvPr>
+          <p:cNvCxnSpPr>
+            <a:cxnSpLocks/>
+            <a:endCxn id="8" idx="0"/>
+          </p:cNvCxnSpPr>
+          <p:nvPr/>
+        </p:nvCxnSpPr>
+        <p:spPr>
+          <a:xfrm>
+            <a:off x="5737639" y="3429000"/>
+            <a:ext cx="0" cy="241420"/>
+          </a:xfrm>
+          <a:prstGeom prst="straightConnector1">
+            <a:avLst/>
+          </a:prstGeom>
+          <a:ln w="12700">
+            <a:solidFill>
+              <a:schemeClr val="tx1"/>
+            </a:solidFill>
+            <a:tailEnd type="triangle"/>
+          </a:ln>
+        </p:spPr>
+        <p:style>
+          <a:lnRef idx="1">
+            <a:schemeClr val="accent1"/>
+          </a:lnRef>
+          <a:fillRef idx="0">
+            <a:schemeClr val="accent1"/>
+          </a:fillRef>
+          <a:effectRef idx="0">
+            <a:schemeClr val="accent1"/>
+          </a:effectRef>
+          <a:fontRef idx="minor">
+            <a:schemeClr val="tx1"/>
+          </a:fontRef>
+        </p:style>
+      </p:cxnSp>
+      <p:cxnSp>
+        <p:nvCxnSpPr>
+          <p:cNvPr id="33" name="Connecteur droit avec flèche 32">
+            <a:extLst>
+              <a:ext uri="{FF2B5EF4-FFF2-40B4-BE49-F238E27FC236}">
+                <a16:creationId xmlns:a16="http://schemas.microsoft.com/office/drawing/2014/main" id="{439CEED6-4E90-4B54-A324-6AB487F2894B}"/>
+              </a:ext>
+            </a:extLst>
+          </p:cNvPr>
+          <p:cNvCxnSpPr>
+            <a:cxnSpLocks/>
+            <a:endCxn id="9" idx="0"/>
+          </p:cNvCxnSpPr>
+          <p:nvPr/>
+        </p:nvCxnSpPr>
+        <p:spPr>
+          <a:xfrm>
+            <a:off x="7871239" y="3429000"/>
+            <a:ext cx="0" cy="241420"/>
+          </a:xfrm>
+          <a:prstGeom prst="straightConnector1">
+            <a:avLst/>
+          </a:prstGeom>
+          <a:ln w="12700">
+            <a:solidFill>
+              <a:schemeClr val="tx1"/>
+            </a:solidFill>
+            <a:tailEnd type="triangle"/>
+          </a:ln>
+        </p:spPr>
+        <p:style>
+          <a:lnRef idx="1">
+            <a:schemeClr val="accent1"/>
+          </a:lnRef>
+          <a:fillRef idx="0">
+            <a:schemeClr val="accent1"/>
+          </a:fillRef>
+          <a:effectRef idx="0">
+            <a:schemeClr val="accent1"/>
+          </a:effectRef>
+          <a:fontRef idx="minor">
+            <a:schemeClr val="tx1"/>
+          </a:fontRef>
+        </p:style>
+      </p:cxnSp>
+      <p:cxnSp>
+        <p:nvCxnSpPr>
+          <p:cNvPr id="40" name="Connecteur droit avec flèche 39">
+            <a:extLst>
+              <a:ext uri="{FF2B5EF4-FFF2-40B4-BE49-F238E27FC236}">
+                <a16:creationId xmlns:a16="http://schemas.microsoft.com/office/drawing/2014/main" id="{FA72FB7D-E2B3-4195-B2BA-D8B8875CCD38}"/>
+              </a:ext>
+            </a:extLst>
+          </p:cNvPr>
+          <p:cNvCxnSpPr>
+            <a:cxnSpLocks/>
+            <a:endCxn id="3" idx="2"/>
+          </p:cNvCxnSpPr>
+          <p:nvPr/>
+        </p:nvCxnSpPr>
+        <p:spPr>
+          <a:xfrm flipV="1">
+            <a:off x="3086653" y="3120739"/>
+            <a:ext cx="0" cy="308261"/>
+          </a:xfrm>
+          <a:prstGeom prst="straightConnector1">
+            <a:avLst/>
+          </a:prstGeom>
+          <a:ln w="12700">
+            <a:solidFill>
+              <a:schemeClr val="tx1"/>
+            </a:solidFill>
+            <a:tailEnd type="triangle"/>
+          </a:ln>
+        </p:spPr>
+        <p:style>
+          <a:lnRef idx="1">
+            <a:schemeClr val="accent1"/>
+          </a:lnRef>
+          <a:fillRef idx="0">
+            <a:schemeClr val="accent1"/>
+          </a:fillRef>
+          <a:effectRef idx="0">
+            <a:schemeClr val="accent1"/>
+          </a:effectRef>
+          <a:fontRef idx="minor">
+            <a:schemeClr val="tx1"/>
+          </a:fontRef>
+        </p:style>
+      </p:cxnSp>
     </p:spTree>
     <p:extLst>
       <p:ext uri="{BB962C8B-B14F-4D97-AF65-F5344CB8AC3E}">
@@ -4125,6 +5162,1382 @@
           </a:p>
         </p:txBody>
       </p:sp>
+      <p:graphicFrame>
+        <p:nvGraphicFramePr>
+          <p:cNvPr id="3" name="Google Shape;166;p17">
+            <a:extLst>
+              <a:ext uri="{FF2B5EF4-FFF2-40B4-BE49-F238E27FC236}">
+                <a16:creationId xmlns:a16="http://schemas.microsoft.com/office/drawing/2014/main" id="{DE5156E0-3009-4007-97FA-FAFCC5E74139}"/>
+              </a:ext>
+            </a:extLst>
+          </p:cNvPr>
+          <p:cNvGraphicFramePr/>
+          <p:nvPr>
+            <p:extLst>
+              <p:ext uri="{D42A27DB-BD31-4B8C-83A1-F6EECF244321}">
+                <p14:modId xmlns:p14="http://schemas.microsoft.com/office/powerpoint/2010/main" val="1574311149"/>
+              </p:ext>
+            </p:extLst>
+          </p:nvPr>
+        </p:nvGraphicFramePr>
+        <p:xfrm>
+          <a:off x="2746271" y="1008920"/>
+          <a:ext cx="6699455" cy="4241900"/>
+        </p:xfrm>
+        <a:graphic>
+          <a:graphicData uri="http://schemas.openxmlformats.org/drawingml/2006/table">
+            <a:tbl>
+              <a:tblPr firstRow="1" bandRow="1">
+                <a:tableStyleId>{5202B0CA-FC54-4496-8BCA-5EF66A818D29}</a:tableStyleId>
+              </a:tblPr>
+              <a:tblGrid>
+                <a:gridCol w="1462638">
+                  <a:extLst>
+                    <a:ext uri="{9D8B030D-6E8A-4147-A177-3AD203B41FA5}">
+                      <a16:colId xmlns:a16="http://schemas.microsoft.com/office/drawing/2014/main" val="20000"/>
+                    </a:ext>
+                  </a:extLst>
+                </a:gridCol>
+                <a:gridCol w="1261164">
+                  <a:extLst>
+                    <a:ext uri="{9D8B030D-6E8A-4147-A177-3AD203B41FA5}">
+                      <a16:colId xmlns:a16="http://schemas.microsoft.com/office/drawing/2014/main" val="20001"/>
+                    </a:ext>
+                  </a:extLst>
+                </a:gridCol>
+                <a:gridCol w="1524000">
+                  <a:extLst>
+                    <a:ext uri="{9D8B030D-6E8A-4147-A177-3AD203B41FA5}">
+                      <a16:colId xmlns:a16="http://schemas.microsoft.com/office/drawing/2014/main" val="3086417860"/>
+                    </a:ext>
+                  </a:extLst>
+                </a:gridCol>
+                <a:gridCol w="1139687">
+                  <a:extLst>
+                    <a:ext uri="{9D8B030D-6E8A-4147-A177-3AD203B41FA5}">
+                      <a16:colId xmlns:a16="http://schemas.microsoft.com/office/drawing/2014/main" val="20002"/>
+                    </a:ext>
+                  </a:extLst>
+                </a:gridCol>
+                <a:gridCol w="1311966">
+                  <a:extLst>
+                    <a:ext uri="{9D8B030D-6E8A-4147-A177-3AD203B41FA5}">
+                      <a16:colId xmlns:a16="http://schemas.microsoft.com/office/drawing/2014/main" val="20003"/>
+                    </a:ext>
+                  </a:extLst>
+                </a:gridCol>
+              </a:tblGrid>
+              <a:tr h="0">
+                <a:tc>
+                  <a:txBody>
+                    <a:bodyPr/>
+                    <a:lstStyle/>
+                    <a:p>
+                      <a:pPr marL="0" marR="0" lvl="0" indent="0" algn="l" rtl="0">
+                        <a:spcBef>
+                          <a:spcPts val="0"/>
+                        </a:spcBef>
+                        <a:spcAft>
+                          <a:spcPts val="0"/>
+                        </a:spcAft>
+                        <a:buNone/>
+                      </a:pPr>
+                      <a:r>
+                        <a:rPr lang="fr-FR" sz="1800" u="none" strike="noStrike" cap="none" dirty="0"/>
+                        <a:t>Epreuve</a:t>
+                      </a:r>
+                      <a:endParaRPr dirty="0"/>
+                    </a:p>
+                  </a:txBody>
+                  <a:tcPr marL="91450" marR="91450" marT="45725" marB="45725"/>
+                </a:tc>
+                <a:tc gridSpan="2">
+                  <a:txBody>
+                    <a:bodyPr/>
+                    <a:lstStyle/>
+                    <a:p>
+                      <a:pPr marL="0" marR="0" lvl="0" indent="0" algn="l" rtl="0">
+                        <a:spcBef>
+                          <a:spcPts val="0"/>
+                        </a:spcBef>
+                        <a:spcAft>
+                          <a:spcPts val="0"/>
+                        </a:spcAft>
+                        <a:buNone/>
+                      </a:pPr>
+                      <a:r>
+                        <a:rPr lang="fr-FR" sz="1800" dirty="0"/>
+                        <a:t>Meilleurs résultats</a:t>
+                      </a:r>
+                      <a:endParaRPr sz="1800" dirty="0"/>
+                    </a:p>
+                  </a:txBody>
+                  <a:tcPr marL="91450" marR="91450" marT="45725" marB="45725"/>
+                </a:tc>
+                <a:tc hMerge="1">
+                  <a:txBody>
+                    <a:bodyPr/>
+                    <a:lstStyle/>
+                    <a:p>
+                      <a:pPr marL="0" marR="0" lvl="0" indent="0" algn="l" rtl="0">
+                        <a:spcBef>
+                          <a:spcPts val="0"/>
+                        </a:spcBef>
+                        <a:spcAft>
+                          <a:spcPts val="0"/>
+                        </a:spcAft>
+                        <a:buNone/>
+                      </a:pPr>
+                      <a:endParaRPr sz="1800" dirty="0"/>
+                    </a:p>
+                  </a:txBody>
+                  <a:tcPr marL="91450" marR="91450" marT="45725" marB="45725"/>
+                </a:tc>
+                <a:tc>
+                  <a:txBody>
+                    <a:bodyPr/>
+                    <a:lstStyle/>
+                    <a:p>
+                      <a:pPr marL="0" marR="0" lvl="0" indent="0" algn="l" rtl="0">
+                        <a:spcBef>
+                          <a:spcPts val="0"/>
+                        </a:spcBef>
+                        <a:spcAft>
+                          <a:spcPts val="0"/>
+                        </a:spcAft>
+                        <a:buNone/>
+                      </a:pPr>
+                      <a:r>
+                        <a:rPr lang="fr-FR" sz="1800"/>
+                        <a:t>Prévision</a:t>
+                      </a:r>
+                      <a:endParaRPr/>
+                    </a:p>
+                  </a:txBody>
+                  <a:tcPr marL="91450" marR="91450" marT="45725" marB="45725"/>
+                </a:tc>
+                <a:tc>
+                  <a:txBody>
+                    <a:bodyPr/>
+                    <a:lstStyle/>
+                    <a:p>
+                      <a:pPr marL="0" marR="0" lvl="0" indent="0" algn="l" rtl="0">
+                        <a:spcBef>
+                          <a:spcPts val="0"/>
+                        </a:spcBef>
+                        <a:spcAft>
+                          <a:spcPts val="0"/>
+                        </a:spcAft>
+                        <a:buNone/>
+                      </a:pPr>
+                      <a:r>
+                        <a:rPr lang="fr-FR" sz="1800" dirty="0"/>
+                        <a:t>Remarques</a:t>
+                      </a:r>
+                      <a:endParaRPr sz="1800" dirty="0"/>
+                    </a:p>
+                  </a:txBody>
+                  <a:tcPr marL="91450" marR="91450" marT="45725" marB="45725"/>
+                </a:tc>
+                <a:extLst>
+                  <a:ext uri="{0D108BD9-81ED-4DB2-BD59-A6C34878D82A}">
+                    <a16:rowId xmlns:a16="http://schemas.microsoft.com/office/drawing/2014/main" val="10000"/>
+                  </a:ext>
+                </a:extLst>
+              </a:tr>
+              <a:tr h="370850">
+                <a:tc>
+                  <a:txBody>
+                    <a:bodyPr/>
+                    <a:lstStyle/>
+                    <a:p>
+                      <a:pPr marL="0" marR="0" lvl="0" indent="0" algn="l" rtl="0">
+                        <a:spcBef>
+                          <a:spcPts val="0"/>
+                        </a:spcBef>
+                        <a:spcAft>
+                          <a:spcPts val="0"/>
+                        </a:spcAft>
+                        <a:buNone/>
+                      </a:pPr>
+                      <a:r>
+                        <a:rPr lang="fr-FR" dirty="0"/>
+                        <a:t>Business Event</a:t>
+                      </a:r>
+                      <a:endParaRPr dirty="0"/>
+                    </a:p>
+                  </a:txBody>
+                  <a:tcPr marL="91450" marR="91450" marT="45725" marB="45725"/>
+                </a:tc>
+                <a:tc>
+                  <a:txBody>
+                    <a:bodyPr/>
+                    <a:lstStyle/>
+                    <a:p>
+                      <a:pPr marL="0" marR="0" lvl="0" indent="0" algn="l" rtl="0">
+                        <a:spcBef>
+                          <a:spcPts val="0"/>
+                        </a:spcBef>
+                        <a:spcAft>
+                          <a:spcPts val="0"/>
+                        </a:spcAft>
+                        <a:buNone/>
+                      </a:pPr>
+                      <a:r>
+                        <a:rPr lang="fr-FR" sz="1800" dirty="0"/>
+                        <a:t>63/75</a:t>
+                      </a:r>
+                      <a:endParaRPr sz="1800" dirty="0"/>
+                    </a:p>
+                  </a:txBody>
+                  <a:tcPr marL="91450" marR="91450" marT="45725" marB="45725"/>
+                </a:tc>
+                <a:tc>
+                  <a:txBody>
+                    <a:bodyPr/>
+                    <a:lstStyle/>
+                    <a:p>
+                      <a:pPr marL="0" marR="0" lvl="0" indent="0" algn="l" rtl="0">
+                        <a:spcBef>
+                          <a:spcPts val="0"/>
+                        </a:spcBef>
+                        <a:spcAft>
+                          <a:spcPts val="0"/>
+                        </a:spcAft>
+                        <a:buNone/>
+                      </a:pPr>
+                      <a:r>
+                        <a:rPr lang="fr-FR" sz="1800" dirty="0" err="1"/>
+                        <a:t>Atomix</a:t>
+                      </a:r>
+                      <a:r>
+                        <a:rPr lang="fr-FR" sz="1800" dirty="0"/>
+                        <a:t> v1.0</a:t>
+                      </a:r>
+                      <a:endParaRPr sz="1800" dirty="0"/>
+                    </a:p>
+                  </a:txBody>
+                  <a:tcPr marL="91450" marR="91450" marT="45725" marB="45725"/>
+                </a:tc>
+                <a:tc>
+                  <a:txBody>
+                    <a:bodyPr/>
+                    <a:lstStyle/>
+                    <a:p>
+                      <a:pPr marL="0" marR="0" lvl="0" indent="0" algn="l" rtl="0">
+                        <a:spcBef>
+                          <a:spcPts val="0"/>
+                        </a:spcBef>
+                        <a:spcAft>
+                          <a:spcPts val="0"/>
+                        </a:spcAft>
+                        <a:buNone/>
+                      </a:pPr>
+                      <a:r>
+                        <a:rPr lang="fr-FR" dirty="0"/>
+                        <a:t>50/75</a:t>
+                      </a:r>
+                      <a:endParaRPr dirty="0"/>
+                    </a:p>
+                  </a:txBody>
+                  <a:tcPr marL="91450" marR="91450" marT="45725" marB="45725"/>
+                </a:tc>
+                <a:tc>
+                  <a:txBody>
+                    <a:bodyPr/>
+                    <a:lstStyle/>
+                    <a:p>
+                      <a:pPr marL="0" marR="0" lvl="0" indent="0" algn="l" rtl="0">
+                        <a:spcBef>
+                          <a:spcPts val="0"/>
+                        </a:spcBef>
+                        <a:spcAft>
+                          <a:spcPts val="0"/>
+                        </a:spcAft>
+                        <a:buNone/>
+                      </a:pPr>
+                      <a:endParaRPr/>
+                    </a:p>
+                  </a:txBody>
+                  <a:tcPr marL="91450" marR="91450" marT="45725" marB="45725"/>
+                </a:tc>
+                <a:extLst>
+                  <a:ext uri="{0D108BD9-81ED-4DB2-BD59-A6C34878D82A}">
+                    <a16:rowId xmlns:a16="http://schemas.microsoft.com/office/drawing/2014/main" val="10001"/>
+                  </a:ext>
+                </a:extLst>
+              </a:tr>
+              <a:tr h="370850">
+                <a:tc>
+                  <a:txBody>
+                    <a:bodyPr/>
+                    <a:lstStyle/>
+                    <a:p>
+                      <a:pPr marL="0" marR="0" lvl="0" indent="0" algn="l" rtl="0">
+                        <a:spcBef>
+                          <a:spcPts val="0"/>
+                        </a:spcBef>
+                        <a:spcAft>
+                          <a:spcPts val="0"/>
+                        </a:spcAft>
+                        <a:buNone/>
+                      </a:pPr>
+                      <a:r>
+                        <a:rPr lang="fr-FR" dirty="0"/>
+                        <a:t>Design Event</a:t>
+                      </a:r>
+                    </a:p>
+                  </a:txBody>
+                  <a:tcPr marL="91450" marR="91450" marT="45725" marB="45725"/>
+                </a:tc>
+                <a:tc>
+                  <a:txBody>
+                    <a:bodyPr/>
+                    <a:lstStyle/>
+                    <a:p>
+                      <a:pPr marL="0" marR="0" lvl="0" indent="0" algn="l" rtl="0">
+                        <a:spcBef>
+                          <a:spcPts val="0"/>
+                        </a:spcBef>
+                        <a:spcAft>
+                          <a:spcPts val="0"/>
+                        </a:spcAft>
+                        <a:buNone/>
+                      </a:pPr>
+                      <a:r>
+                        <a:rPr lang="fr-FR" sz="1800" dirty="0"/>
+                        <a:t>106/150</a:t>
+                      </a:r>
+                      <a:endParaRPr sz="1800" dirty="0"/>
+                    </a:p>
+                  </a:txBody>
+                  <a:tcPr marL="91450" marR="91450" marT="45725" marB="45725"/>
+                </a:tc>
+                <a:tc>
+                  <a:txBody>
+                    <a:bodyPr/>
+                    <a:lstStyle/>
+                    <a:p>
+                      <a:pPr marL="0" marR="0" lvl="0" indent="0" algn="l" rtl="0">
+                        <a:spcBef>
+                          <a:spcPts val="0"/>
+                        </a:spcBef>
+                        <a:spcAft>
+                          <a:spcPts val="0"/>
+                        </a:spcAft>
+                        <a:buNone/>
+                      </a:pPr>
+                      <a:r>
+                        <a:rPr lang="fr-FR" sz="1800" dirty="0" err="1"/>
+                        <a:t>Dynamix</a:t>
+                      </a:r>
+                      <a:r>
+                        <a:rPr lang="fr-FR" sz="1800" dirty="0"/>
+                        <a:t> v1.0</a:t>
+                      </a:r>
+                      <a:endParaRPr sz="1800" dirty="0"/>
+                    </a:p>
+                  </a:txBody>
+                  <a:tcPr marL="91450" marR="91450" marT="45725" marB="45725"/>
+                </a:tc>
+                <a:tc>
+                  <a:txBody>
+                    <a:bodyPr/>
+                    <a:lstStyle/>
+                    <a:p>
+                      <a:pPr marL="0" marR="0" lvl="0" indent="0" algn="l" rtl="0">
+                        <a:spcBef>
+                          <a:spcPts val="0"/>
+                        </a:spcBef>
+                        <a:spcAft>
+                          <a:spcPts val="0"/>
+                        </a:spcAft>
+                        <a:buNone/>
+                      </a:pPr>
+                      <a:r>
+                        <a:rPr lang="fr-FR" dirty="0"/>
+                        <a:t>100/150</a:t>
+                      </a:r>
+                      <a:endParaRPr dirty="0"/>
+                    </a:p>
+                  </a:txBody>
+                  <a:tcPr marL="91450" marR="91450" marT="45725" marB="45725"/>
+                </a:tc>
+                <a:tc>
+                  <a:txBody>
+                    <a:bodyPr/>
+                    <a:lstStyle/>
+                    <a:p>
+                      <a:pPr marL="0" marR="0" lvl="0" indent="0" algn="l" rtl="0">
+                        <a:spcBef>
+                          <a:spcPts val="0"/>
+                        </a:spcBef>
+                        <a:spcAft>
+                          <a:spcPts val="0"/>
+                        </a:spcAft>
+                        <a:buNone/>
+                      </a:pPr>
+                      <a:endParaRPr/>
+                    </a:p>
+                  </a:txBody>
+                  <a:tcPr marL="91450" marR="91450" marT="45725" marB="45725"/>
+                </a:tc>
+                <a:extLst>
+                  <a:ext uri="{0D108BD9-81ED-4DB2-BD59-A6C34878D82A}">
+                    <a16:rowId xmlns:a16="http://schemas.microsoft.com/office/drawing/2014/main" val="10002"/>
+                  </a:ext>
+                </a:extLst>
+              </a:tr>
+              <a:tr h="370850">
+                <a:tc>
+                  <a:txBody>
+                    <a:bodyPr/>
+                    <a:lstStyle/>
+                    <a:p>
+                      <a:pPr marL="0" marR="0" lvl="0" indent="0" algn="l" rtl="0">
+                        <a:spcBef>
+                          <a:spcPts val="0"/>
+                        </a:spcBef>
+                        <a:spcAft>
+                          <a:spcPts val="0"/>
+                        </a:spcAft>
+                        <a:buNone/>
+                      </a:pPr>
+                      <a:r>
+                        <a:rPr lang="fr-FR" dirty="0" err="1"/>
+                        <a:t>Cost</a:t>
+                      </a:r>
+                      <a:r>
+                        <a:rPr lang="fr-FR" dirty="0"/>
+                        <a:t> Event</a:t>
+                      </a:r>
+                      <a:endParaRPr dirty="0"/>
+                    </a:p>
+                  </a:txBody>
+                  <a:tcPr marL="91450" marR="91450" marT="45725" marB="45725"/>
+                </a:tc>
+                <a:tc>
+                  <a:txBody>
+                    <a:bodyPr/>
+                    <a:lstStyle/>
+                    <a:p>
+                      <a:pPr marL="0" marR="0" lvl="0" indent="0" algn="l" defTabSz="914400" rtl="0" eaLnBrk="1" fontAlgn="auto" latinLnBrk="0" hangingPunct="1">
+                        <a:lnSpc>
+                          <a:spcPct val="100000"/>
+                        </a:lnSpc>
+                        <a:spcBef>
+                          <a:spcPts val="0"/>
+                        </a:spcBef>
+                        <a:spcAft>
+                          <a:spcPts val="0"/>
+                        </a:spcAft>
+                        <a:buClrTx/>
+                        <a:buSzTx/>
+                        <a:buFontTx/>
+                        <a:buNone/>
+                        <a:tabLst/>
+                        <a:defRPr/>
+                      </a:pPr>
+                      <a:r>
+                        <a:rPr lang="fr-FR" sz="1800" dirty="0"/>
+                        <a:t>94/100</a:t>
+                      </a:r>
+                    </a:p>
+                  </a:txBody>
+                  <a:tcPr marL="91450" marR="91450" marT="45725" marB="45725"/>
+                </a:tc>
+                <a:tc>
+                  <a:txBody>
+                    <a:bodyPr/>
+                    <a:lstStyle/>
+                    <a:p>
+                      <a:pPr marL="0" marR="0" lvl="0" indent="0" algn="l" defTabSz="914400" rtl="0" eaLnBrk="1" fontAlgn="auto" latinLnBrk="0" hangingPunct="1">
+                        <a:lnSpc>
+                          <a:spcPct val="100000"/>
+                        </a:lnSpc>
+                        <a:spcBef>
+                          <a:spcPts val="0"/>
+                        </a:spcBef>
+                        <a:spcAft>
+                          <a:spcPts val="0"/>
+                        </a:spcAft>
+                        <a:buClrTx/>
+                        <a:buSzTx/>
+                        <a:buFontTx/>
+                        <a:buNone/>
+                        <a:tabLst/>
+                        <a:defRPr/>
+                      </a:pPr>
+                      <a:r>
+                        <a:rPr lang="fr-FR" sz="1800" dirty="0" err="1"/>
+                        <a:t>Vulcanix</a:t>
+                      </a:r>
+                      <a:endParaRPr lang="fr-FR" sz="1800" dirty="0"/>
+                    </a:p>
+                  </a:txBody>
+                  <a:tcPr marL="91450" marR="91450" marT="45725" marB="45725"/>
+                </a:tc>
+                <a:tc>
+                  <a:txBody>
+                    <a:bodyPr/>
+                    <a:lstStyle/>
+                    <a:p>
+                      <a:pPr marL="0" marR="0" lvl="0" indent="0" algn="l" rtl="0">
+                        <a:spcBef>
+                          <a:spcPts val="0"/>
+                        </a:spcBef>
+                        <a:spcAft>
+                          <a:spcPts val="0"/>
+                        </a:spcAft>
+                        <a:buNone/>
+                      </a:pPr>
+                      <a:r>
+                        <a:rPr lang="fr-FR" sz="1800" dirty="0"/>
+                        <a:t>90/100</a:t>
+                      </a:r>
+                    </a:p>
+                  </a:txBody>
+                  <a:tcPr marL="91450" marR="91450" marT="45725" marB="45725"/>
+                </a:tc>
+                <a:tc>
+                  <a:txBody>
+                    <a:bodyPr/>
+                    <a:lstStyle/>
+                    <a:p>
+                      <a:pPr marL="0" marR="0" lvl="0" indent="0" algn="l" rtl="0">
+                        <a:spcBef>
+                          <a:spcPts val="0"/>
+                        </a:spcBef>
+                        <a:spcAft>
+                          <a:spcPts val="0"/>
+                        </a:spcAft>
+                        <a:buNone/>
+                      </a:pPr>
+                      <a:endParaRPr/>
+                    </a:p>
+                  </a:txBody>
+                  <a:tcPr marL="91450" marR="91450" marT="45725" marB="45725"/>
+                </a:tc>
+                <a:extLst>
+                  <a:ext uri="{0D108BD9-81ED-4DB2-BD59-A6C34878D82A}">
+                    <a16:rowId xmlns:a16="http://schemas.microsoft.com/office/drawing/2014/main" val="10003"/>
+                  </a:ext>
+                </a:extLst>
+              </a:tr>
+              <a:tr h="370850">
+                <a:tc>
+                  <a:txBody>
+                    <a:bodyPr/>
+                    <a:lstStyle/>
+                    <a:p>
+                      <a:pPr marL="0" marR="0" lvl="0" indent="0" algn="l" rtl="0">
+                        <a:spcBef>
+                          <a:spcPts val="0"/>
+                        </a:spcBef>
+                        <a:spcAft>
+                          <a:spcPts val="0"/>
+                        </a:spcAft>
+                        <a:buNone/>
+                      </a:pPr>
+                      <a:r>
+                        <a:rPr lang="fr-FR" dirty="0" err="1"/>
+                        <a:t>Acceleration</a:t>
+                      </a:r>
+                      <a:endParaRPr dirty="0"/>
+                    </a:p>
+                  </a:txBody>
+                  <a:tcPr marL="91450" marR="91450" marT="45725" marB="45725"/>
+                </a:tc>
+                <a:tc>
+                  <a:txBody>
+                    <a:bodyPr/>
+                    <a:lstStyle/>
+                    <a:p>
+                      <a:pPr marL="0" marR="0" lvl="0" indent="0" algn="l" defTabSz="914400" rtl="0" eaLnBrk="1" fontAlgn="auto" latinLnBrk="0" hangingPunct="1">
+                        <a:lnSpc>
+                          <a:spcPct val="100000"/>
+                        </a:lnSpc>
+                        <a:spcBef>
+                          <a:spcPts val="0"/>
+                        </a:spcBef>
+                        <a:spcAft>
+                          <a:spcPts val="0"/>
+                        </a:spcAft>
+                        <a:buClrTx/>
+                        <a:buSzTx/>
+                        <a:buFontTx/>
+                        <a:buNone/>
+                        <a:tabLst/>
+                        <a:defRPr/>
+                      </a:pPr>
+                      <a:r>
+                        <a:rPr lang="fr-FR" sz="1800" dirty="0"/>
+                        <a:t>60/100</a:t>
+                      </a:r>
+                    </a:p>
+                  </a:txBody>
+                  <a:tcPr marL="91450" marR="91450" marT="45725" marB="45725"/>
+                </a:tc>
+                <a:tc>
+                  <a:txBody>
+                    <a:bodyPr/>
+                    <a:lstStyle/>
+                    <a:p>
+                      <a:pPr marL="0" marR="0" lvl="0" indent="0" algn="l" defTabSz="914400" rtl="0" eaLnBrk="1" fontAlgn="auto" latinLnBrk="0" hangingPunct="1">
+                        <a:lnSpc>
+                          <a:spcPct val="100000"/>
+                        </a:lnSpc>
+                        <a:spcBef>
+                          <a:spcPts val="0"/>
+                        </a:spcBef>
+                        <a:spcAft>
+                          <a:spcPts val="0"/>
+                        </a:spcAft>
+                        <a:buClrTx/>
+                        <a:buSzTx/>
+                        <a:buFontTx/>
+                        <a:buNone/>
+                        <a:tabLst/>
+                        <a:defRPr/>
+                      </a:pPr>
+                      <a:r>
+                        <a:rPr lang="fr-FR" sz="1800" dirty="0" err="1"/>
+                        <a:t>Dynamix</a:t>
+                      </a:r>
+                      <a:r>
+                        <a:rPr lang="fr-FR" sz="1800" dirty="0"/>
+                        <a:t> v2.0</a:t>
+                      </a:r>
+                    </a:p>
+                  </a:txBody>
+                  <a:tcPr marL="91450" marR="91450" marT="45725" marB="45725"/>
+                </a:tc>
+                <a:tc>
+                  <a:txBody>
+                    <a:bodyPr/>
+                    <a:lstStyle/>
+                    <a:p>
+                      <a:pPr marL="0" marR="0" lvl="0" indent="0" algn="l" rtl="0">
+                        <a:spcBef>
+                          <a:spcPts val="0"/>
+                        </a:spcBef>
+                        <a:spcAft>
+                          <a:spcPts val="0"/>
+                        </a:spcAft>
+                        <a:buNone/>
+                      </a:pPr>
+                      <a:r>
+                        <a:rPr lang="fr-FR" dirty="0"/>
+                        <a:t>50/100</a:t>
+                      </a:r>
+                      <a:endParaRPr dirty="0"/>
+                    </a:p>
+                  </a:txBody>
+                  <a:tcPr marL="91450" marR="91450" marT="45725" marB="45725"/>
+                </a:tc>
+                <a:tc>
+                  <a:txBody>
+                    <a:bodyPr/>
+                    <a:lstStyle/>
+                    <a:p>
+                      <a:pPr marL="0" marR="0" lvl="0" indent="0" algn="l" rtl="0">
+                        <a:spcBef>
+                          <a:spcPts val="0"/>
+                        </a:spcBef>
+                        <a:spcAft>
+                          <a:spcPts val="0"/>
+                        </a:spcAft>
+                        <a:buNone/>
+                      </a:pPr>
+                      <a:r>
+                        <a:rPr lang="fr-FR" dirty="0"/>
+                        <a:t>4.1s FSG</a:t>
+                      </a:r>
+                      <a:endParaRPr dirty="0"/>
+                    </a:p>
+                  </a:txBody>
+                  <a:tcPr marL="91450" marR="91450" marT="45725" marB="45725"/>
+                </a:tc>
+                <a:extLst>
+                  <a:ext uri="{0D108BD9-81ED-4DB2-BD59-A6C34878D82A}">
+                    <a16:rowId xmlns:a16="http://schemas.microsoft.com/office/drawing/2014/main" val="10004"/>
+                  </a:ext>
+                </a:extLst>
+              </a:tr>
+              <a:tr h="370850">
+                <a:tc>
+                  <a:txBody>
+                    <a:bodyPr/>
+                    <a:lstStyle/>
+                    <a:p>
+                      <a:pPr marL="0" marR="0" lvl="0" indent="0" algn="l" rtl="0">
+                        <a:spcBef>
+                          <a:spcPts val="0"/>
+                        </a:spcBef>
+                        <a:spcAft>
+                          <a:spcPts val="0"/>
+                        </a:spcAft>
+                        <a:buNone/>
+                      </a:pPr>
+                      <a:r>
+                        <a:rPr lang="fr-FR" dirty="0" err="1"/>
+                        <a:t>Skid</a:t>
+                      </a:r>
+                      <a:r>
+                        <a:rPr lang="fr-FR" dirty="0"/>
+                        <a:t>-Pad</a:t>
+                      </a:r>
+                      <a:endParaRPr dirty="0"/>
+                    </a:p>
+                  </a:txBody>
+                  <a:tcPr marL="91450" marR="91450" marT="45725" marB="45725"/>
+                </a:tc>
+                <a:tc>
+                  <a:txBody>
+                    <a:bodyPr/>
+                    <a:lstStyle/>
+                    <a:p>
+                      <a:pPr marL="0" marR="0" lvl="0" indent="0" algn="l" defTabSz="914400" rtl="0" eaLnBrk="1" fontAlgn="auto" latinLnBrk="0" hangingPunct="1">
+                        <a:lnSpc>
+                          <a:spcPct val="100000"/>
+                        </a:lnSpc>
+                        <a:spcBef>
+                          <a:spcPts val="0"/>
+                        </a:spcBef>
+                        <a:spcAft>
+                          <a:spcPts val="0"/>
+                        </a:spcAft>
+                        <a:buClrTx/>
+                        <a:buSzTx/>
+                        <a:buFontTx/>
+                        <a:buNone/>
+                        <a:tabLst/>
+                        <a:defRPr/>
+                      </a:pPr>
+                      <a:r>
+                        <a:rPr lang="fr-FR" sz="1800" dirty="0"/>
+                        <a:t>45/75</a:t>
+                      </a:r>
+                    </a:p>
+                  </a:txBody>
+                  <a:tcPr marL="91450" marR="91450" marT="45725" marB="45725"/>
+                </a:tc>
+                <a:tc>
+                  <a:txBody>
+                    <a:bodyPr/>
+                    <a:lstStyle/>
+                    <a:p>
+                      <a:pPr marL="0" marR="0" lvl="0" indent="0" algn="l" defTabSz="914400" rtl="0" eaLnBrk="1" fontAlgn="auto" latinLnBrk="0" hangingPunct="1">
+                        <a:lnSpc>
+                          <a:spcPct val="100000"/>
+                        </a:lnSpc>
+                        <a:spcBef>
+                          <a:spcPts val="0"/>
+                        </a:spcBef>
+                        <a:spcAft>
+                          <a:spcPts val="0"/>
+                        </a:spcAft>
+                        <a:buClrTx/>
+                        <a:buSzTx/>
+                        <a:buFontTx/>
+                        <a:buNone/>
+                        <a:tabLst/>
+                        <a:defRPr/>
+                      </a:pPr>
+                      <a:r>
+                        <a:rPr lang="fr-FR" sz="1800" dirty="0" err="1"/>
+                        <a:t>Kinétix</a:t>
+                      </a:r>
+                      <a:r>
+                        <a:rPr lang="fr-FR" sz="1800" dirty="0"/>
+                        <a:t> </a:t>
+                      </a:r>
+                    </a:p>
+                  </a:txBody>
+                  <a:tcPr marL="91450" marR="91450" marT="45725" marB="45725"/>
+                </a:tc>
+                <a:tc>
+                  <a:txBody>
+                    <a:bodyPr/>
+                    <a:lstStyle/>
+                    <a:p>
+                      <a:pPr marL="0" marR="0" lvl="0" indent="0" algn="l" rtl="0">
+                        <a:spcBef>
+                          <a:spcPts val="0"/>
+                        </a:spcBef>
+                        <a:spcAft>
+                          <a:spcPts val="0"/>
+                        </a:spcAft>
+                        <a:buNone/>
+                      </a:pPr>
+                      <a:r>
+                        <a:rPr lang="fr-FR" dirty="0"/>
+                        <a:t>35/75</a:t>
+                      </a:r>
+                      <a:endParaRPr dirty="0"/>
+                    </a:p>
+                  </a:txBody>
+                  <a:tcPr marL="91450" marR="91450" marT="45725" marB="45725"/>
+                </a:tc>
+                <a:tc>
+                  <a:txBody>
+                    <a:bodyPr/>
+                    <a:lstStyle/>
+                    <a:p>
+                      <a:pPr marL="0" marR="0" lvl="0" indent="0" algn="l" rtl="0">
+                        <a:spcBef>
+                          <a:spcPts val="0"/>
+                        </a:spcBef>
+                        <a:spcAft>
+                          <a:spcPts val="0"/>
+                        </a:spcAft>
+                        <a:buNone/>
+                      </a:pPr>
+                      <a:r>
+                        <a:rPr lang="fr-FR" dirty="0"/>
+                        <a:t>5.3s FSG</a:t>
+                      </a:r>
+                      <a:endParaRPr dirty="0"/>
+                    </a:p>
+                  </a:txBody>
+                  <a:tcPr marL="91450" marR="91450" marT="45725" marB="45725"/>
+                </a:tc>
+                <a:extLst>
+                  <a:ext uri="{0D108BD9-81ED-4DB2-BD59-A6C34878D82A}">
+                    <a16:rowId xmlns:a16="http://schemas.microsoft.com/office/drawing/2014/main" val="10005"/>
+                  </a:ext>
+                </a:extLst>
+              </a:tr>
+              <a:tr h="370850">
+                <a:tc>
+                  <a:txBody>
+                    <a:bodyPr/>
+                    <a:lstStyle/>
+                    <a:p>
+                      <a:pPr marL="0" marR="0" lvl="0" indent="0" algn="l" rtl="0">
+                        <a:spcBef>
+                          <a:spcPts val="0"/>
+                        </a:spcBef>
+                        <a:spcAft>
+                          <a:spcPts val="0"/>
+                        </a:spcAft>
+                        <a:buNone/>
+                      </a:pPr>
+                      <a:r>
+                        <a:rPr lang="fr-FR" sz="1800" dirty="0" err="1"/>
+                        <a:t>Autocross</a:t>
+                      </a:r>
+                      <a:endParaRPr sz="1800" dirty="0"/>
+                    </a:p>
+                  </a:txBody>
+                  <a:tcPr marL="91450" marR="91450" marT="45725" marB="45725"/>
+                </a:tc>
+                <a:tc>
+                  <a:txBody>
+                    <a:bodyPr/>
+                    <a:lstStyle/>
+                    <a:p>
+                      <a:pPr marL="0" marR="0" lvl="0" indent="0" algn="l" rtl="0">
+                        <a:spcBef>
+                          <a:spcPts val="0"/>
+                        </a:spcBef>
+                        <a:spcAft>
+                          <a:spcPts val="0"/>
+                        </a:spcAft>
+                        <a:buNone/>
+                      </a:pPr>
+                      <a:r>
+                        <a:rPr lang="fr-FR" sz="1800" dirty="0"/>
+                        <a:t>41/125</a:t>
+                      </a:r>
+                      <a:endParaRPr sz="1800" dirty="0"/>
+                    </a:p>
+                  </a:txBody>
+                  <a:tcPr marL="91450" marR="91450" marT="45725" marB="45725"/>
+                </a:tc>
+                <a:tc>
+                  <a:txBody>
+                    <a:bodyPr/>
+                    <a:lstStyle/>
+                    <a:p>
+                      <a:pPr marL="0" marR="0" lvl="0" indent="0" algn="l" rtl="0">
+                        <a:spcBef>
+                          <a:spcPts val="0"/>
+                        </a:spcBef>
+                        <a:spcAft>
+                          <a:spcPts val="0"/>
+                        </a:spcAft>
+                        <a:buNone/>
+                      </a:pPr>
+                      <a:r>
+                        <a:rPr lang="fr-FR" sz="1800" dirty="0" err="1"/>
+                        <a:t>Atomix</a:t>
+                      </a:r>
+                      <a:r>
+                        <a:rPr lang="fr-FR" sz="1800" dirty="0"/>
+                        <a:t> v2.0</a:t>
+                      </a:r>
+                      <a:endParaRPr sz="1800" dirty="0"/>
+                    </a:p>
+                  </a:txBody>
+                  <a:tcPr marL="91450" marR="91450" marT="45725" marB="45725"/>
+                </a:tc>
+                <a:tc>
+                  <a:txBody>
+                    <a:bodyPr/>
+                    <a:lstStyle/>
+                    <a:p>
+                      <a:pPr marL="0" marR="0" lvl="0" indent="0" algn="l" rtl="0">
+                        <a:spcBef>
+                          <a:spcPts val="0"/>
+                        </a:spcBef>
+                        <a:spcAft>
+                          <a:spcPts val="0"/>
+                        </a:spcAft>
+                        <a:buNone/>
+                      </a:pPr>
+                      <a:r>
+                        <a:rPr lang="fr-FR" dirty="0"/>
+                        <a:t>40/125</a:t>
+                      </a:r>
+                      <a:endParaRPr dirty="0"/>
+                    </a:p>
+                  </a:txBody>
+                  <a:tcPr marL="91450" marR="91450" marT="45725" marB="45725"/>
+                </a:tc>
+                <a:tc>
+                  <a:txBody>
+                    <a:bodyPr/>
+                    <a:lstStyle/>
+                    <a:p>
+                      <a:pPr marL="0" marR="0" lvl="0" indent="0" algn="l" rtl="0">
+                        <a:spcBef>
+                          <a:spcPts val="0"/>
+                        </a:spcBef>
+                        <a:spcAft>
+                          <a:spcPts val="0"/>
+                        </a:spcAft>
+                        <a:buNone/>
+                      </a:pPr>
+                      <a:endParaRPr dirty="0"/>
+                    </a:p>
+                  </a:txBody>
+                  <a:tcPr marL="91450" marR="91450" marT="45725" marB="45725"/>
+                </a:tc>
+                <a:extLst>
+                  <a:ext uri="{0D108BD9-81ED-4DB2-BD59-A6C34878D82A}">
+                    <a16:rowId xmlns:a16="http://schemas.microsoft.com/office/drawing/2014/main" val="10006"/>
+                  </a:ext>
+                </a:extLst>
+              </a:tr>
+              <a:tr h="370850">
+                <a:tc>
+                  <a:txBody>
+                    <a:bodyPr/>
+                    <a:lstStyle/>
+                    <a:p>
+                      <a:pPr marL="0" marR="0" lvl="0" indent="0" algn="l" rtl="0">
+                        <a:spcBef>
+                          <a:spcPts val="0"/>
+                        </a:spcBef>
+                        <a:spcAft>
+                          <a:spcPts val="0"/>
+                        </a:spcAft>
+                        <a:buNone/>
+                      </a:pPr>
+                      <a:r>
+                        <a:rPr lang="fr-FR" dirty="0"/>
+                        <a:t>Endurance</a:t>
+                      </a:r>
+                      <a:endParaRPr dirty="0"/>
+                    </a:p>
+                  </a:txBody>
+                  <a:tcPr marL="91450" marR="91450" marT="45725" marB="45725"/>
+                </a:tc>
+                <a:tc>
+                  <a:txBody>
+                    <a:bodyPr/>
+                    <a:lstStyle/>
+                    <a:p>
+                      <a:pPr marL="0" marR="0" lvl="0" indent="0" algn="l" rtl="0">
+                        <a:spcBef>
+                          <a:spcPts val="0"/>
+                        </a:spcBef>
+                        <a:spcAft>
+                          <a:spcPts val="0"/>
+                        </a:spcAft>
+                        <a:buNone/>
+                      </a:pPr>
+                      <a:r>
+                        <a:rPr lang="fr-FR" sz="1800" dirty="0"/>
+                        <a:t>160/275</a:t>
+                      </a:r>
+                      <a:endParaRPr sz="1800" dirty="0"/>
+                    </a:p>
+                  </a:txBody>
+                  <a:tcPr marL="91450" marR="91450" marT="45725" marB="45725"/>
+                </a:tc>
+                <a:tc>
+                  <a:txBody>
+                    <a:bodyPr/>
+                    <a:lstStyle/>
+                    <a:p>
+                      <a:pPr marL="0" marR="0" lvl="0" indent="0" algn="l" rtl="0">
+                        <a:spcBef>
+                          <a:spcPts val="0"/>
+                        </a:spcBef>
+                        <a:spcAft>
+                          <a:spcPts val="0"/>
+                        </a:spcAft>
+                        <a:buNone/>
+                      </a:pPr>
+                      <a:r>
+                        <a:rPr lang="fr-FR" sz="1800" dirty="0" err="1"/>
+                        <a:t>Dynamix</a:t>
+                      </a:r>
+                      <a:r>
+                        <a:rPr lang="fr-FR" sz="1800" dirty="0"/>
+                        <a:t> v2.0</a:t>
+                      </a:r>
+                      <a:endParaRPr sz="1800" dirty="0"/>
+                    </a:p>
+                  </a:txBody>
+                  <a:tcPr marL="91450" marR="91450" marT="45725" marB="45725"/>
+                </a:tc>
+                <a:tc>
+                  <a:txBody>
+                    <a:bodyPr/>
+                    <a:lstStyle/>
+                    <a:p>
+                      <a:pPr marL="0" marR="0" lvl="0" indent="0" algn="l" rtl="0">
+                        <a:spcBef>
+                          <a:spcPts val="0"/>
+                        </a:spcBef>
+                        <a:spcAft>
+                          <a:spcPts val="0"/>
+                        </a:spcAft>
+                        <a:buNone/>
+                      </a:pPr>
+                      <a:r>
+                        <a:rPr lang="fr-FR" dirty="0"/>
+                        <a:t>120/275</a:t>
+                      </a:r>
+                      <a:endParaRPr dirty="0"/>
+                    </a:p>
+                  </a:txBody>
+                  <a:tcPr marL="91450" marR="91450" marT="45725" marB="45725"/>
+                </a:tc>
+                <a:tc>
+                  <a:txBody>
+                    <a:bodyPr/>
+                    <a:lstStyle/>
+                    <a:p>
+                      <a:pPr marL="0" marR="0" lvl="0" indent="0" algn="l" rtl="0">
+                        <a:spcBef>
+                          <a:spcPts val="0"/>
+                        </a:spcBef>
+                        <a:spcAft>
+                          <a:spcPts val="0"/>
+                        </a:spcAft>
+                        <a:buNone/>
+                      </a:pPr>
+                      <a:endParaRPr/>
+                    </a:p>
+                  </a:txBody>
+                  <a:tcPr marL="91450" marR="91450" marT="45725" marB="45725"/>
+                </a:tc>
+                <a:extLst>
+                  <a:ext uri="{0D108BD9-81ED-4DB2-BD59-A6C34878D82A}">
+                    <a16:rowId xmlns:a16="http://schemas.microsoft.com/office/drawing/2014/main" val="10007"/>
+                  </a:ext>
+                </a:extLst>
+              </a:tr>
+              <a:tr h="370850">
+                <a:tc>
+                  <a:txBody>
+                    <a:bodyPr/>
+                    <a:lstStyle/>
+                    <a:p>
+                      <a:pPr marL="0" marR="0" lvl="0" indent="0" algn="l" rtl="0">
+                        <a:spcBef>
+                          <a:spcPts val="0"/>
+                        </a:spcBef>
+                        <a:spcAft>
+                          <a:spcPts val="0"/>
+                        </a:spcAft>
+                        <a:buNone/>
+                      </a:pPr>
+                      <a:r>
+                        <a:rPr lang="fr-FR" sz="1800" dirty="0" err="1"/>
+                        <a:t>Efficiency</a:t>
+                      </a:r>
+                      <a:endParaRPr sz="1800" dirty="0"/>
+                    </a:p>
+                  </a:txBody>
+                  <a:tcPr marL="91450" marR="91450" marT="45725" marB="45725"/>
+                </a:tc>
+                <a:tc>
+                  <a:txBody>
+                    <a:bodyPr/>
+                    <a:lstStyle/>
+                    <a:p>
+                      <a:pPr marL="0" marR="0" lvl="0" indent="0" algn="l" rtl="0">
+                        <a:spcBef>
+                          <a:spcPts val="0"/>
+                        </a:spcBef>
+                        <a:spcAft>
+                          <a:spcPts val="0"/>
+                        </a:spcAft>
+                        <a:buNone/>
+                      </a:pPr>
+                      <a:r>
+                        <a:rPr lang="fr-FR" sz="1800" dirty="0"/>
+                        <a:t>6/100</a:t>
+                      </a:r>
+                      <a:endParaRPr sz="1800" dirty="0"/>
+                    </a:p>
+                  </a:txBody>
+                  <a:tcPr marL="91450" marR="91450" marT="45725" marB="45725"/>
+                </a:tc>
+                <a:tc>
+                  <a:txBody>
+                    <a:bodyPr/>
+                    <a:lstStyle/>
+                    <a:p>
+                      <a:pPr marL="0" marR="0" lvl="0" indent="0" algn="l" rtl="0">
+                        <a:spcBef>
+                          <a:spcPts val="0"/>
+                        </a:spcBef>
+                        <a:spcAft>
+                          <a:spcPts val="0"/>
+                        </a:spcAft>
+                        <a:buNone/>
+                      </a:pPr>
+                      <a:r>
+                        <a:rPr lang="fr-FR" sz="1800" dirty="0" err="1"/>
+                        <a:t>Atomix</a:t>
+                      </a:r>
+                      <a:r>
+                        <a:rPr lang="fr-FR" sz="1800" dirty="0"/>
+                        <a:t> v1.0</a:t>
+                      </a:r>
+                      <a:endParaRPr sz="1800" dirty="0"/>
+                    </a:p>
+                  </a:txBody>
+                  <a:tcPr marL="91450" marR="91450" marT="45725" marB="45725"/>
+                </a:tc>
+                <a:tc>
+                  <a:txBody>
+                    <a:bodyPr/>
+                    <a:lstStyle/>
+                    <a:p>
+                      <a:pPr marL="0" marR="0" lvl="0" indent="0" algn="l" rtl="0">
+                        <a:spcBef>
+                          <a:spcPts val="0"/>
+                        </a:spcBef>
+                        <a:spcAft>
+                          <a:spcPts val="0"/>
+                        </a:spcAft>
+                        <a:buNone/>
+                      </a:pPr>
+                      <a:r>
+                        <a:rPr lang="fr-FR" dirty="0"/>
+                        <a:t>15/100</a:t>
+                      </a:r>
+                      <a:endParaRPr dirty="0"/>
+                    </a:p>
+                  </a:txBody>
+                  <a:tcPr marL="91450" marR="91450" marT="45725" marB="45725"/>
+                </a:tc>
+                <a:tc>
+                  <a:txBody>
+                    <a:bodyPr/>
+                    <a:lstStyle/>
+                    <a:p>
+                      <a:pPr marL="0" marR="0" lvl="0" indent="0" algn="l" rtl="0">
+                        <a:spcBef>
+                          <a:spcPts val="0"/>
+                        </a:spcBef>
+                        <a:spcAft>
+                          <a:spcPts val="0"/>
+                        </a:spcAft>
+                        <a:buNone/>
+                      </a:pPr>
+                      <a:endParaRPr dirty="0"/>
+                    </a:p>
+                  </a:txBody>
+                  <a:tcPr marL="91450" marR="91450" marT="45725" marB="45725"/>
+                </a:tc>
+                <a:extLst>
+                  <a:ext uri="{0D108BD9-81ED-4DB2-BD59-A6C34878D82A}">
+                    <a16:rowId xmlns:a16="http://schemas.microsoft.com/office/drawing/2014/main" val="10008"/>
+                  </a:ext>
+                </a:extLst>
+              </a:tr>
+              <a:tr h="370850">
+                <a:tc>
+                  <a:txBody>
+                    <a:bodyPr/>
+                    <a:lstStyle/>
+                    <a:p>
+                      <a:pPr marL="0" marR="0" lvl="0" indent="0" algn="l" rtl="0">
+                        <a:spcBef>
+                          <a:spcPts val="0"/>
+                        </a:spcBef>
+                        <a:spcAft>
+                          <a:spcPts val="0"/>
+                        </a:spcAft>
+                        <a:buNone/>
+                      </a:pPr>
+                      <a:r>
+                        <a:rPr lang="fr-FR" dirty="0"/>
+                        <a:t>Total</a:t>
+                      </a:r>
+                      <a:endParaRPr dirty="0"/>
+                    </a:p>
+                  </a:txBody>
+                  <a:tcPr marL="91450" marR="91450" marT="45725" marB="45725"/>
+                </a:tc>
+                <a:tc>
+                  <a:txBody>
+                    <a:bodyPr/>
+                    <a:lstStyle/>
+                    <a:p>
+                      <a:pPr marL="0" marR="0" lvl="0" indent="0" algn="l" defTabSz="914400" rtl="0" eaLnBrk="1" fontAlgn="auto" latinLnBrk="0" hangingPunct="1">
+                        <a:lnSpc>
+                          <a:spcPct val="100000"/>
+                        </a:lnSpc>
+                        <a:spcBef>
+                          <a:spcPts val="0"/>
+                        </a:spcBef>
+                        <a:spcAft>
+                          <a:spcPts val="0"/>
+                        </a:spcAft>
+                        <a:buClrTx/>
+                        <a:buSzTx/>
+                        <a:buFontTx/>
+                        <a:buNone/>
+                        <a:tabLst/>
+                        <a:defRPr/>
+                      </a:pPr>
+                      <a:r>
+                        <a:rPr lang="fr-FR" sz="1800" dirty="0"/>
+                        <a:t>480/1000</a:t>
+                      </a:r>
+                    </a:p>
+                    <a:p>
+                      <a:pPr marL="0" marR="0" lvl="0" indent="0" algn="l" rtl="0">
+                        <a:spcBef>
+                          <a:spcPts val="0"/>
+                        </a:spcBef>
+                        <a:spcAft>
+                          <a:spcPts val="0"/>
+                        </a:spcAft>
+                        <a:buNone/>
+                      </a:pPr>
+                      <a:r>
+                        <a:rPr lang="fr-FR" sz="1800" dirty="0"/>
+                        <a:t>575/1000 </a:t>
+                      </a:r>
+                      <a:endParaRPr sz="1800" dirty="0"/>
+                    </a:p>
+                  </a:txBody>
+                  <a:tcPr marL="91450" marR="91450" marT="45725" marB="45725"/>
+                </a:tc>
+                <a:tc>
+                  <a:txBody>
+                    <a:bodyPr/>
+                    <a:lstStyle/>
+                    <a:p>
+                      <a:pPr marL="0" marR="0" lvl="0" indent="0" algn="l" rtl="0">
+                        <a:spcBef>
+                          <a:spcPts val="0"/>
+                        </a:spcBef>
+                        <a:spcAft>
+                          <a:spcPts val="0"/>
+                        </a:spcAft>
+                        <a:buNone/>
+                      </a:pPr>
+                      <a:r>
+                        <a:rPr lang="fr-FR" sz="1800" dirty="0" err="1"/>
+                        <a:t>Dynamix</a:t>
+                      </a:r>
+                      <a:r>
+                        <a:rPr lang="fr-FR" sz="1800" dirty="0"/>
+                        <a:t> v2.0</a:t>
+                      </a:r>
+                    </a:p>
+                    <a:p>
+                      <a:pPr marL="0" marR="0" lvl="0" indent="0" algn="l" rtl="0">
+                        <a:spcBef>
+                          <a:spcPts val="0"/>
+                        </a:spcBef>
+                        <a:spcAft>
+                          <a:spcPts val="0"/>
+                        </a:spcAft>
+                        <a:buNone/>
+                      </a:pPr>
+                      <a:r>
+                        <a:rPr lang="fr-FR" sz="1800" dirty="0"/>
+                        <a:t>Composite</a:t>
+                      </a:r>
+                      <a:endParaRPr sz="1800" dirty="0"/>
+                    </a:p>
+                  </a:txBody>
+                  <a:tcPr marL="91450" marR="91450" marT="45725" marB="45725"/>
+                </a:tc>
+                <a:tc>
+                  <a:txBody>
+                    <a:bodyPr/>
+                    <a:lstStyle/>
+                    <a:p>
+                      <a:pPr marL="0" marR="0" lvl="0" indent="0" algn="l" rtl="0">
+                        <a:spcBef>
+                          <a:spcPts val="0"/>
+                        </a:spcBef>
+                        <a:spcAft>
+                          <a:spcPts val="0"/>
+                        </a:spcAft>
+                        <a:buNone/>
+                      </a:pPr>
+                      <a:r>
+                        <a:rPr lang="fr-FR" dirty="0"/>
+                        <a:t>500/1000</a:t>
+                      </a:r>
+                      <a:endParaRPr dirty="0"/>
+                    </a:p>
+                  </a:txBody>
+                  <a:tcPr marL="91450" marR="91450" marT="45725" marB="45725"/>
+                </a:tc>
+                <a:tc>
+                  <a:txBody>
+                    <a:bodyPr/>
+                    <a:lstStyle/>
+                    <a:p>
+                      <a:pPr marL="0" marR="0" lvl="0" indent="0" algn="l" rtl="0">
+                        <a:spcBef>
+                          <a:spcPts val="0"/>
+                        </a:spcBef>
+                        <a:spcAft>
+                          <a:spcPts val="0"/>
+                        </a:spcAft>
+                        <a:buNone/>
+                      </a:pPr>
+                      <a:endParaRPr dirty="0"/>
+                    </a:p>
+                  </a:txBody>
+                  <a:tcPr marL="91450" marR="91450" marT="45725" marB="45725"/>
+                </a:tc>
+                <a:extLst>
+                  <a:ext uri="{0D108BD9-81ED-4DB2-BD59-A6C34878D82A}">
+                    <a16:rowId xmlns:a16="http://schemas.microsoft.com/office/drawing/2014/main" val="10009"/>
+                  </a:ext>
+                </a:extLst>
+              </a:tr>
+            </a:tbl>
+          </a:graphicData>
+        </a:graphic>
+      </p:graphicFrame>
     </p:spTree>
     <p:extLst>
       <p:ext uri="{BB962C8B-B14F-4D97-AF65-F5344CB8AC3E}">

--- a/AB_TOPs/1_Top_Projet/Top Projet.pptx
+++ b/AB_TOPs/1_Top_Projet/Top Projet.pptx
@@ -5,17 +5,18 @@
     <p:sldMasterId id="2147483648" r:id="rId1"/>
   </p:sldMasterIdLst>
   <p:notesMasterIdLst>
-    <p:notesMasterId r:id="rId10"/>
+    <p:notesMasterId r:id="rId11"/>
   </p:notesMasterIdLst>
   <p:sldIdLst>
     <p:sldId id="256" r:id="rId2"/>
     <p:sldId id="261" r:id="rId3"/>
     <p:sldId id="257" r:id="rId4"/>
     <p:sldId id="258" r:id="rId5"/>
-    <p:sldId id="259" r:id="rId6"/>
-    <p:sldId id="260" r:id="rId7"/>
-    <p:sldId id="262" r:id="rId8"/>
-    <p:sldId id="263" r:id="rId9"/>
+    <p:sldId id="264" r:id="rId6"/>
+    <p:sldId id="259" r:id="rId7"/>
+    <p:sldId id="260" r:id="rId8"/>
+    <p:sldId id="262" r:id="rId9"/>
+    <p:sldId id="263" r:id="rId10"/>
   </p:sldIdLst>
   <p:sldSz cx="12192000" cy="6858000"/>
   <p:notesSz cx="6858000" cy="9144000"/>
@@ -204,7 +205,7 @@
           <a:p>
             <a:fld id="{A9258FD7-AA4D-4EFB-8956-C98F2360B098}" type="datetimeFigureOut">
               <a:rPr lang="fr-FR" smtClean="0"/>
-              <a:t>17/03/2019</a:t>
+              <a:t>20/03/2019</a:t>
             </a:fld>
             <a:endParaRPr lang="fr-FR"/>
           </a:p>
@@ -618,7 +619,7 @@
           <a:p>
             <a:fld id="{854B7264-E21A-4329-A994-84F7B09D33B2}" type="datetimeFigureOut">
               <a:rPr lang="fr-FR" smtClean="0"/>
-              <a:t>17/03/2019</a:t>
+              <a:t>20/03/2019</a:t>
             </a:fld>
             <a:endParaRPr lang="fr-FR"/>
           </a:p>
@@ -816,7 +817,7 @@
           <a:p>
             <a:fld id="{854B7264-E21A-4329-A994-84F7B09D33B2}" type="datetimeFigureOut">
               <a:rPr lang="fr-FR" smtClean="0"/>
-              <a:t>17/03/2019</a:t>
+              <a:t>20/03/2019</a:t>
             </a:fld>
             <a:endParaRPr lang="fr-FR"/>
           </a:p>
@@ -1024,7 +1025,7 @@
           <a:p>
             <a:fld id="{854B7264-E21A-4329-A994-84F7B09D33B2}" type="datetimeFigureOut">
               <a:rPr lang="fr-FR" smtClean="0"/>
-              <a:t>17/03/2019</a:t>
+              <a:t>20/03/2019</a:t>
             </a:fld>
             <a:endParaRPr lang="fr-FR"/>
           </a:p>
@@ -1222,7 +1223,7 @@
           <a:p>
             <a:fld id="{854B7264-E21A-4329-A994-84F7B09D33B2}" type="datetimeFigureOut">
               <a:rPr lang="fr-FR" smtClean="0"/>
-              <a:t>17/03/2019</a:t>
+              <a:t>20/03/2019</a:t>
             </a:fld>
             <a:endParaRPr lang="fr-FR"/>
           </a:p>
@@ -1497,7 +1498,7 @@
           <a:p>
             <a:fld id="{854B7264-E21A-4329-A994-84F7B09D33B2}" type="datetimeFigureOut">
               <a:rPr lang="fr-FR" smtClean="0"/>
-              <a:t>17/03/2019</a:t>
+              <a:t>20/03/2019</a:t>
             </a:fld>
             <a:endParaRPr lang="fr-FR"/>
           </a:p>
@@ -1762,7 +1763,7 @@
           <a:p>
             <a:fld id="{854B7264-E21A-4329-A994-84F7B09D33B2}" type="datetimeFigureOut">
               <a:rPr lang="fr-FR" smtClean="0"/>
-              <a:t>17/03/2019</a:t>
+              <a:t>20/03/2019</a:t>
             </a:fld>
             <a:endParaRPr lang="fr-FR"/>
           </a:p>
@@ -2174,7 +2175,7 @@
           <a:p>
             <a:fld id="{854B7264-E21A-4329-A994-84F7B09D33B2}" type="datetimeFigureOut">
               <a:rPr lang="fr-FR" smtClean="0"/>
-              <a:t>17/03/2019</a:t>
+              <a:t>20/03/2019</a:t>
             </a:fld>
             <a:endParaRPr lang="fr-FR"/>
           </a:p>
@@ -2315,7 +2316,7 @@
           <a:p>
             <a:fld id="{854B7264-E21A-4329-A994-84F7B09D33B2}" type="datetimeFigureOut">
               <a:rPr lang="fr-FR" smtClean="0"/>
-              <a:t>17/03/2019</a:t>
+              <a:t>20/03/2019</a:t>
             </a:fld>
             <a:endParaRPr lang="fr-FR"/>
           </a:p>
@@ -2428,7 +2429,7 @@
           <a:p>
             <a:fld id="{854B7264-E21A-4329-A994-84F7B09D33B2}" type="datetimeFigureOut">
               <a:rPr lang="fr-FR" smtClean="0"/>
-              <a:t>17/03/2019</a:t>
+              <a:t>20/03/2019</a:t>
             </a:fld>
             <a:endParaRPr lang="fr-FR"/>
           </a:p>
@@ -2739,7 +2740,7 @@
           <a:p>
             <a:fld id="{854B7264-E21A-4329-A994-84F7B09D33B2}" type="datetimeFigureOut">
               <a:rPr lang="fr-FR" smtClean="0"/>
-              <a:t>17/03/2019</a:t>
+              <a:t>20/03/2019</a:t>
             </a:fld>
             <a:endParaRPr lang="fr-FR"/>
           </a:p>
@@ -3027,7 +3028,7 @@
           <a:p>
             <a:fld id="{854B7264-E21A-4329-A994-84F7B09D33B2}" type="datetimeFigureOut">
               <a:rPr lang="fr-FR" smtClean="0"/>
-              <a:t>17/03/2019</a:t>
+              <a:t>20/03/2019</a:t>
             </a:fld>
             <a:endParaRPr lang="fr-FR"/>
           </a:p>
@@ -3268,7 +3269,7 @@
           <a:p>
             <a:fld id="{854B7264-E21A-4329-A994-84F7B09D33B2}" type="datetimeFigureOut">
               <a:rPr lang="fr-FR" smtClean="0"/>
-              <a:t>17/03/2019</a:t>
+              <a:t>20/03/2019</a:t>
             </a:fld>
             <a:endParaRPr lang="fr-FR"/>
           </a:p>
@@ -5078,6 +5079,203 @@
           </a:p>
         </p:txBody>
       </p:sp>
+      <p:sp>
+        <p:nvSpPr>
+          <p:cNvPr id="2" name="Flèche : droite 1">
+            <a:extLst>
+              <a:ext uri="{FF2B5EF4-FFF2-40B4-BE49-F238E27FC236}">
+                <a16:creationId xmlns:a16="http://schemas.microsoft.com/office/drawing/2014/main" id="{7A4005F0-7BA1-4699-87FD-ADAC8F9E4488}"/>
+              </a:ext>
+            </a:extLst>
+          </p:cNvPr>
+          <p:cNvSpPr/>
+          <p:nvPr/>
+        </p:nvSpPr>
+        <p:spPr>
+          <a:xfrm>
+            <a:off x="801757" y="1424032"/>
+            <a:ext cx="2272748" cy="1537829"/>
+          </a:xfrm>
+          <a:prstGeom prst="rightArrow">
+            <a:avLst/>
+          </a:prstGeom>
+          <a:solidFill>
+            <a:srgbClr val="C2381E"/>
+          </a:solidFill>
+          <a:ln>
+            <a:solidFill>
+              <a:srgbClr val="C2381E"/>
+            </a:solidFill>
+          </a:ln>
+        </p:spPr>
+        <p:style>
+          <a:lnRef idx="2">
+            <a:schemeClr val="accent1">
+              <a:shade val="50000"/>
+            </a:schemeClr>
+          </a:lnRef>
+          <a:fillRef idx="1">
+            <a:schemeClr val="accent1"/>
+          </a:fillRef>
+          <a:effectRef idx="0">
+            <a:schemeClr val="accent1"/>
+          </a:effectRef>
+          <a:fontRef idx="minor">
+            <a:schemeClr val="lt1"/>
+          </a:fontRef>
+        </p:style>
+        <p:txBody>
+          <a:bodyPr rtlCol="0" anchor="ctr"/>
+          <a:lstStyle/>
+          <a:p>
+            <a:pPr algn="ctr"/>
+            <a:r>
+              <a:rPr lang="fr-FR" dirty="0"/>
+              <a:t>Objectif:</a:t>
+            </a:r>
+          </a:p>
+        </p:txBody>
+      </p:sp>
+      <p:sp>
+        <p:nvSpPr>
+          <p:cNvPr id="3" name="Rectangle 2">
+            <a:extLst>
+              <a:ext uri="{FF2B5EF4-FFF2-40B4-BE49-F238E27FC236}">
+                <a16:creationId xmlns:a16="http://schemas.microsoft.com/office/drawing/2014/main" id="{3B959E40-E992-4AD5-9250-2A990665D14B}"/>
+              </a:ext>
+            </a:extLst>
+          </p:cNvPr>
+          <p:cNvSpPr/>
+          <p:nvPr/>
+        </p:nvSpPr>
+        <p:spPr>
+          <a:xfrm>
+            <a:off x="3207865" y="1869780"/>
+            <a:ext cx="3523400" cy="646331"/>
+          </a:xfrm>
+          <a:prstGeom prst="rect">
+            <a:avLst/>
+          </a:prstGeom>
+        </p:spPr>
+        <p:txBody>
+          <a:bodyPr wrap="none">
+            <a:spAutoFit/>
+          </a:bodyPr>
+          <a:lstStyle/>
+          <a:p>
+            <a:pPr marL="285750" indent="-285750">
+              <a:buFont typeface="Arial" panose="020B0604020202020204" pitchFamily="34" charset="0"/>
+              <a:buChar char="•"/>
+            </a:pPr>
+            <a:r>
+              <a:rPr lang="fr-FR" dirty="0"/>
+              <a:t>Avoir une longue période d’essai</a:t>
+            </a:r>
+          </a:p>
+          <a:p>
+            <a:pPr marL="285750" indent="-285750">
+              <a:buFont typeface="Arial" panose="020B0604020202020204" pitchFamily="34" charset="0"/>
+              <a:buChar char="•"/>
+            </a:pPr>
+            <a:r>
+              <a:rPr lang="fr-FR" dirty="0"/>
+              <a:t>Avoir un véhicule réglable</a:t>
+            </a:r>
+          </a:p>
+        </p:txBody>
+      </p:sp>
+      <p:sp>
+        <p:nvSpPr>
+          <p:cNvPr id="6" name="Rectangle 5">
+            <a:extLst>
+              <a:ext uri="{FF2B5EF4-FFF2-40B4-BE49-F238E27FC236}">
+                <a16:creationId xmlns:a16="http://schemas.microsoft.com/office/drawing/2014/main" id="{460AC28E-2A5A-47E8-841E-E59955F71D6F}"/>
+              </a:ext>
+            </a:extLst>
+          </p:cNvPr>
+          <p:cNvSpPr/>
+          <p:nvPr/>
+        </p:nvSpPr>
+        <p:spPr>
+          <a:xfrm>
+            <a:off x="3207865" y="3504262"/>
+            <a:ext cx="3235906" cy="646331"/>
+          </a:xfrm>
+          <a:prstGeom prst="rect">
+            <a:avLst/>
+          </a:prstGeom>
+        </p:spPr>
+        <p:txBody>
+          <a:bodyPr wrap="square">
+            <a:spAutoFit/>
+          </a:bodyPr>
+          <a:lstStyle/>
+          <a:p>
+            <a:pPr algn="ctr"/>
+            <a:r>
+              <a:rPr lang="fr-FR" dirty="0"/>
+              <a:t>Utiliser les données de capteurs lors des différentes phases</a:t>
+            </a:r>
+          </a:p>
+        </p:txBody>
+      </p:sp>
+      <p:sp>
+        <p:nvSpPr>
+          <p:cNvPr id="7" name="Flèche : droite 6">
+            <a:extLst>
+              <a:ext uri="{FF2B5EF4-FFF2-40B4-BE49-F238E27FC236}">
+                <a16:creationId xmlns:a16="http://schemas.microsoft.com/office/drawing/2014/main" id="{AFA58D9B-91D8-40C8-AF8E-3C4E602B17E8}"/>
+              </a:ext>
+            </a:extLst>
+          </p:cNvPr>
+          <p:cNvSpPr/>
+          <p:nvPr/>
+        </p:nvSpPr>
+        <p:spPr>
+          <a:xfrm>
+            <a:off x="801757" y="3058514"/>
+            <a:ext cx="2272748" cy="1537829"/>
+          </a:xfrm>
+          <a:prstGeom prst="rightArrow">
+            <a:avLst/>
+          </a:prstGeom>
+          <a:solidFill>
+            <a:srgbClr val="C2381E"/>
+          </a:solidFill>
+          <a:ln>
+            <a:solidFill>
+              <a:srgbClr val="C2381E"/>
+            </a:solidFill>
+          </a:ln>
+        </p:spPr>
+        <p:style>
+          <a:lnRef idx="2">
+            <a:schemeClr val="accent1">
+              <a:shade val="50000"/>
+            </a:schemeClr>
+          </a:lnRef>
+          <a:fillRef idx="1">
+            <a:schemeClr val="accent1"/>
+          </a:fillRef>
+          <a:effectRef idx="0">
+            <a:schemeClr val="accent1"/>
+          </a:effectRef>
+          <a:fontRef idx="minor">
+            <a:schemeClr val="lt1"/>
+          </a:fontRef>
+        </p:style>
+        <p:txBody>
+          <a:bodyPr rtlCol="0" anchor="ctr"/>
+          <a:lstStyle/>
+          <a:p>
+            <a:pPr algn="ctr"/>
+            <a:r>
+              <a:rPr lang="fr-FR" dirty="0"/>
+              <a:t>Objectif:</a:t>
+            </a:r>
+          </a:p>
+        </p:txBody>
+      </p:sp>
     </p:spTree>
     <p:extLst>
       <p:ext uri="{BB962C8B-B14F-4D97-AF65-F5344CB8AC3E}">
@@ -6617,15 +6815,2865 @@
                   <a:srgbClr val="C2381E"/>
                 </a:solidFill>
               </a:rPr>
-              <a:t>TOP Projet : Budget financier</a:t>
+              <a:t>TOP Projet : Résultats recherchés</a:t>
             </a:r>
           </a:p>
         </p:txBody>
       </p:sp>
+      <p:graphicFrame>
+        <p:nvGraphicFramePr>
+          <p:cNvPr id="6" name="Tableau 5">
+            <a:extLst>
+              <a:ext uri="{FF2B5EF4-FFF2-40B4-BE49-F238E27FC236}">
+                <a16:creationId xmlns:a16="http://schemas.microsoft.com/office/drawing/2014/main" id="{E0EEDBC3-2494-4079-B0C8-80C9145C6809}"/>
+              </a:ext>
+            </a:extLst>
+          </p:cNvPr>
+          <p:cNvGraphicFramePr>
+            <a:graphicFrameLocks noGrp="1"/>
+          </p:cNvGraphicFramePr>
+          <p:nvPr>
+            <p:extLst>
+              <p:ext uri="{D42A27DB-BD31-4B8C-83A1-F6EECF244321}">
+                <p14:modId xmlns:p14="http://schemas.microsoft.com/office/powerpoint/2010/main" val="1163848168"/>
+              </p:ext>
+            </p:extLst>
+          </p:nvPr>
+        </p:nvGraphicFramePr>
+        <p:xfrm>
+          <a:off x="838197" y="1569984"/>
+          <a:ext cx="10515603" cy="2969832"/>
+        </p:xfrm>
+        <a:graphic>
+          <a:graphicData uri="http://schemas.openxmlformats.org/drawingml/2006/table">
+            <a:tbl>
+              <a:tblPr firstRow="1" firstCol="1" bandRow="1">
+                <a:tableStyleId>{073A0DAA-6AF3-43AB-8588-CEC1D06C72B9}</a:tableStyleId>
+              </a:tblPr>
+              <a:tblGrid>
+                <a:gridCol w="441963">
+                  <a:extLst>
+                    <a:ext uri="{9D8B030D-6E8A-4147-A177-3AD203B41FA5}">
+                      <a16:colId xmlns:a16="http://schemas.microsoft.com/office/drawing/2014/main" val="330744929"/>
+                    </a:ext>
+                  </a:extLst>
+                </a:gridCol>
+                <a:gridCol w="1534160">
+                  <a:extLst>
+                    <a:ext uri="{9D8B030D-6E8A-4147-A177-3AD203B41FA5}">
+                      <a16:colId xmlns:a16="http://schemas.microsoft.com/office/drawing/2014/main" val="2921328971"/>
+                    </a:ext>
+                  </a:extLst>
+                </a:gridCol>
+                <a:gridCol w="472440">
+                  <a:extLst>
+                    <a:ext uri="{9D8B030D-6E8A-4147-A177-3AD203B41FA5}">
+                      <a16:colId xmlns:a16="http://schemas.microsoft.com/office/drawing/2014/main" val="886359061"/>
+                    </a:ext>
+                  </a:extLst>
+                </a:gridCol>
+                <a:gridCol w="1623170">
+                  <a:extLst>
+                    <a:ext uri="{9D8B030D-6E8A-4147-A177-3AD203B41FA5}">
+                      <a16:colId xmlns:a16="http://schemas.microsoft.com/office/drawing/2014/main" val="3752719890"/>
+                    </a:ext>
+                  </a:extLst>
+                </a:gridCol>
+                <a:gridCol w="2517913">
+                  <a:extLst>
+                    <a:ext uri="{9D8B030D-6E8A-4147-A177-3AD203B41FA5}">
+                      <a16:colId xmlns:a16="http://schemas.microsoft.com/office/drawing/2014/main" val="2776574227"/>
+                    </a:ext>
+                  </a:extLst>
+                </a:gridCol>
+                <a:gridCol w="2423728">
+                  <a:extLst>
+                    <a:ext uri="{9D8B030D-6E8A-4147-A177-3AD203B41FA5}">
+                      <a16:colId xmlns:a16="http://schemas.microsoft.com/office/drawing/2014/main" val="929444312"/>
+                    </a:ext>
+                  </a:extLst>
+                </a:gridCol>
+                <a:gridCol w="1502229">
+                  <a:extLst>
+                    <a:ext uri="{9D8B030D-6E8A-4147-A177-3AD203B41FA5}">
+                      <a16:colId xmlns:a16="http://schemas.microsoft.com/office/drawing/2014/main" val="2585179410"/>
+                    </a:ext>
+                  </a:extLst>
+                </a:gridCol>
+              </a:tblGrid>
+              <a:tr h="187071">
+                <a:tc gridSpan="2">
+                  <a:txBody>
+                    <a:bodyPr/>
+                    <a:lstStyle/>
+                    <a:p>
+                      <a:pPr>
+                        <a:lnSpc>
+                          <a:spcPct val="107000"/>
+                        </a:lnSpc>
+                        <a:spcAft>
+                          <a:spcPts val="0"/>
+                        </a:spcAft>
+                      </a:pPr>
+                      <a:r>
+                        <a:rPr lang="fr-FR" sz="1200" dirty="0">
+                          <a:effectLst/>
+                        </a:rPr>
+                        <a:t>Fonction principale</a:t>
+                      </a:r>
+                      <a:endParaRPr lang="fr-FR" sz="1100" dirty="0">
+                        <a:effectLst/>
+                        <a:latin typeface="Calibri" panose="020F0502020204030204" pitchFamily="34" charset="0"/>
+                        <a:ea typeface="Calibri" panose="020F0502020204030204" pitchFamily="34" charset="0"/>
+                        <a:cs typeface="Times New Roman" panose="02020603050405020304" pitchFamily="18" charset="0"/>
+                      </a:endParaRPr>
+                    </a:p>
+                  </a:txBody>
+                  <a:tcPr marL="68580" marR="68580" marT="0" marB="0"/>
+                </a:tc>
+                <a:tc hMerge="1">
+                  <a:txBody>
+                    <a:bodyPr/>
+                    <a:lstStyle/>
+                    <a:p>
+                      <a:endParaRPr lang="fr-FR"/>
+                    </a:p>
+                  </a:txBody>
+                  <a:tcPr/>
+                </a:tc>
+                <a:tc gridSpan="2">
+                  <a:txBody>
+                    <a:bodyPr/>
+                    <a:lstStyle/>
+                    <a:p>
+                      <a:pPr>
+                        <a:lnSpc>
+                          <a:spcPct val="107000"/>
+                        </a:lnSpc>
+                        <a:spcAft>
+                          <a:spcPts val="0"/>
+                        </a:spcAft>
+                      </a:pPr>
+                      <a:r>
+                        <a:rPr lang="fr-FR" sz="1200">
+                          <a:effectLst/>
+                        </a:rPr>
+                        <a:t>Fonction secondaire</a:t>
+                      </a:r>
+                      <a:endParaRPr lang="fr-FR" sz="1100">
+                        <a:effectLst/>
+                        <a:latin typeface="Calibri" panose="020F0502020204030204" pitchFamily="34" charset="0"/>
+                        <a:ea typeface="Calibri" panose="020F0502020204030204" pitchFamily="34" charset="0"/>
+                        <a:cs typeface="Times New Roman" panose="02020603050405020304" pitchFamily="18" charset="0"/>
+                      </a:endParaRPr>
+                    </a:p>
+                  </a:txBody>
+                  <a:tcPr marL="68580" marR="68580" marT="0" marB="0"/>
+                </a:tc>
+                <a:tc hMerge="1">
+                  <a:txBody>
+                    <a:bodyPr/>
+                    <a:lstStyle/>
+                    <a:p>
+                      <a:endParaRPr lang="fr-FR"/>
+                    </a:p>
+                  </a:txBody>
+                  <a:tcPr/>
+                </a:tc>
+                <a:tc>
+                  <a:txBody>
+                    <a:bodyPr/>
+                    <a:lstStyle/>
+                    <a:p>
+                      <a:pPr>
+                        <a:lnSpc>
+                          <a:spcPct val="107000"/>
+                        </a:lnSpc>
+                        <a:spcAft>
+                          <a:spcPts val="0"/>
+                        </a:spcAft>
+                      </a:pPr>
+                      <a:r>
+                        <a:rPr lang="fr-FR" sz="1200">
+                          <a:effectLst/>
+                        </a:rPr>
+                        <a:t>Critère fonctionnel</a:t>
+                      </a:r>
+                      <a:endParaRPr lang="fr-FR" sz="1100">
+                        <a:effectLst/>
+                        <a:latin typeface="Calibri" panose="020F0502020204030204" pitchFamily="34" charset="0"/>
+                        <a:ea typeface="Calibri" panose="020F0502020204030204" pitchFamily="34" charset="0"/>
+                        <a:cs typeface="Times New Roman" panose="02020603050405020304" pitchFamily="18" charset="0"/>
+                      </a:endParaRPr>
+                    </a:p>
+                  </a:txBody>
+                  <a:tcPr marL="68580" marR="68580" marT="0" marB="0"/>
+                </a:tc>
+                <a:tc>
+                  <a:txBody>
+                    <a:bodyPr/>
+                    <a:lstStyle/>
+                    <a:p>
+                      <a:pPr>
+                        <a:lnSpc>
+                          <a:spcPct val="107000"/>
+                        </a:lnSpc>
+                        <a:spcAft>
+                          <a:spcPts val="0"/>
+                        </a:spcAft>
+                      </a:pPr>
+                      <a:r>
+                        <a:rPr lang="fr-FR" sz="1200">
+                          <a:effectLst/>
+                        </a:rPr>
+                        <a:t>Niveau</a:t>
+                      </a:r>
+                      <a:endParaRPr lang="fr-FR" sz="1100">
+                        <a:effectLst/>
+                        <a:latin typeface="Calibri" panose="020F0502020204030204" pitchFamily="34" charset="0"/>
+                        <a:ea typeface="Calibri" panose="020F0502020204030204" pitchFamily="34" charset="0"/>
+                        <a:cs typeface="Times New Roman" panose="02020603050405020304" pitchFamily="18" charset="0"/>
+                      </a:endParaRPr>
+                    </a:p>
+                  </a:txBody>
+                  <a:tcPr marL="68580" marR="68580" marT="0" marB="0"/>
+                </a:tc>
+                <a:tc>
+                  <a:txBody>
+                    <a:bodyPr/>
+                    <a:lstStyle/>
+                    <a:p>
+                      <a:pPr>
+                        <a:lnSpc>
+                          <a:spcPct val="107000"/>
+                        </a:lnSpc>
+                        <a:spcAft>
+                          <a:spcPts val="0"/>
+                        </a:spcAft>
+                      </a:pPr>
+                      <a:r>
+                        <a:rPr lang="fr-FR" sz="1200">
+                          <a:effectLst/>
+                        </a:rPr>
+                        <a:t>Flexibilité</a:t>
+                      </a:r>
+                      <a:endParaRPr lang="fr-FR" sz="1100">
+                        <a:effectLst/>
+                        <a:latin typeface="Calibri" panose="020F0502020204030204" pitchFamily="34" charset="0"/>
+                        <a:ea typeface="Calibri" panose="020F0502020204030204" pitchFamily="34" charset="0"/>
+                        <a:cs typeface="Times New Roman" panose="02020603050405020304" pitchFamily="18" charset="0"/>
+                      </a:endParaRPr>
+                    </a:p>
+                  </a:txBody>
+                  <a:tcPr marL="68580" marR="68580" marT="0" marB="0"/>
+                </a:tc>
+                <a:extLst>
+                  <a:ext uri="{0D108BD9-81ED-4DB2-BD59-A6C34878D82A}">
+                    <a16:rowId xmlns:a16="http://schemas.microsoft.com/office/drawing/2014/main" val="4011943364"/>
+                  </a:ext>
+                </a:extLst>
+              </a:tr>
+              <a:tr h="187071">
+                <a:tc>
+                  <a:txBody>
+                    <a:bodyPr/>
+                    <a:lstStyle/>
+                    <a:p>
+                      <a:pPr>
+                        <a:lnSpc>
+                          <a:spcPct val="107000"/>
+                        </a:lnSpc>
+                        <a:spcAft>
+                          <a:spcPts val="0"/>
+                        </a:spcAft>
+                      </a:pPr>
+                      <a:r>
+                        <a:rPr lang="fr-FR" sz="1100" dirty="0">
+                          <a:effectLst/>
+                          <a:latin typeface="+mn-lt"/>
+                          <a:ea typeface="Calibri" panose="020F0502020204030204" pitchFamily="34" charset="0"/>
+                          <a:cs typeface="Times New Roman" panose="02020603050405020304" pitchFamily="18" charset="0"/>
+                        </a:rPr>
+                        <a:t>FP1</a:t>
+                      </a:r>
+                    </a:p>
+                  </a:txBody>
+                  <a:tcPr marL="68580" marR="68580" marT="0" marB="0"/>
+                </a:tc>
+                <a:tc>
+                  <a:txBody>
+                    <a:bodyPr/>
+                    <a:lstStyle/>
+                    <a:p>
+                      <a:pPr>
+                        <a:lnSpc>
+                          <a:spcPct val="107000"/>
+                        </a:lnSpc>
+                        <a:spcAft>
+                          <a:spcPts val="0"/>
+                        </a:spcAft>
+                      </a:pPr>
+                      <a:r>
+                        <a:rPr lang="fr-FR" sz="1100" dirty="0">
+                          <a:effectLst/>
+                          <a:latin typeface="+mn-lt"/>
+                          <a:ea typeface="Calibri" panose="020F0502020204030204" pitchFamily="34" charset="0"/>
+                          <a:cs typeface="Times New Roman" panose="02020603050405020304" pitchFamily="18" charset="0"/>
+                        </a:rPr>
+                        <a:t>Respecter le règlement</a:t>
+                      </a:r>
+                    </a:p>
+                  </a:txBody>
+                  <a:tcPr marL="68580" marR="68580" marT="0" marB="0"/>
+                </a:tc>
+                <a:tc>
+                  <a:txBody>
+                    <a:bodyPr/>
+                    <a:lstStyle/>
+                    <a:p>
+                      <a:pPr>
+                        <a:lnSpc>
+                          <a:spcPct val="107000"/>
+                        </a:lnSpc>
+                        <a:spcAft>
+                          <a:spcPts val="0"/>
+                        </a:spcAft>
+                      </a:pPr>
+                      <a:endParaRPr lang="fr-FR" sz="1100" dirty="0">
+                        <a:effectLst/>
+                        <a:latin typeface="+mn-lt"/>
+                        <a:ea typeface="Calibri" panose="020F0502020204030204" pitchFamily="34" charset="0"/>
+                        <a:cs typeface="Times New Roman" panose="02020603050405020304" pitchFamily="18" charset="0"/>
+                      </a:endParaRPr>
+                    </a:p>
+                  </a:txBody>
+                  <a:tcPr marL="68580" marR="68580" marT="0" marB="0"/>
+                </a:tc>
+                <a:tc>
+                  <a:txBody>
+                    <a:bodyPr/>
+                    <a:lstStyle/>
+                    <a:p>
+                      <a:pPr>
+                        <a:lnSpc>
+                          <a:spcPct val="107000"/>
+                        </a:lnSpc>
+                        <a:spcAft>
+                          <a:spcPts val="0"/>
+                        </a:spcAft>
+                      </a:pPr>
+                      <a:endParaRPr lang="fr-FR" sz="1100" dirty="0">
+                        <a:effectLst/>
+                        <a:latin typeface="+mn-lt"/>
+                        <a:ea typeface="Calibri" panose="020F0502020204030204" pitchFamily="34" charset="0"/>
+                        <a:cs typeface="Times New Roman" panose="02020603050405020304" pitchFamily="18" charset="0"/>
+                      </a:endParaRPr>
+                    </a:p>
+                  </a:txBody>
+                  <a:tcPr marL="68580" marR="68580" marT="0" marB="0"/>
+                </a:tc>
+                <a:tc>
+                  <a:txBody>
+                    <a:bodyPr/>
+                    <a:lstStyle/>
+                    <a:p>
+                      <a:pPr>
+                        <a:lnSpc>
+                          <a:spcPct val="107000"/>
+                        </a:lnSpc>
+                        <a:spcAft>
+                          <a:spcPts val="0"/>
+                        </a:spcAft>
+                      </a:pPr>
+                      <a:r>
+                        <a:rPr lang="fr-FR" sz="1100">
+                          <a:effectLst/>
+                          <a:latin typeface="+mn-lt"/>
+                        </a:rPr>
+                        <a:t> </a:t>
+                      </a:r>
+                      <a:endParaRPr lang="fr-FR" sz="1100">
+                        <a:effectLst/>
+                        <a:latin typeface="+mn-lt"/>
+                        <a:ea typeface="Calibri" panose="020F0502020204030204" pitchFamily="34" charset="0"/>
+                        <a:cs typeface="Times New Roman" panose="02020603050405020304" pitchFamily="18" charset="0"/>
+                      </a:endParaRPr>
+                    </a:p>
+                  </a:txBody>
+                  <a:tcPr marL="68580" marR="68580" marT="0" marB="0"/>
+                </a:tc>
+                <a:tc>
+                  <a:txBody>
+                    <a:bodyPr/>
+                    <a:lstStyle/>
+                    <a:p>
+                      <a:pPr>
+                        <a:lnSpc>
+                          <a:spcPct val="107000"/>
+                        </a:lnSpc>
+                        <a:spcAft>
+                          <a:spcPts val="0"/>
+                        </a:spcAft>
+                      </a:pPr>
+                      <a:r>
+                        <a:rPr lang="fr-FR" sz="1100">
+                          <a:effectLst/>
+                          <a:latin typeface="+mn-lt"/>
+                        </a:rPr>
+                        <a:t> </a:t>
+                      </a:r>
+                      <a:endParaRPr lang="fr-FR" sz="1100">
+                        <a:effectLst/>
+                        <a:latin typeface="+mn-lt"/>
+                        <a:ea typeface="Calibri" panose="020F0502020204030204" pitchFamily="34" charset="0"/>
+                        <a:cs typeface="Times New Roman" panose="02020603050405020304" pitchFamily="18" charset="0"/>
+                      </a:endParaRPr>
+                    </a:p>
+                  </a:txBody>
+                  <a:tcPr marL="68580" marR="68580" marT="0" marB="0"/>
+                </a:tc>
+                <a:tc>
+                  <a:txBody>
+                    <a:bodyPr/>
+                    <a:lstStyle/>
+                    <a:p>
+                      <a:pPr>
+                        <a:lnSpc>
+                          <a:spcPct val="107000"/>
+                        </a:lnSpc>
+                        <a:spcAft>
+                          <a:spcPts val="0"/>
+                        </a:spcAft>
+                      </a:pPr>
+                      <a:r>
+                        <a:rPr lang="fr-FR" sz="1100" dirty="0">
+                          <a:effectLst/>
+                          <a:latin typeface="+mn-lt"/>
+                        </a:rPr>
+                        <a:t> Aucune</a:t>
+                      </a:r>
+                      <a:endParaRPr lang="fr-FR" sz="1100" dirty="0">
+                        <a:effectLst/>
+                        <a:latin typeface="+mn-lt"/>
+                        <a:ea typeface="Calibri" panose="020F0502020204030204" pitchFamily="34" charset="0"/>
+                        <a:cs typeface="Times New Roman" panose="02020603050405020304" pitchFamily="18" charset="0"/>
+                      </a:endParaRPr>
+                    </a:p>
+                  </a:txBody>
+                  <a:tcPr marL="68580" marR="68580" marT="0" marB="0"/>
+                </a:tc>
+                <a:extLst>
+                  <a:ext uri="{0D108BD9-81ED-4DB2-BD59-A6C34878D82A}">
+                    <a16:rowId xmlns:a16="http://schemas.microsoft.com/office/drawing/2014/main" val="3613842555"/>
+                  </a:ext>
+                </a:extLst>
+              </a:tr>
+              <a:tr h="187071">
+                <a:tc>
+                  <a:txBody>
+                    <a:bodyPr/>
+                    <a:lstStyle/>
+                    <a:p>
+                      <a:pPr>
+                        <a:lnSpc>
+                          <a:spcPct val="107000"/>
+                        </a:lnSpc>
+                        <a:spcAft>
+                          <a:spcPts val="0"/>
+                        </a:spcAft>
+                      </a:pPr>
+                      <a:r>
+                        <a:rPr lang="fr-FR" sz="1100" dirty="0">
+                          <a:effectLst/>
+                          <a:latin typeface="+mn-lt"/>
+                          <a:ea typeface="Calibri" panose="020F0502020204030204" pitchFamily="34" charset="0"/>
+                          <a:cs typeface="Times New Roman" panose="02020603050405020304" pitchFamily="18" charset="0"/>
+                        </a:rPr>
+                        <a:t>FP2</a:t>
+                      </a:r>
+                    </a:p>
+                  </a:txBody>
+                  <a:tcPr marL="68580" marR="68580" marT="0" marB="0"/>
+                </a:tc>
+                <a:tc>
+                  <a:txBody>
+                    <a:bodyPr/>
+                    <a:lstStyle/>
+                    <a:p>
+                      <a:pPr>
+                        <a:lnSpc>
+                          <a:spcPct val="107000"/>
+                        </a:lnSpc>
+                        <a:spcAft>
+                          <a:spcPts val="0"/>
+                        </a:spcAft>
+                      </a:pPr>
+                      <a:r>
+                        <a:rPr lang="fr-FR" sz="1100" dirty="0">
+                          <a:effectLst/>
+                          <a:latin typeface="+mn-lt"/>
+                          <a:ea typeface="Calibri" panose="020F0502020204030204" pitchFamily="34" charset="0"/>
+                          <a:cs typeface="Times New Roman" panose="02020603050405020304" pitchFamily="18" charset="0"/>
+                        </a:rPr>
+                        <a:t>Respecter les délais</a:t>
+                      </a:r>
+                    </a:p>
+                  </a:txBody>
+                  <a:tcPr marL="68580" marR="68580" marT="0" marB="0"/>
+                </a:tc>
+                <a:tc>
+                  <a:txBody>
+                    <a:bodyPr/>
+                    <a:lstStyle/>
+                    <a:p>
+                      <a:pPr>
+                        <a:lnSpc>
+                          <a:spcPct val="107000"/>
+                        </a:lnSpc>
+                        <a:spcAft>
+                          <a:spcPts val="0"/>
+                        </a:spcAft>
+                      </a:pPr>
+                      <a:endParaRPr lang="fr-FR" sz="1100" dirty="0">
+                        <a:effectLst/>
+                        <a:latin typeface="+mn-lt"/>
+                        <a:ea typeface="Calibri" panose="020F0502020204030204" pitchFamily="34" charset="0"/>
+                        <a:cs typeface="Times New Roman" panose="02020603050405020304" pitchFamily="18" charset="0"/>
+                      </a:endParaRPr>
+                    </a:p>
+                  </a:txBody>
+                  <a:tcPr marL="68580" marR="68580" marT="0" marB="0"/>
+                </a:tc>
+                <a:tc>
+                  <a:txBody>
+                    <a:bodyPr/>
+                    <a:lstStyle/>
+                    <a:p>
+                      <a:pPr>
+                        <a:lnSpc>
+                          <a:spcPct val="107000"/>
+                        </a:lnSpc>
+                        <a:spcAft>
+                          <a:spcPts val="0"/>
+                        </a:spcAft>
+                      </a:pPr>
+                      <a:endParaRPr lang="fr-FR" sz="1100">
+                        <a:effectLst/>
+                        <a:latin typeface="+mn-lt"/>
+                        <a:ea typeface="Calibri" panose="020F0502020204030204" pitchFamily="34" charset="0"/>
+                        <a:cs typeface="Times New Roman" panose="02020603050405020304" pitchFamily="18" charset="0"/>
+                      </a:endParaRPr>
+                    </a:p>
+                  </a:txBody>
+                  <a:tcPr marL="68580" marR="68580" marT="0" marB="0"/>
+                </a:tc>
+                <a:tc>
+                  <a:txBody>
+                    <a:bodyPr/>
+                    <a:lstStyle/>
+                    <a:p>
+                      <a:pPr>
+                        <a:lnSpc>
+                          <a:spcPct val="107000"/>
+                        </a:lnSpc>
+                        <a:spcAft>
+                          <a:spcPts val="0"/>
+                        </a:spcAft>
+                      </a:pPr>
+                      <a:endParaRPr lang="fr-FR" sz="1100">
+                        <a:effectLst/>
+                        <a:latin typeface="+mn-lt"/>
+                        <a:ea typeface="Calibri" panose="020F0502020204030204" pitchFamily="34" charset="0"/>
+                        <a:cs typeface="Times New Roman" panose="02020603050405020304" pitchFamily="18" charset="0"/>
+                      </a:endParaRPr>
+                    </a:p>
+                  </a:txBody>
+                  <a:tcPr marL="68580" marR="68580" marT="0" marB="0"/>
+                </a:tc>
+                <a:tc>
+                  <a:txBody>
+                    <a:bodyPr/>
+                    <a:lstStyle/>
+                    <a:p>
+                      <a:pPr>
+                        <a:lnSpc>
+                          <a:spcPct val="107000"/>
+                        </a:lnSpc>
+                        <a:spcAft>
+                          <a:spcPts val="0"/>
+                        </a:spcAft>
+                      </a:pPr>
+                      <a:endParaRPr lang="fr-FR" sz="1100">
+                        <a:effectLst/>
+                        <a:latin typeface="+mn-lt"/>
+                        <a:ea typeface="Calibri" panose="020F0502020204030204" pitchFamily="34" charset="0"/>
+                        <a:cs typeface="Times New Roman" panose="02020603050405020304" pitchFamily="18" charset="0"/>
+                      </a:endParaRPr>
+                    </a:p>
+                  </a:txBody>
+                  <a:tcPr marL="68580" marR="68580" marT="0" marB="0"/>
+                </a:tc>
+                <a:tc>
+                  <a:txBody>
+                    <a:bodyPr/>
+                    <a:lstStyle/>
+                    <a:p>
+                      <a:pPr>
+                        <a:lnSpc>
+                          <a:spcPct val="107000"/>
+                        </a:lnSpc>
+                        <a:spcAft>
+                          <a:spcPts val="0"/>
+                        </a:spcAft>
+                      </a:pPr>
+                      <a:endParaRPr lang="fr-FR" sz="1100">
+                        <a:effectLst/>
+                        <a:latin typeface="+mn-lt"/>
+                        <a:ea typeface="Calibri" panose="020F0502020204030204" pitchFamily="34" charset="0"/>
+                        <a:cs typeface="Times New Roman" panose="02020603050405020304" pitchFamily="18" charset="0"/>
+                      </a:endParaRPr>
+                    </a:p>
+                  </a:txBody>
+                  <a:tcPr marL="68580" marR="68580" marT="0" marB="0"/>
+                </a:tc>
+                <a:extLst>
+                  <a:ext uri="{0D108BD9-81ED-4DB2-BD59-A6C34878D82A}">
+                    <a16:rowId xmlns:a16="http://schemas.microsoft.com/office/drawing/2014/main" val="418558005"/>
+                  </a:ext>
+                </a:extLst>
+              </a:tr>
+              <a:tr h="187071">
+                <a:tc>
+                  <a:txBody>
+                    <a:bodyPr/>
+                    <a:lstStyle/>
+                    <a:p>
+                      <a:pPr>
+                        <a:lnSpc>
+                          <a:spcPct val="107000"/>
+                        </a:lnSpc>
+                        <a:spcAft>
+                          <a:spcPts val="0"/>
+                        </a:spcAft>
+                      </a:pPr>
+                      <a:r>
+                        <a:rPr lang="fr-FR" sz="1100" dirty="0">
+                          <a:effectLst/>
+                          <a:latin typeface="+mn-lt"/>
+                          <a:ea typeface="Calibri" panose="020F0502020204030204" pitchFamily="34" charset="0"/>
+                          <a:cs typeface="Times New Roman" panose="02020603050405020304" pitchFamily="18" charset="0"/>
+                        </a:rPr>
+                        <a:t>FP3</a:t>
+                      </a:r>
+                    </a:p>
+                  </a:txBody>
+                  <a:tcPr marL="68580" marR="68580" marT="0" marB="0"/>
+                </a:tc>
+                <a:tc>
+                  <a:txBody>
+                    <a:bodyPr/>
+                    <a:lstStyle/>
+                    <a:p>
+                      <a:pPr>
+                        <a:lnSpc>
+                          <a:spcPct val="107000"/>
+                        </a:lnSpc>
+                        <a:spcAft>
+                          <a:spcPts val="0"/>
+                        </a:spcAft>
+                      </a:pPr>
+                      <a:r>
+                        <a:rPr lang="fr-FR" sz="1100" dirty="0">
+                          <a:effectLst/>
+                          <a:latin typeface="+mn-lt"/>
+                          <a:ea typeface="Calibri" panose="020F0502020204030204" pitchFamily="34" charset="0"/>
+                          <a:cs typeface="Times New Roman" panose="02020603050405020304" pitchFamily="18" charset="0"/>
+                        </a:rPr>
+                        <a:t>Masse</a:t>
+                      </a:r>
+                    </a:p>
+                  </a:txBody>
+                  <a:tcPr marL="68580" marR="68580" marT="0" marB="0"/>
+                </a:tc>
+                <a:tc>
+                  <a:txBody>
+                    <a:bodyPr/>
+                    <a:lstStyle/>
+                    <a:p>
+                      <a:pPr>
+                        <a:lnSpc>
+                          <a:spcPct val="107000"/>
+                        </a:lnSpc>
+                        <a:spcAft>
+                          <a:spcPts val="0"/>
+                        </a:spcAft>
+                      </a:pPr>
+                      <a:endParaRPr lang="fr-FR" sz="1100" dirty="0">
+                        <a:effectLst/>
+                        <a:latin typeface="+mn-lt"/>
+                        <a:ea typeface="Calibri" panose="020F0502020204030204" pitchFamily="34" charset="0"/>
+                        <a:cs typeface="Times New Roman" panose="02020603050405020304" pitchFamily="18" charset="0"/>
+                      </a:endParaRPr>
+                    </a:p>
+                  </a:txBody>
+                  <a:tcPr marL="68580" marR="68580" marT="0" marB="0"/>
+                </a:tc>
+                <a:tc>
+                  <a:txBody>
+                    <a:bodyPr/>
+                    <a:lstStyle/>
+                    <a:p>
+                      <a:pPr>
+                        <a:lnSpc>
+                          <a:spcPct val="107000"/>
+                        </a:lnSpc>
+                        <a:spcAft>
+                          <a:spcPts val="0"/>
+                        </a:spcAft>
+                      </a:pPr>
+                      <a:endParaRPr lang="fr-FR" sz="1100" dirty="0">
+                        <a:effectLst/>
+                        <a:latin typeface="+mn-lt"/>
+                        <a:ea typeface="Calibri" panose="020F0502020204030204" pitchFamily="34" charset="0"/>
+                        <a:cs typeface="Times New Roman" panose="02020603050405020304" pitchFamily="18" charset="0"/>
+                      </a:endParaRPr>
+                    </a:p>
+                  </a:txBody>
+                  <a:tcPr marL="68580" marR="68580" marT="0" marB="0"/>
+                </a:tc>
+                <a:tc>
+                  <a:txBody>
+                    <a:bodyPr/>
+                    <a:lstStyle/>
+                    <a:p>
+                      <a:pPr>
+                        <a:lnSpc>
+                          <a:spcPct val="107000"/>
+                        </a:lnSpc>
+                        <a:spcAft>
+                          <a:spcPts val="0"/>
+                        </a:spcAft>
+                      </a:pPr>
+                      <a:endParaRPr lang="fr-FR" sz="1100" dirty="0">
+                        <a:effectLst/>
+                        <a:latin typeface="+mn-lt"/>
+                        <a:ea typeface="Calibri" panose="020F0502020204030204" pitchFamily="34" charset="0"/>
+                        <a:cs typeface="Times New Roman" panose="02020603050405020304" pitchFamily="18" charset="0"/>
+                      </a:endParaRPr>
+                    </a:p>
+                  </a:txBody>
+                  <a:tcPr marL="68580" marR="68580" marT="0" marB="0"/>
+                </a:tc>
+                <a:tc>
+                  <a:txBody>
+                    <a:bodyPr/>
+                    <a:lstStyle/>
+                    <a:p>
+                      <a:pPr>
+                        <a:lnSpc>
+                          <a:spcPct val="107000"/>
+                        </a:lnSpc>
+                        <a:spcAft>
+                          <a:spcPts val="0"/>
+                        </a:spcAft>
+                      </a:pPr>
+                      <a:endParaRPr lang="fr-FR" sz="1100" dirty="0">
+                        <a:effectLst/>
+                        <a:latin typeface="+mn-lt"/>
+                        <a:ea typeface="Calibri" panose="020F0502020204030204" pitchFamily="34" charset="0"/>
+                        <a:cs typeface="Times New Roman" panose="02020603050405020304" pitchFamily="18" charset="0"/>
+                      </a:endParaRPr>
+                    </a:p>
+                  </a:txBody>
+                  <a:tcPr marL="68580" marR="68580" marT="0" marB="0"/>
+                </a:tc>
+                <a:tc>
+                  <a:txBody>
+                    <a:bodyPr/>
+                    <a:lstStyle/>
+                    <a:p>
+                      <a:pPr>
+                        <a:lnSpc>
+                          <a:spcPct val="107000"/>
+                        </a:lnSpc>
+                        <a:spcAft>
+                          <a:spcPts val="0"/>
+                        </a:spcAft>
+                      </a:pPr>
+                      <a:endParaRPr lang="fr-FR" sz="1100" dirty="0">
+                        <a:effectLst/>
+                        <a:latin typeface="+mn-lt"/>
+                        <a:ea typeface="Calibri" panose="020F0502020204030204" pitchFamily="34" charset="0"/>
+                        <a:cs typeface="Times New Roman" panose="02020603050405020304" pitchFamily="18" charset="0"/>
+                      </a:endParaRPr>
+                    </a:p>
+                  </a:txBody>
+                  <a:tcPr marL="68580" marR="68580" marT="0" marB="0"/>
+                </a:tc>
+                <a:extLst>
+                  <a:ext uri="{0D108BD9-81ED-4DB2-BD59-A6C34878D82A}">
+                    <a16:rowId xmlns:a16="http://schemas.microsoft.com/office/drawing/2014/main" val="3586083713"/>
+                  </a:ext>
+                </a:extLst>
+              </a:tr>
+              <a:tr h="187071">
+                <a:tc rowSpan="4">
+                  <a:txBody>
+                    <a:bodyPr/>
+                    <a:lstStyle/>
+                    <a:p>
+                      <a:pPr>
+                        <a:lnSpc>
+                          <a:spcPct val="107000"/>
+                        </a:lnSpc>
+                        <a:spcAft>
+                          <a:spcPts val="0"/>
+                        </a:spcAft>
+                      </a:pPr>
+                      <a:r>
+                        <a:rPr lang="fr-FR" sz="1100" dirty="0">
+                          <a:effectLst/>
+                          <a:latin typeface="+mn-lt"/>
+                          <a:ea typeface="Calibri" panose="020F0502020204030204" pitchFamily="34" charset="0"/>
+                          <a:cs typeface="Times New Roman" panose="02020603050405020304" pitchFamily="18" charset="0"/>
+                        </a:rPr>
+                        <a:t>FP4</a:t>
+                      </a:r>
+                    </a:p>
+                  </a:txBody>
+                  <a:tcPr marL="68580" marR="68580" marT="0" marB="0"/>
+                </a:tc>
+                <a:tc rowSpan="4">
+                  <a:txBody>
+                    <a:bodyPr/>
+                    <a:lstStyle/>
+                    <a:p>
+                      <a:pPr>
+                        <a:lnSpc>
+                          <a:spcPct val="107000"/>
+                        </a:lnSpc>
+                        <a:spcAft>
+                          <a:spcPts val="0"/>
+                        </a:spcAft>
+                      </a:pPr>
+                      <a:r>
+                        <a:rPr lang="fr-FR" sz="1100" dirty="0">
+                          <a:effectLst/>
+                          <a:latin typeface="+mn-lt"/>
+                          <a:ea typeface="Calibri" panose="020F0502020204030204" pitchFamily="34" charset="0"/>
+                          <a:cs typeface="Times New Roman" panose="02020603050405020304" pitchFamily="18" charset="0"/>
+                        </a:rPr>
+                        <a:t>Moteur</a:t>
+                      </a:r>
+                    </a:p>
+                  </a:txBody>
+                  <a:tcPr marL="68580" marR="68580" marT="0" marB="0"/>
+                </a:tc>
+                <a:tc>
+                  <a:txBody>
+                    <a:bodyPr/>
+                    <a:lstStyle/>
+                    <a:p>
+                      <a:pPr>
+                        <a:lnSpc>
+                          <a:spcPct val="107000"/>
+                        </a:lnSpc>
+                        <a:spcAft>
+                          <a:spcPts val="0"/>
+                        </a:spcAft>
+                      </a:pPr>
+                      <a:r>
+                        <a:rPr lang="fr-FR" sz="1100" dirty="0">
+                          <a:effectLst/>
+                          <a:latin typeface="+mn-lt"/>
+                          <a:ea typeface="Calibri" panose="020F0502020204030204" pitchFamily="34" charset="0"/>
+                          <a:cs typeface="Times New Roman" panose="02020603050405020304" pitchFamily="18" charset="0"/>
+                        </a:rPr>
+                        <a:t>FP4.1</a:t>
+                      </a:r>
+                    </a:p>
+                  </a:txBody>
+                  <a:tcPr marL="68580" marR="68580" marT="0" marB="0"/>
+                </a:tc>
+                <a:tc>
+                  <a:txBody>
+                    <a:bodyPr/>
+                    <a:lstStyle/>
+                    <a:p>
+                      <a:pPr>
+                        <a:lnSpc>
+                          <a:spcPct val="107000"/>
+                        </a:lnSpc>
+                        <a:spcAft>
+                          <a:spcPts val="0"/>
+                        </a:spcAft>
+                      </a:pPr>
+                      <a:r>
+                        <a:rPr lang="fr-FR" sz="1100" dirty="0">
+                          <a:effectLst/>
+                          <a:latin typeface="+mn-lt"/>
+                          <a:ea typeface="Calibri" panose="020F0502020204030204" pitchFamily="34" charset="0"/>
+                          <a:cs typeface="Times New Roman" panose="02020603050405020304" pitchFamily="18" charset="0"/>
+                        </a:rPr>
+                        <a:t>Cylindrée</a:t>
+                      </a:r>
+                    </a:p>
+                  </a:txBody>
+                  <a:tcPr marL="68580" marR="68580" marT="0" marB="0"/>
+                </a:tc>
+                <a:tc>
+                  <a:txBody>
+                    <a:bodyPr/>
+                    <a:lstStyle/>
+                    <a:p>
+                      <a:pPr>
+                        <a:lnSpc>
+                          <a:spcPct val="107000"/>
+                        </a:lnSpc>
+                        <a:spcAft>
+                          <a:spcPts val="0"/>
+                        </a:spcAft>
+                      </a:pPr>
+                      <a:r>
+                        <a:rPr lang="fr-FR" sz="1100" dirty="0">
+                          <a:effectLst/>
+                          <a:latin typeface="+mn-lt"/>
+                        </a:rPr>
+                        <a:t> </a:t>
+                      </a:r>
+                      <a:endParaRPr lang="fr-FR" sz="1100" dirty="0">
+                        <a:effectLst/>
+                        <a:latin typeface="+mn-lt"/>
+                        <a:ea typeface="Calibri" panose="020F0502020204030204" pitchFamily="34" charset="0"/>
+                        <a:cs typeface="Times New Roman" panose="02020603050405020304" pitchFamily="18" charset="0"/>
+                      </a:endParaRPr>
+                    </a:p>
+                  </a:txBody>
+                  <a:tcPr marL="68580" marR="68580" marT="0" marB="0"/>
+                </a:tc>
+                <a:tc>
+                  <a:txBody>
+                    <a:bodyPr/>
+                    <a:lstStyle/>
+                    <a:p>
+                      <a:pPr>
+                        <a:lnSpc>
+                          <a:spcPct val="107000"/>
+                        </a:lnSpc>
+                        <a:spcAft>
+                          <a:spcPts val="0"/>
+                        </a:spcAft>
+                      </a:pPr>
+                      <a:r>
+                        <a:rPr lang="fr-FR" sz="1100" dirty="0">
+                          <a:effectLst/>
+                          <a:latin typeface="+mn-lt"/>
+                        </a:rPr>
+                        <a:t> </a:t>
+                      </a:r>
+                      <a:endParaRPr lang="fr-FR" sz="1100" dirty="0">
+                        <a:effectLst/>
+                        <a:latin typeface="+mn-lt"/>
+                        <a:ea typeface="Calibri" panose="020F0502020204030204" pitchFamily="34" charset="0"/>
+                        <a:cs typeface="Times New Roman" panose="02020603050405020304" pitchFamily="18" charset="0"/>
+                      </a:endParaRPr>
+                    </a:p>
+                  </a:txBody>
+                  <a:tcPr marL="68580" marR="68580" marT="0" marB="0"/>
+                </a:tc>
+                <a:tc>
+                  <a:txBody>
+                    <a:bodyPr/>
+                    <a:lstStyle/>
+                    <a:p>
+                      <a:pPr>
+                        <a:lnSpc>
+                          <a:spcPct val="107000"/>
+                        </a:lnSpc>
+                        <a:spcAft>
+                          <a:spcPts val="0"/>
+                        </a:spcAft>
+                      </a:pPr>
+                      <a:r>
+                        <a:rPr lang="fr-FR" sz="1100" dirty="0">
+                          <a:effectLst/>
+                          <a:latin typeface="+mn-lt"/>
+                        </a:rPr>
+                        <a:t> </a:t>
+                      </a:r>
+                      <a:endParaRPr lang="fr-FR" sz="1100" dirty="0">
+                        <a:effectLst/>
+                        <a:latin typeface="+mn-lt"/>
+                        <a:ea typeface="Calibri" panose="020F0502020204030204" pitchFamily="34" charset="0"/>
+                        <a:cs typeface="Times New Roman" panose="02020603050405020304" pitchFamily="18" charset="0"/>
+                      </a:endParaRPr>
+                    </a:p>
+                  </a:txBody>
+                  <a:tcPr marL="68580" marR="68580" marT="0" marB="0"/>
+                </a:tc>
+                <a:extLst>
+                  <a:ext uri="{0D108BD9-81ED-4DB2-BD59-A6C34878D82A}">
+                    <a16:rowId xmlns:a16="http://schemas.microsoft.com/office/drawing/2014/main" val="1092317298"/>
+                  </a:ext>
+                </a:extLst>
+              </a:tr>
+              <a:tr h="187071">
+                <a:tc vMerge="1">
+                  <a:txBody>
+                    <a:bodyPr/>
+                    <a:lstStyle/>
+                    <a:p>
+                      <a:pPr>
+                        <a:lnSpc>
+                          <a:spcPct val="107000"/>
+                        </a:lnSpc>
+                        <a:spcAft>
+                          <a:spcPts val="0"/>
+                        </a:spcAft>
+                      </a:pPr>
+                      <a:endParaRPr lang="fr-FR" sz="1100" dirty="0">
+                        <a:effectLst/>
+                        <a:latin typeface="+mn-lt"/>
+                        <a:ea typeface="Calibri" panose="020F0502020204030204" pitchFamily="34" charset="0"/>
+                        <a:cs typeface="Times New Roman" panose="02020603050405020304" pitchFamily="18" charset="0"/>
+                      </a:endParaRPr>
+                    </a:p>
+                  </a:txBody>
+                  <a:tcPr marL="68580" marR="68580" marT="0" marB="0"/>
+                </a:tc>
+                <a:tc vMerge="1">
+                  <a:txBody>
+                    <a:bodyPr/>
+                    <a:lstStyle/>
+                    <a:p>
+                      <a:pPr>
+                        <a:lnSpc>
+                          <a:spcPct val="107000"/>
+                        </a:lnSpc>
+                        <a:spcAft>
+                          <a:spcPts val="0"/>
+                        </a:spcAft>
+                      </a:pPr>
+                      <a:endParaRPr lang="fr-FR" sz="1100" dirty="0">
+                        <a:effectLst/>
+                        <a:latin typeface="+mn-lt"/>
+                        <a:ea typeface="Calibri" panose="020F0502020204030204" pitchFamily="34" charset="0"/>
+                        <a:cs typeface="Times New Roman" panose="02020603050405020304" pitchFamily="18" charset="0"/>
+                      </a:endParaRPr>
+                    </a:p>
+                  </a:txBody>
+                  <a:tcPr marL="68580" marR="68580" marT="0" marB="0"/>
+                </a:tc>
+                <a:tc>
+                  <a:txBody>
+                    <a:bodyPr/>
+                    <a:lstStyle/>
+                    <a:p>
+                      <a:pPr>
+                        <a:lnSpc>
+                          <a:spcPct val="107000"/>
+                        </a:lnSpc>
+                        <a:spcAft>
+                          <a:spcPts val="0"/>
+                        </a:spcAft>
+                      </a:pPr>
+                      <a:r>
+                        <a:rPr lang="fr-FR" sz="1100" dirty="0">
+                          <a:effectLst/>
+                          <a:latin typeface="+mn-lt"/>
+                          <a:ea typeface="Calibri" panose="020F0502020204030204" pitchFamily="34" charset="0"/>
+                          <a:cs typeface="Times New Roman" panose="02020603050405020304" pitchFamily="18" charset="0"/>
+                        </a:rPr>
+                        <a:t>FP4.2</a:t>
+                      </a:r>
+                    </a:p>
+                  </a:txBody>
+                  <a:tcPr marL="68580" marR="68580" marT="0" marB="0"/>
+                </a:tc>
+                <a:tc>
+                  <a:txBody>
+                    <a:bodyPr/>
+                    <a:lstStyle/>
+                    <a:p>
+                      <a:pPr>
+                        <a:lnSpc>
+                          <a:spcPct val="107000"/>
+                        </a:lnSpc>
+                        <a:spcAft>
+                          <a:spcPts val="0"/>
+                        </a:spcAft>
+                      </a:pPr>
+                      <a:r>
+                        <a:rPr lang="fr-FR" sz="1100" dirty="0">
+                          <a:effectLst/>
+                          <a:latin typeface="+mn-lt"/>
+                          <a:ea typeface="Calibri" panose="020F0502020204030204" pitchFamily="34" charset="0"/>
+                          <a:cs typeface="Times New Roman" panose="02020603050405020304" pitchFamily="18" charset="0"/>
+                        </a:rPr>
+                        <a:t>Puissance maximale</a:t>
+                      </a:r>
+                    </a:p>
+                  </a:txBody>
+                  <a:tcPr marL="68580" marR="68580" marT="0" marB="0"/>
+                </a:tc>
+                <a:tc>
+                  <a:txBody>
+                    <a:bodyPr/>
+                    <a:lstStyle/>
+                    <a:p>
+                      <a:pPr>
+                        <a:lnSpc>
+                          <a:spcPct val="107000"/>
+                        </a:lnSpc>
+                        <a:spcAft>
+                          <a:spcPts val="0"/>
+                        </a:spcAft>
+                      </a:pPr>
+                      <a:r>
+                        <a:rPr lang="fr-FR" sz="1100">
+                          <a:effectLst/>
+                          <a:latin typeface="+mn-lt"/>
+                        </a:rPr>
+                        <a:t> </a:t>
+                      </a:r>
+                      <a:endParaRPr lang="fr-FR" sz="1100">
+                        <a:effectLst/>
+                        <a:latin typeface="+mn-lt"/>
+                        <a:ea typeface="Calibri" panose="020F0502020204030204" pitchFamily="34" charset="0"/>
+                        <a:cs typeface="Times New Roman" panose="02020603050405020304" pitchFamily="18" charset="0"/>
+                      </a:endParaRPr>
+                    </a:p>
+                  </a:txBody>
+                  <a:tcPr marL="68580" marR="68580" marT="0" marB="0"/>
+                </a:tc>
+                <a:tc>
+                  <a:txBody>
+                    <a:bodyPr/>
+                    <a:lstStyle/>
+                    <a:p>
+                      <a:pPr>
+                        <a:lnSpc>
+                          <a:spcPct val="107000"/>
+                        </a:lnSpc>
+                        <a:spcAft>
+                          <a:spcPts val="0"/>
+                        </a:spcAft>
+                      </a:pPr>
+                      <a:r>
+                        <a:rPr lang="fr-FR" sz="1100">
+                          <a:effectLst/>
+                          <a:latin typeface="+mn-lt"/>
+                        </a:rPr>
+                        <a:t> </a:t>
+                      </a:r>
+                      <a:endParaRPr lang="fr-FR" sz="1100">
+                        <a:effectLst/>
+                        <a:latin typeface="+mn-lt"/>
+                        <a:ea typeface="Calibri" panose="020F0502020204030204" pitchFamily="34" charset="0"/>
+                        <a:cs typeface="Times New Roman" panose="02020603050405020304" pitchFamily="18" charset="0"/>
+                      </a:endParaRPr>
+                    </a:p>
+                  </a:txBody>
+                  <a:tcPr marL="68580" marR="68580" marT="0" marB="0"/>
+                </a:tc>
+                <a:tc>
+                  <a:txBody>
+                    <a:bodyPr/>
+                    <a:lstStyle/>
+                    <a:p>
+                      <a:pPr>
+                        <a:lnSpc>
+                          <a:spcPct val="107000"/>
+                        </a:lnSpc>
+                        <a:spcAft>
+                          <a:spcPts val="0"/>
+                        </a:spcAft>
+                      </a:pPr>
+                      <a:r>
+                        <a:rPr lang="fr-FR" sz="1100" dirty="0">
+                          <a:effectLst/>
+                          <a:latin typeface="+mn-lt"/>
+                        </a:rPr>
+                        <a:t> </a:t>
+                      </a:r>
+                      <a:endParaRPr lang="fr-FR" sz="1100" dirty="0">
+                        <a:effectLst/>
+                        <a:latin typeface="+mn-lt"/>
+                        <a:ea typeface="Calibri" panose="020F0502020204030204" pitchFamily="34" charset="0"/>
+                        <a:cs typeface="Times New Roman" panose="02020603050405020304" pitchFamily="18" charset="0"/>
+                      </a:endParaRPr>
+                    </a:p>
+                  </a:txBody>
+                  <a:tcPr marL="68580" marR="68580" marT="0" marB="0"/>
+                </a:tc>
+                <a:extLst>
+                  <a:ext uri="{0D108BD9-81ED-4DB2-BD59-A6C34878D82A}">
+                    <a16:rowId xmlns:a16="http://schemas.microsoft.com/office/drawing/2014/main" val="1582138609"/>
+                  </a:ext>
+                </a:extLst>
+              </a:tr>
+              <a:tr h="187071">
+                <a:tc vMerge="1">
+                  <a:txBody>
+                    <a:bodyPr/>
+                    <a:lstStyle/>
+                    <a:p>
+                      <a:pPr>
+                        <a:lnSpc>
+                          <a:spcPct val="107000"/>
+                        </a:lnSpc>
+                        <a:spcAft>
+                          <a:spcPts val="0"/>
+                        </a:spcAft>
+                      </a:pPr>
+                      <a:endParaRPr lang="fr-FR" sz="1100" dirty="0">
+                        <a:effectLst/>
+                        <a:latin typeface="+mn-lt"/>
+                        <a:ea typeface="Calibri" panose="020F0502020204030204" pitchFamily="34" charset="0"/>
+                        <a:cs typeface="Times New Roman" panose="02020603050405020304" pitchFamily="18" charset="0"/>
+                      </a:endParaRPr>
+                    </a:p>
+                  </a:txBody>
+                  <a:tcPr marL="68580" marR="68580" marT="0" marB="0"/>
+                </a:tc>
+                <a:tc vMerge="1">
+                  <a:txBody>
+                    <a:bodyPr/>
+                    <a:lstStyle/>
+                    <a:p>
+                      <a:pPr>
+                        <a:lnSpc>
+                          <a:spcPct val="107000"/>
+                        </a:lnSpc>
+                        <a:spcAft>
+                          <a:spcPts val="0"/>
+                        </a:spcAft>
+                      </a:pPr>
+                      <a:endParaRPr lang="fr-FR" sz="1100" dirty="0">
+                        <a:effectLst/>
+                        <a:latin typeface="+mn-lt"/>
+                        <a:ea typeface="Calibri" panose="020F0502020204030204" pitchFamily="34" charset="0"/>
+                        <a:cs typeface="Times New Roman" panose="02020603050405020304" pitchFamily="18" charset="0"/>
+                      </a:endParaRPr>
+                    </a:p>
+                  </a:txBody>
+                  <a:tcPr marL="68580" marR="68580" marT="0" marB="0"/>
+                </a:tc>
+                <a:tc>
+                  <a:txBody>
+                    <a:bodyPr/>
+                    <a:lstStyle/>
+                    <a:p>
+                      <a:pPr>
+                        <a:lnSpc>
+                          <a:spcPct val="107000"/>
+                        </a:lnSpc>
+                        <a:spcAft>
+                          <a:spcPts val="0"/>
+                        </a:spcAft>
+                      </a:pPr>
+                      <a:r>
+                        <a:rPr lang="fr-FR" sz="1100" dirty="0">
+                          <a:effectLst/>
+                          <a:latin typeface="+mn-lt"/>
+                          <a:ea typeface="Calibri" panose="020F0502020204030204" pitchFamily="34" charset="0"/>
+                          <a:cs typeface="Times New Roman" panose="02020603050405020304" pitchFamily="18" charset="0"/>
+                        </a:rPr>
+                        <a:t>FP4.3</a:t>
+                      </a:r>
+                    </a:p>
+                  </a:txBody>
+                  <a:tcPr marL="68580" marR="68580" marT="0" marB="0"/>
+                </a:tc>
+                <a:tc>
+                  <a:txBody>
+                    <a:bodyPr/>
+                    <a:lstStyle/>
+                    <a:p>
+                      <a:pPr>
+                        <a:lnSpc>
+                          <a:spcPct val="107000"/>
+                        </a:lnSpc>
+                        <a:spcAft>
+                          <a:spcPts val="0"/>
+                        </a:spcAft>
+                      </a:pPr>
+                      <a:r>
+                        <a:rPr lang="fr-FR" sz="1100" dirty="0">
+                          <a:effectLst/>
+                          <a:latin typeface="+mn-lt"/>
+                          <a:ea typeface="Calibri" panose="020F0502020204030204" pitchFamily="34" charset="0"/>
+                          <a:cs typeface="Times New Roman" panose="02020603050405020304" pitchFamily="18" charset="0"/>
+                        </a:rPr>
+                        <a:t>Couple maximal</a:t>
+                      </a:r>
+                    </a:p>
+                  </a:txBody>
+                  <a:tcPr marL="68580" marR="68580" marT="0" marB="0"/>
+                </a:tc>
+                <a:tc>
+                  <a:txBody>
+                    <a:bodyPr/>
+                    <a:lstStyle/>
+                    <a:p>
+                      <a:pPr>
+                        <a:lnSpc>
+                          <a:spcPct val="107000"/>
+                        </a:lnSpc>
+                        <a:spcAft>
+                          <a:spcPts val="0"/>
+                        </a:spcAft>
+                      </a:pPr>
+                      <a:r>
+                        <a:rPr lang="fr-FR" sz="1100">
+                          <a:effectLst/>
+                          <a:latin typeface="+mn-lt"/>
+                        </a:rPr>
+                        <a:t> </a:t>
+                      </a:r>
+                      <a:endParaRPr lang="fr-FR" sz="1100">
+                        <a:effectLst/>
+                        <a:latin typeface="+mn-lt"/>
+                        <a:ea typeface="Calibri" panose="020F0502020204030204" pitchFamily="34" charset="0"/>
+                        <a:cs typeface="Times New Roman" panose="02020603050405020304" pitchFamily="18" charset="0"/>
+                      </a:endParaRPr>
+                    </a:p>
+                  </a:txBody>
+                  <a:tcPr marL="68580" marR="68580" marT="0" marB="0"/>
+                </a:tc>
+                <a:tc>
+                  <a:txBody>
+                    <a:bodyPr/>
+                    <a:lstStyle/>
+                    <a:p>
+                      <a:pPr>
+                        <a:lnSpc>
+                          <a:spcPct val="107000"/>
+                        </a:lnSpc>
+                        <a:spcAft>
+                          <a:spcPts val="0"/>
+                        </a:spcAft>
+                      </a:pPr>
+                      <a:r>
+                        <a:rPr lang="fr-FR" sz="1100">
+                          <a:effectLst/>
+                          <a:latin typeface="+mn-lt"/>
+                        </a:rPr>
+                        <a:t> </a:t>
+                      </a:r>
+                      <a:endParaRPr lang="fr-FR" sz="1100">
+                        <a:effectLst/>
+                        <a:latin typeface="+mn-lt"/>
+                        <a:ea typeface="Calibri" panose="020F0502020204030204" pitchFamily="34" charset="0"/>
+                        <a:cs typeface="Times New Roman" panose="02020603050405020304" pitchFamily="18" charset="0"/>
+                      </a:endParaRPr>
+                    </a:p>
+                  </a:txBody>
+                  <a:tcPr marL="68580" marR="68580" marT="0" marB="0"/>
+                </a:tc>
+                <a:tc>
+                  <a:txBody>
+                    <a:bodyPr/>
+                    <a:lstStyle/>
+                    <a:p>
+                      <a:pPr>
+                        <a:lnSpc>
+                          <a:spcPct val="107000"/>
+                        </a:lnSpc>
+                        <a:spcAft>
+                          <a:spcPts val="0"/>
+                        </a:spcAft>
+                      </a:pPr>
+                      <a:r>
+                        <a:rPr lang="fr-FR" sz="1100">
+                          <a:effectLst/>
+                          <a:latin typeface="+mn-lt"/>
+                        </a:rPr>
+                        <a:t> </a:t>
+                      </a:r>
+                      <a:endParaRPr lang="fr-FR" sz="1100">
+                        <a:effectLst/>
+                        <a:latin typeface="+mn-lt"/>
+                        <a:ea typeface="Calibri" panose="020F0502020204030204" pitchFamily="34" charset="0"/>
+                        <a:cs typeface="Times New Roman" panose="02020603050405020304" pitchFamily="18" charset="0"/>
+                      </a:endParaRPr>
+                    </a:p>
+                  </a:txBody>
+                  <a:tcPr marL="68580" marR="68580" marT="0" marB="0"/>
+                </a:tc>
+                <a:extLst>
+                  <a:ext uri="{0D108BD9-81ED-4DB2-BD59-A6C34878D82A}">
+                    <a16:rowId xmlns:a16="http://schemas.microsoft.com/office/drawing/2014/main" val="3474703214"/>
+                  </a:ext>
+                </a:extLst>
+              </a:tr>
+              <a:tr h="187071">
+                <a:tc vMerge="1">
+                  <a:txBody>
+                    <a:bodyPr/>
+                    <a:lstStyle/>
+                    <a:p>
+                      <a:pPr>
+                        <a:lnSpc>
+                          <a:spcPct val="107000"/>
+                        </a:lnSpc>
+                        <a:spcAft>
+                          <a:spcPts val="0"/>
+                        </a:spcAft>
+                      </a:pPr>
+                      <a:endParaRPr lang="fr-FR" sz="1100" dirty="0">
+                        <a:effectLst/>
+                        <a:latin typeface="+mn-lt"/>
+                        <a:ea typeface="Calibri" panose="020F0502020204030204" pitchFamily="34" charset="0"/>
+                        <a:cs typeface="Times New Roman" panose="02020603050405020304" pitchFamily="18" charset="0"/>
+                      </a:endParaRPr>
+                    </a:p>
+                  </a:txBody>
+                  <a:tcPr marL="68580" marR="68580" marT="0" marB="0"/>
+                </a:tc>
+                <a:tc vMerge="1">
+                  <a:txBody>
+                    <a:bodyPr/>
+                    <a:lstStyle/>
+                    <a:p>
+                      <a:pPr>
+                        <a:lnSpc>
+                          <a:spcPct val="107000"/>
+                        </a:lnSpc>
+                        <a:spcAft>
+                          <a:spcPts val="0"/>
+                        </a:spcAft>
+                      </a:pPr>
+                      <a:endParaRPr lang="fr-FR" sz="1100" dirty="0">
+                        <a:effectLst/>
+                        <a:latin typeface="+mn-lt"/>
+                      </a:endParaRPr>
+                    </a:p>
+                  </a:txBody>
+                  <a:tcPr marL="68580" marR="68580" marT="0" marB="0"/>
+                </a:tc>
+                <a:tc>
+                  <a:txBody>
+                    <a:bodyPr/>
+                    <a:lstStyle/>
+                    <a:p>
+                      <a:pPr>
+                        <a:lnSpc>
+                          <a:spcPct val="107000"/>
+                        </a:lnSpc>
+                        <a:spcAft>
+                          <a:spcPts val="0"/>
+                        </a:spcAft>
+                      </a:pPr>
+                      <a:r>
+                        <a:rPr lang="fr-FR" sz="1100" dirty="0">
+                          <a:effectLst/>
+                          <a:latin typeface="+mn-lt"/>
+                          <a:ea typeface="Calibri" panose="020F0502020204030204" pitchFamily="34" charset="0"/>
+                          <a:cs typeface="Times New Roman" panose="02020603050405020304" pitchFamily="18" charset="0"/>
+                        </a:rPr>
+                        <a:t>FP4.4</a:t>
+                      </a:r>
+                    </a:p>
+                  </a:txBody>
+                  <a:tcPr marL="68580" marR="68580" marT="0" marB="0"/>
+                </a:tc>
+                <a:tc>
+                  <a:txBody>
+                    <a:bodyPr/>
+                    <a:lstStyle/>
+                    <a:p>
+                      <a:pPr>
+                        <a:lnSpc>
+                          <a:spcPct val="107000"/>
+                        </a:lnSpc>
+                        <a:spcAft>
+                          <a:spcPts val="0"/>
+                        </a:spcAft>
+                      </a:pPr>
+                      <a:r>
+                        <a:rPr lang="fr-FR" sz="1100" dirty="0">
+                          <a:effectLst/>
+                          <a:latin typeface="+mn-lt"/>
+                          <a:ea typeface="Calibri" panose="020F0502020204030204" pitchFamily="34" charset="0"/>
+                          <a:cs typeface="Times New Roman" panose="02020603050405020304" pitchFamily="18" charset="0"/>
+                        </a:rPr>
+                        <a:t>Rapport poids puissance</a:t>
+                      </a:r>
+                    </a:p>
+                  </a:txBody>
+                  <a:tcPr marL="68580" marR="68580" marT="0" marB="0"/>
+                </a:tc>
+                <a:tc>
+                  <a:txBody>
+                    <a:bodyPr/>
+                    <a:lstStyle/>
+                    <a:p>
+                      <a:pPr>
+                        <a:lnSpc>
+                          <a:spcPct val="107000"/>
+                        </a:lnSpc>
+                        <a:spcAft>
+                          <a:spcPts val="0"/>
+                        </a:spcAft>
+                      </a:pPr>
+                      <a:r>
+                        <a:rPr lang="fr-FR" sz="1100">
+                          <a:effectLst/>
+                          <a:latin typeface="+mn-lt"/>
+                        </a:rPr>
+                        <a:t> </a:t>
+                      </a:r>
+                      <a:endParaRPr lang="fr-FR" sz="1100">
+                        <a:effectLst/>
+                        <a:latin typeface="+mn-lt"/>
+                        <a:ea typeface="Calibri" panose="020F0502020204030204" pitchFamily="34" charset="0"/>
+                        <a:cs typeface="Times New Roman" panose="02020603050405020304" pitchFamily="18" charset="0"/>
+                      </a:endParaRPr>
+                    </a:p>
+                  </a:txBody>
+                  <a:tcPr marL="68580" marR="68580" marT="0" marB="0"/>
+                </a:tc>
+                <a:tc>
+                  <a:txBody>
+                    <a:bodyPr/>
+                    <a:lstStyle/>
+                    <a:p>
+                      <a:pPr>
+                        <a:lnSpc>
+                          <a:spcPct val="107000"/>
+                        </a:lnSpc>
+                        <a:spcAft>
+                          <a:spcPts val="0"/>
+                        </a:spcAft>
+                      </a:pPr>
+                      <a:r>
+                        <a:rPr lang="fr-FR" sz="1100">
+                          <a:effectLst/>
+                          <a:latin typeface="+mn-lt"/>
+                        </a:rPr>
+                        <a:t> </a:t>
+                      </a:r>
+                      <a:endParaRPr lang="fr-FR" sz="1100">
+                        <a:effectLst/>
+                        <a:latin typeface="+mn-lt"/>
+                        <a:ea typeface="Calibri" panose="020F0502020204030204" pitchFamily="34" charset="0"/>
+                        <a:cs typeface="Times New Roman" panose="02020603050405020304" pitchFamily="18" charset="0"/>
+                      </a:endParaRPr>
+                    </a:p>
+                  </a:txBody>
+                  <a:tcPr marL="68580" marR="68580" marT="0" marB="0"/>
+                </a:tc>
+                <a:tc>
+                  <a:txBody>
+                    <a:bodyPr/>
+                    <a:lstStyle/>
+                    <a:p>
+                      <a:pPr>
+                        <a:lnSpc>
+                          <a:spcPct val="107000"/>
+                        </a:lnSpc>
+                        <a:spcAft>
+                          <a:spcPts val="0"/>
+                        </a:spcAft>
+                      </a:pPr>
+                      <a:r>
+                        <a:rPr lang="fr-FR" sz="1100">
+                          <a:effectLst/>
+                          <a:latin typeface="+mn-lt"/>
+                        </a:rPr>
+                        <a:t> </a:t>
+                      </a:r>
+                      <a:endParaRPr lang="fr-FR" sz="1100">
+                        <a:effectLst/>
+                        <a:latin typeface="+mn-lt"/>
+                        <a:ea typeface="Calibri" panose="020F0502020204030204" pitchFamily="34" charset="0"/>
+                        <a:cs typeface="Times New Roman" panose="02020603050405020304" pitchFamily="18" charset="0"/>
+                      </a:endParaRPr>
+                    </a:p>
+                  </a:txBody>
+                  <a:tcPr marL="68580" marR="68580" marT="0" marB="0"/>
+                </a:tc>
+                <a:extLst>
+                  <a:ext uri="{0D108BD9-81ED-4DB2-BD59-A6C34878D82A}">
+                    <a16:rowId xmlns:a16="http://schemas.microsoft.com/office/drawing/2014/main" val="298196809"/>
+                  </a:ext>
+                </a:extLst>
+              </a:tr>
+              <a:tr h="187071">
+                <a:tc rowSpan="4">
+                  <a:txBody>
+                    <a:bodyPr/>
+                    <a:lstStyle/>
+                    <a:p>
+                      <a:pPr>
+                        <a:lnSpc>
+                          <a:spcPct val="107000"/>
+                        </a:lnSpc>
+                        <a:spcAft>
+                          <a:spcPts val="0"/>
+                        </a:spcAft>
+                      </a:pPr>
+                      <a:r>
+                        <a:rPr lang="fr-FR" sz="1100" dirty="0">
+                          <a:effectLst/>
+                          <a:latin typeface="+mn-lt"/>
+                          <a:ea typeface="Calibri" panose="020F0502020204030204" pitchFamily="34" charset="0"/>
+                          <a:cs typeface="Times New Roman" panose="02020603050405020304" pitchFamily="18" charset="0"/>
+                        </a:rPr>
+                        <a:t>FP5</a:t>
+                      </a:r>
+                    </a:p>
+                  </a:txBody>
+                  <a:tcPr marL="68580" marR="68580" marT="0" marB="0"/>
+                </a:tc>
+                <a:tc rowSpan="4">
+                  <a:txBody>
+                    <a:bodyPr/>
+                    <a:lstStyle/>
+                    <a:p>
+                      <a:pPr>
+                        <a:lnSpc>
+                          <a:spcPct val="107000"/>
+                        </a:lnSpc>
+                        <a:spcAft>
+                          <a:spcPts val="0"/>
+                        </a:spcAft>
+                      </a:pPr>
+                      <a:r>
+                        <a:rPr lang="fr-FR" sz="1100" dirty="0">
+                          <a:effectLst/>
+                          <a:latin typeface="+mn-lt"/>
+                          <a:ea typeface="Calibri" panose="020F0502020204030204" pitchFamily="34" charset="0"/>
+                          <a:cs typeface="Times New Roman" panose="02020603050405020304" pitchFamily="18" charset="0"/>
+                        </a:rPr>
+                        <a:t>Dimensions</a:t>
+                      </a:r>
+                    </a:p>
+                  </a:txBody>
+                  <a:tcPr marL="68580" marR="68580" marT="0" marB="0"/>
+                </a:tc>
+                <a:tc>
+                  <a:txBody>
+                    <a:bodyPr/>
+                    <a:lstStyle/>
+                    <a:p>
+                      <a:pPr>
+                        <a:lnSpc>
+                          <a:spcPct val="107000"/>
+                        </a:lnSpc>
+                        <a:spcAft>
+                          <a:spcPts val="0"/>
+                        </a:spcAft>
+                      </a:pPr>
+                      <a:r>
+                        <a:rPr lang="fr-FR" sz="1100" dirty="0">
+                          <a:effectLst/>
+                          <a:latin typeface="+mn-lt"/>
+                          <a:ea typeface="Calibri" panose="020F0502020204030204" pitchFamily="34" charset="0"/>
+                          <a:cs typeface="Times New Roman" panose="02020603050405020304" pitchFamily="18" charset="0"/>
+                        </a:rPr>
+                        <a:t>FP5.1</a:t>
+                      </a:r>
+                    </a:p>
+                  </a:txBody>
+                  <a:tcPr marL="68580" marR="68580" marT="0" marB="0"/>
+                </a:tc>
+                <a:tc>
+                  <a:txBody>
+                    <a:bodyPr/>
+                    <a:lstStyle/>
+                    <a:p>
+                      <a:pPr>
+                        <a:lnSpc>
+                          <a:spcPct val="107000"/>
+                        </a:lnSpc>
+                        <a:spcAft>
+                          <a:spcPts val="0"/>
+                        </a:spcAft>
+                      </a:pPr>
+                      <a:r>
+                        <a:rPr lang="fr-FR" sz="1100" dirty="0">
+                          <a:effectLst/>
+                          <a:latin typeface="+mn-lt"/>
+                          <a:ea typeface="Calibri" panose="020F0502020204030204" pitchFamily="34" charset="0"/>
+                          <a:cs typeface="Times New Roman" panose="02020603050405020304" pitchFamily="18" charset="0"/>
+                        </a:rPr>
+                        <a:t>Centre de gravité</a:t>
+                      </a:r>
+                    </a:p>
+                  </a:txBody>
+                  <a:tcPr marL="68580" marR="68580" marT="0" marB="0"/>
+                </a:tc>
+                <a:tc>
+                  <a:txBody>
+                    <a:bodyPr/>
+                    <a:lstStyle/>
+                    <a:p>
+                      <a:pPr>
+                        <a:lnSpc>
+                          <a:spcPct val="107000"/>
+                        </a:lnSpc>
+                        <a:spcAft>
+                          <a:spcPts val="0"/>
+                        </a:spcAft>
+                      </a:pPr>
+                      <a:r>
+                        <a:rPr lang="fr-FR" sz="1100">
+                          <a:effectLst/>
+                          <a:latin typeface="+mn-lt"/>
+                        </a:rPr>
+                        <a:t> </a:t>
+                      </a:r>
+                      <a:endParaRPr lang="fr-FR" sz="1100">
+                        <a:effectLst/>
+                        <a:latin typeface="+mn-lt"/>
+                        <a:ea typeface="Calibri" panose="020F0502020204030204" pitchFamily="34" charset="0"/>
+                        <a:cs typeface="Times New Roman" panose="02020603050405020304" pitchFamily="18" charset="0"/>
+                      </a:endParaRPr>
+                    </a:p>
+                  </a:txBody>
+                  <a:tcPr marL="68580" marR="68580" marT="0" marB="0"/>
+                </a:tc>
+                <a:tc>
+                  <a:txBody>
+                    <a:bodyPr/>
+                    <a:lstStyle/>
+                    <a:p>
+                      <a:pPr>
+                        <a:lnSpc>
+                          <a:spcPct val="107000"/>
+                        </a:lnSpc>
+                        <a:spcAft>
+                          <a:spcPts val="0"/>
+                        </a:spcAft>
+                      </a:pPr>
+                      <a:r>
+                        <a:rPr lang="fr-FR" sz="1100">
+                          <a:effectLst/>
+                          <a:latin typeface="+mn-lt"/>
+                        </a:rPr>
+                        <a:t> </a:t>
+                      </a:r>
+                      <a:endParaRPr lang="fr-FR" sz="1100">
+                        <a:effectLst/>
+                        <a:latin typeface="+mn-lt"/>
+                        <a:ea typeface="Calibri" panose="020F0502020204030204" pitchFamily="34" charset="0"/>
+                        <a:cs typeface="Times New Roman" panose="02020603050405020304" pitchFamily="18" charset="0"/>
+                      </a:endParaRPr>
+                    </a:p>
+                  </a:txBody>
+                  <a:tcPr marL="68580" marR="68580" marT="0" marB="0"/>
+                </a:tc>
+                <a:tc>
+                  <a:txBody>
+                    <a:bodyPr/>
+                    <a:lstStyle/>
+                    <a:p>
+                      <a:pPr>
+                        <a:lnSpc>
+                          <a:spcPct val="107000"/>
+                        </a:lnSpc>
+                        <a:spcAft>
+                          <a:spcPts val="0"/>
+                        </a:spcAft>
+                      </a:pPr>
+                      <a:r>
+                        <a:rPr lang="fr-FR" sz="1100" dirty="0">
+                          <a:effectLst/>
+                          <a:latin typeface="+mn-lt"/>
+                        </a:rPr>
+                        <a:t> </a:t>
+                      </a:r>
+                      <a:endParaRPr lang="fr-FR" sz="1100" dirty="0">
+                        <a:effectLst/>
+                        <a:latin typeface="+mn-lt"/>
+                        <a:ea typeface="Calibri" panose="020F0502020204030204" pitchFamily="34" charset="0"/>
+                        <a:cs typeface="Times New Roman" panose="02020603050405020304" pitchFamily="18" charset="0"/>
+                      </a:endParaRPr>
+                    </a:p>
+                  </a:txBody>
+                  <a:tcPr marL="68580" marR="68580" marT="0" marB="0"/>
+                </a:tc>
+                <a:extLst>
+                  <a:ext uri="{0D108BD9-81ED-4DB2-BD59-A6C34878D82A}">
+                    <a16:rowId xmlns:a16="http://schemas.microsoft.com/office/drawing/2014/main" val="55608268"/>
+                  </a:ext>
+                </a:extLst>
+              </a:tr>
+              <a:tr h="187071">
+                <a:tc vMerge="1">
+                  <a:txBody>
+                    <a:bodyPr/>
+                    <a:lstStyle/>
+                    <a:p>
+                      <a:pPr>
+                        <a:lnSpc>
+                          <a:spcPct val="107000"/>
+                        </a:lnSpc>
+                        <a:spcAft>
+                          <a:spcPts val="0"/>
+                        </a:spcAft>
+                      </a:pPr>
+                      <a:endParaRPr lang="fr-FR" sz="1100" dirty="0">
+                        <a:effectLst/>
+                        <a:latin typeface="+mn-lt"/>
+                        <a:ea typeface="Calibri" panose="020F0502020204030204" pitchFamily="34" charset="0"/>
+                        <a:cs typeface="Times New Roman" panose="02020603050405020304" pitchFamily="18" charset="0"/>
+                      </a:endParaRPr>
+                    </a:p>
+                  </a:txBody>
+                  <a:tcPr marL="68580" marR="68580" marT="0" marB="0"/>
+                </a:tc>
+                <a:tc vMerge="1">
+                  <a:txBody>
+                    <a:bodyPr/>
+                    <a:lstStyle/>
+                    <a:p>
+                      <a:pPr>
+                        <a:lnSpc>
+                          <a:spcPct val="107000"/>
+                        </a:lnSpc>
+                        <a:spcAft>
+                          <a:spcPts val="0"/>
+                        </a:spcAft>
+                      </a:pPr>
+                      <a:endParaRPr lang="fr-FR" sz="1100" dirty="0">
+                        <a:effectLst/>
+                        <a:latin typeface="+mn-lt"/>
+                        <a:ea typeface="Calibri" panose="020F0502020204030204" pitchFamily="34" charset="0"/>
+                        <a:cs typeface="Times New Roman" panose="02020603050405020304" pitchFamily="18" charset="0"/>
+                      </a:endParaRPr>
+                    </a:p>
+                  </a:txBody>
+                  <a:tcPr marL="68580" marR="68580" marT="0" marB="0"/>
+                </a:tc>
+                <a:tc>
+                  <a:txBody>
+                    <a:bodyPr/>
+                    <a:lstStyle/>
+                    <a:p>
+                      <a:pPr>
+                        <a:lnSpc>
+                          <a:spcPct val="107000"/>
+                        </a:lnSpc>
+                        <a:spcAft>
+                          <a:spcPts val="0"/>
+                        </a:spcAft>
+                      </a:pPr>
+                      <a:r>
+                        <a:rPr lang="fr-FR" sz="1100" dirty="0">
+                          <a:effectLst/>
+                          <a:latin typeface="+mn-lt"/>
+                          <a:ea typeface="Calibri" panose="020F0502020204030204" pitchFamily="34" charset="0"/>
+                          <a:cs typeface="Times New Roman" panose="02020603050405020304" pitchFamily="18" charset="0"/>
+                        </a:rPr>
+                        <a:t>FP5.2</a:t>
+                      </a:r>
+                    </a:p>
+                  </a:txBody>
+                  <a:tcPr marL="68580" marR="68580" marT="0" marB="0"/>
+                </a:tc>
+                <a:tc>
+                  <a:txBody>
+                    <a:bodyPr/>
+                    <a:lstStyle/>
+                    <a:p>
+                      <a:pPr>
+                        <a:lnSpc>
+                          <a:spcPct val="107000"/>
+                        </a:lnSpc>
+                        <a:spcAft>
+                          <a:spcPts val="0"/>
+                        </a:spcAft>
+                      </a:pPr>
+                      <a:r>
+                        <a:rPr lang="fr-FR" sz="1100" dirty="0">
+                          <a:effectLst/>
+                          <a:latin typeface="+mn-lt"/>
+                          <a:ea typeface="Calibri" panose="020F0502020204030204" pitchFamily="34" charset="0"/>
+                          <a:cs typeface="Times New Roman" panose="02020603050405020304" pitchFamily="18" charset="0"/>
+                        </a:rPr>
+                        <a:t>Voie</a:t>
+                      </a:r>
+                    </a:p>
+                  </a:txBody>
+                  <a:tcPr marL="68580" marR="68580" marT="0" marB="0"/>
+                </a:tc>
+                <a:tc>
+                  <a:txBody>
+                    <a:bodyPr/>
+                    <a:lstStyle/>
+                    <a:p>
+                      <a:pPr>
+                        <a:lnSpc>
+                          <a:spcPct val="107000"/>
+                        </a:lnSpc>
+                        <a:spcAft>
+                          <a:spcPts val="0"/>
+                        </a:spcAft>
+                      </a:pPr>
+                      <a:endParaRPr lang="fr-FR" sz="1100">
+                        <a:effectLst/>
+                        <a:latin typeface="+mn-lt"/>
+                        <a:ea typeface="Calibri" panose="020F0502020204030204" pitchFamily="34" charset="0"/>
+                        <a:cs typeface="Times New Roman" panose="02020603050405020304" pitchFamily="18" charset="0"/>
+                      </a:endParaRPr>
+                    </a:p>
+                  </a:txBody>
+                  <a:tcPr marL="68580" marR="68580" marT="0" marB="0"/>
+                </a:tc>
+                <a:tc>
+                  <a:txBody>
+                    <a:bodyPr/>
+                    <a:lstStyle/>
+                    <a:p>
+                      <a:pPr>
+                        <a:lnSpc>
+                          <a:spcPct val="107000"/>
+                        </a:lnSpc>
+                        <a:spcAft>
+                          <a:spcPts val="0"/>
+                        </a:spcAft>
+                      </a:pPr>
+                      <a:endParaRPr lang="fr-FR" sz="1100">
+                        <a:effectLst/>
+                        <a:latin typeface="+mn-lt"/>
+                        <a:ea typeface="Calibri" panose="020F0502020204030204" pitchFamily="34" charset="0"/>
+                        <a:cs typeface="Times New Roman" panose="02020603050405020304" pitchFamily="18" charset="0"/>
+                      </a:endParaRPr>
+                    </a:p>
+                  </a:txBody>
+                  <a:tcPr marL="68580" marR="68580" marT="0" marB="0"/>
+                </a:tc>
+                <a:tc>
+                  <a:txBody>
+                    <a:bodyPr/>
+                    <a:lstStyle/>
+                    <a:p>
+                      <a:pPr>
+                        <a:lnSpc>
+                          <a:spcPct val="107000"/>
+                        </a:lnSpc>
+                        <a:spcAft>
+                          <a:spcPts val="0"/>
+                        </a:spcAft>
+                      </a:pPr>
+                      <a:endParaRPr lang="fr-FR" sz="1100" dirty="0">
+                        <a:effectLst/>
+                        <a:latin typeface="+mn-lt"/>
+                        <a:ea typeface="Calibri" panose="020F0502020204030204" pitchFamily="34" charset="0"/>
+                        <a:cs typeface="Times New Roman" panose="02020603050405020304" pitchFamily="18" charset="0"/>
+                      </a:endParaRPr>
+                    </a:p>
+                  </a:txBody>
+                  <a:tcPr marL="68580" marR="68580" marT="0" marB="0"/>
+                </a:tc>
+                <a:extLst>
+                  <a:ext uri="{0D108BD9-81ED-4DB2-BD59-A6C34878D82A}">
+                    <a16:rowId xmlns:a16="http://schemas.microsoft.com/office/drawing/2014/main" val="624755865"/>
+                  </a:ext>
+                </a:extLst>
+              </a:tr>
+              <a:tr h="187071">
+                <a:tc vMerge="1">
+                  <a:txBody>
+                    <a:bodyPr/>
+                    <a:lstStyle/>
+                    <a:p>
+                      <a:pPr>
+                        <a:lnSpc>
+                          <a:spcPct val="107000"/>
+                        </a:lnSpc>
+                        <a:spcAft>
+                          <a:spcPts val="0"/>
+                        </a:spcAft>
+                      </a:pPr>
+                      <a:endParaRPr lang="fr-FR" sz="1100" dirty="0">
+                        <a:effectLst/>
+                        <a:latin typeface="+mn-lt"/>
+                        <a:ea typeface="Calibri" panose="020F0502020204030204" pitchFamily="34" charset="0"/>
+                        <a:cs typeface="Times New Roman" panose="02020603050405020304" pitchFamily="18" charset="0"/>
+                      </a:endParaRPr>
+                    </a:p>
+                  </a:txBody>
+                  <a:tcPr marL="68580" marR="68580" marT="0" marB="0"/>
+                </a:tc>
+                <a:tc vMerge="1">
+                  <a:txBody>
+                    <a:bodyPr/>
+                    <a:lstStyle/>
+                    <a:p>
+                      <a:pPr>
+                        <a:lnSpc>
+                          <a:spcPct val="107000"/>
+                        </a:lnSpc>
+                        <a:spcAft>
+                          <a:spcPts val="0"/>
+                        </a:spcAft>
+                      </a:pPr>
+                      <a:endParaRPr lang="fr-FR" sz="1100" dirty="0">
+                        <a:effectLst/>
+                        <a:latin typeface="+mn-lt"/>
+                        <a:ea typeface="Calibri" panose="020F0502020204030204" pitchFamily="34" charset="0"/>
+                        <a:cs typeface="Times New Roman" panose="02020603050405020304" pitchFamily="18" charset="0"/>
+                      </a:endParaRPr>
+                    </a:p>
+                  </a:txBody>
+                  <a:tcPr marL="68580" marR="68580" marT="0" marB="0"/>
+                </a:tc>
+                <a:tc>
+                  <a:txBody>
+                    <a:bodyPr/>
+                    <a:lstStyle/>
+                    <a:p>
+                      <a:pPr>
+                        <a:lnSpc>
+                          <a:spcPct val="107000"/>
+                        </a:lnSpc>
+                        <a:spcAft>
+                          <a:spcPts val="0"/>
+                        </a:spcAft>
+                      </a:pPr>
+                      <a:r>
+                        <a:rPr lang="fr-FR" sz="1100" dirty="0">
+                          <a:effectLst/>
+                          <a:latin typeface="+mn-lt"/>
+                          <a:ea typeface="Calibri" panose="020F0502020204030204" pitchFamily="34" charset="0"/>
+                          <a:cs typeface="Times New Roman" panose="02020603050405020304" pitchFamily="18" charset="0"/>
+                        </a:rPr>
+                        <a:t>FP5.3</a:t>
+                      </a:r>
+                    </a:p>
+                  </a:txBody>
+                  <a:tcPr marL="68580" marR="68580" marT="0" marB="0"/>
+                </a:tc>
+                <a:tc>
+                  <a:txBody>
+                    <a:bodyPr/>
+                    <a:lstStyle/>
+                    <a:p>
+                      <a:pPr>
+                        <a:lnSpc>
+                          <a:spcPct val="107000"/>
+                        </a:lnSpc>
+                        <a:spcAft>
+                          <a:spcPts val="0"/>
+                        </a:spcAft>
+                      </a:pPr>
+                      <a:r>
+                        <a:rPr lang="fr-FR" sz="1100" dirty="0">
+                          <a:effectLst/>
+                          <a:latin typeface="+mn-lt"/>
+                          <a:ea typeface="Calibri" panose="020F0502020204030204" pitchFamily="34" charset="0"/>
+                          <a:cs typeface="Times New Roman" panose="02020603050405020304" pitchFamily="18" charset="0"/>
+                        </a:rPr>
+                        <a:t>Empattement</a:t>
+                      </a:r>
+                    </a:p>
+                  </a:txBody>
+                  <a:tcPr marL="68580" marR="68580" marT="0" marB="0"/>
+                </a:tc>
+                <a:tc>
+                  <a:txBody>
+                    <a:bodyPr/>
+                    <a:lstStyle/>
+                    <a:p>
+                      <a:pPr>
+                        <a:lnSpc>
+                          <a:spcPct val="107000"/>
+                        </a:lnSpc>
+                        <a:spcAft>
+                          <a:spcPts val="0"/>
+                        </a:spcAft>
+                      </a:pPr>
+                      <a:endParaRPr lang="fr-FR" sz="1100">
+                        <a:effectLst/>
+                        <a:latin typeface="+mn-lt"/>
+                        <a:ea typeface="Calibri" panose="020F0502020204030204" pitchFamily="34" charset="0"/>
+                        <a:cs typeface="Times New Roman" panose="02020603050405020304" pitchFamily="18" charset="0"/>
+                      </a:endParaRPr>
+                    </a:p>
+                  </a:txBody>
+                  <a:tcPr marL="68580" marR="68580" marT="0" marB="0"/>
+                </a:tc>
+                <a:tc>
+                  <a:txBody>
+                    <a:bodyPr/>
+                    <a:lstStyle/>
+                    <a:p>
+                      <a:pPr>
+                        <a:lnSpc>
+                          <a:spcPct val="107000"/>
+                        </a:lnSpc>
+                        <a:spcAft>
+                          <a:spcPts val="0"/>
+                        </a:spcAft>
+                      </a:pPr>
+                      <a:endParaRPr lang="fr-FR" sz="1100">
+                        <a:effectLst/>
+                        <a:latin typeface="+mn-lt"/>
+                        <a:ea typeface="Calibri" panose="020F0502020204030204" pitchFamily="34" charset="0"/>
+                        <a:cs typeface="Times New Roman" panose="02020603050405020304" pitchFamily="18" charset="0"/>
+                      </a:endParaRPr>
+                    </a:p>
+                  </a:txBody>
+                  <a:tcPr marL="68580" marR="68580" marT="0" marB="0"/>
+                </a:tc>
+                <a:tc>
+                  <a:txBody>
+                    <a:bodyPr/>
+                    <a:lstStyle/>
+                    <a:p>
+                      <a:pPr>
+                        <a:lnSpc>
+                          <a:spcPct val="107000"/>
+                        </a:lnSpc>
+                        <a:spcAft>
+                          <a:spcPts val="0"/>
+                        </a:spcAft>
+                      </a:pPr>
+                      <a:endParaRPr lang="fr-FR" sz="1100" dirty="0">
+                        <a:effectLst/>
+                        <a:latin typeface="+mn-lt"/>
+                        <a:ea typeface="Calibri" panose="020F0502020204030204" pitchFamily="34" charset="0"/>
+                        <a:cs typeface="Times New Roman" panose="02020603050405020304" pitchFamily="18" charset="0"/>
+                      </a:endParaRPr>
+                    </a:p>
+                  </a:txBody>
+                  <a:tcPr marL="68580" marR="68580" marT="0" marB="0"/>
+                </a:tc>
+                <a:extLst>
+                  <a:ext uri="{0D108BD9-81ED-4DB2-BD59-A6C34878D82A}">
+                    <a16:rowId xmlns:a16="http://schemas.microsoft.com/office/drawing/2014/main" val="3338016103"/>
+                  </a:ext>
+                </a:extLst>
+              </a:tr>
+              <a:tr h="187071">
+                <a:tc vMerge="1">
+                  <a:txBody>
+                    <a:bodyPr/>
+                    <a:lstStyle/>
+                    <a:p>
+                      <a:pPr>
+                        <a:lnSpc>
+                          <a:spcPct val="107000"/>
+                        </a:lnSpc>
+                        <a:spcAft>
+                          <a:spcPts val="0"/>
+                        </a:spcAft>
+                      </a:pPr>
+                      <a:endParaRPr lang="fr-FR" sz="1100" dirty="0">
+                        <a:effectLst/>
+                        <a:latin typeface="+mn-lt"/>
+                        <a:ea typeface="Calibri" panose="020F0502020204030204" pitchFamily="34" charset="0"/>
+                        <a:cs typeface="Times New Roman" panose="02020603050405020304" pitchFamily="18" charset="0"/>
+                      </a:endParaRPr>
+                    </a:p>
+                  </a:txBody>
+                  <a:tcPr marL="68580" marR="68580" marT="0" marB="0"/>
+                </a:tc>
+                <a:tc vMerge="1">
+                  <a:txBody>
+                    <a:bodyPr/>
+                    <a:lstStyle/>
+                    <a:p>
+                      <a:pPr>
+                        <a:lnSpc>
+                          <a:spcPct val="107000"/>
+                        </a:lnSpc>
+                        <a:spcAft>
+                          <a:spcPts val="0"/>
+                        </a:spcAft>
+                      </a:pPr>
+                      <a:endParaRPr lang="fr-FR" sz="1100" dirty="0">
+                        <a:effectLst/>
+                        <a:latin typeface="+mn-lt"/>
+                        <a:ea typeface="Calibri" panose="020F0502020204030204" pitchFamily="34" charset="0"/>
+                        <a:cs typeface="Times New Roman" panose="02020603050405020304" pitchFamily="18" charset="0"/>
+                      </a:endParaRPr>
+                    </a:p>
+                  </a:txBody>
+                  <a:tcPr marL="68580" marR="68580" marT="0" marB="0"/>
+                </a:tc>
+                <a:tc>
+                  <a:txBody>
+                    <a:bodyPr/>
+                    <a:lstStyle/>
+                    <a:p>
+                      <a:pPr>
+                        <a:lnSpc>
+                          <a:spcPct val="107000"/>
+                        </a:lnSpc>
+                        <a:spcAft>
+                          <a:spcPts val="0"/>
+                        </a:spcAft>
+                      </a:pPr>
+                      <a:r>
+                        <a:rPr lang="fr-FR" sz="1100" dirty="0">
+                          <a:effectLst/>
+                          <a:latin typeface="+mn-lt"/>
+                          <a:ea typeface="Calibri" panose="020F0502020204030204" pitchFamily="34" charset="0"/>
+                          <a:cs typeface="Times New Roman" panose="02020603050405020304" pitchFamily="18" charset="0"/>
+                        </a:rPr>
+                        <a:t>FP5.4</a:t>
+                      </a:r>
+                    </a:p>
+                  </a:txBody>
+                  <a:tcPr marL="68580" marR="68580" marT="0" marB="0"/>
+                </a:tc>
+                <a:tc>
+                  <a:txBody>
+                    <a:bodyPr/>
+                    <a:lstStyle/>
+                    <a:p>
+                      <a:pPr>
+                        <a:lnSpc>
+                          <a:spcPct val="107000"/>
+                        </a:lnSpc>
+                        <a:spcAft>
+                          <a:spcPts val="0"/>
+                        </a:spcAft>
+                      </a:pPr>
+                      <a:r>
+                        <a:rPr lang="fr-FR" sz="1100" dirty="0">
+                          <a:effectLst/>
+                          <a:latin typeface="+mn-lt"/>
+                          <a:ea typeface="Calibri" panose="020F0502020204030204" pitchFamily="34" charset="0"/>
+                          <a:cs typeface="Times New Roman" panose="02020603050405020304" pitchFamily="18" charset="0"/>
+                        </a:rPr>
+                        <a:t>Garde au sol</a:t>
+                      </a:r>
+                    </a:p>
+                  </a:txBody>
+                  <a:tcPr marL="68580" marR="68580" marT="0" marB="0"/>
+                </a:tc>
+                <a:tc>
+                  <a:txBody>
+                    <a:bodyPr/>
+                    <a:lstStyle/>
+                    <a:p>
+                      <a:pPr>
+                        <a:lnSpc>
+                          <a:spcPct val="107000"/>
+                        </a:lnSpc>
+                        <a:spcAft>
+                          <a:spcPts val="0"/>
+                        </a:spcAft>
+                      </a:pPr>
+                      <a:endParaRPr lang="fr-FR" sz="1100">
+                        <a:effectLst/>
+                        <a:latin typeface="+mn-lt"/>
+                        <a:ea typeface="Calibri" panose="020F0502020204030204" pitchFamily="34" charset="0"/>
+                        <a:cs typeface="Times New Roman" panose="02020603050405020304" pitchFamily="18" charset="0"/>
+                      </a:endParaRPr>
+                    </a:p>
+                  </a:txBody>
+                  <a:tcPr marL="68580" marR="68580" marT="0" marB="0"/>
+                </a:tc>
+                <a:tc>
+                  <a:txBody>
+                    <a:bodyPr/>
+                    <a:lstStyle/>
+                    <a:p>
+                      <a:pPr>
+                        <a:lnSpc>
+                          <a:spcPct val="107000"/>
+                        </a:lnSpc>
+                        <a:spcAft>
+                          <a:spcPts val="0"/>
+                        </a:spcAft>
+                      </a:pPr>
+                      <a:endParaRPr lang="fr-FR" sz="1100">
+                        <a:effectLst/>
+                        <a:latin typeface="+mn-lt"/>
+                        <a:ea typeface="Calibri" panose="020F0502020204030204" pitchFamily="34" charset="0"/>
+                        <a:cs typeface="Times New Roman" panose="02020603050405020304" pitchFamily="18" charset="0"/>
+                      </a:endParaRPr>
+                    </a:p>
+                  </a:txBody>
+                  <a:tcPr marL="68580" marR="68580" marT="0" marB="0"/>
+                </a:tc>
+                <a:tc>
+                  <a:txBody>
+                    <a:bodyPr/>
+                    <a:lstStyle/>
+                    <a:p>
+                      <a:pPr>
+                        <a:lnSpc>
+                          <a:spcPct val="107000"/>
+                        </a:lnSpc>
+                        <a:spcAft>
+                          <a:spcPts val="0"/>
+                        </a:spcAft>
+                      </a:pPr>
+                      <a:endParaRPr lang="fr-FR" sz="1100" dirty="0">
+                        <a:effectLst/>
+                        <a:latin typeface="+mn-lt"/>
+                        <a:ea typeface="Calibri" panose="020F0502020204030204" pitchFamily="34" charset="0"/>
+                        <a:cs typeface="Times New Roman" panose="02020603050405020304" pitchFamily="18" charset="0"/>
+                      </a:endParaRPr>
+                    </a:p>
+                  </a:txBody>
+                  <a:tcPr marL="68580" marR="68580" marT="0" marB="0"/>
+                </a:tc>
+                <a:extLst>
+                  <a:ext uri="{0D108BD9-81ED-4DB2-BD59-A6C34878D82A}">
+                    <a16:rowId xmlns:a16="http://schemas.microsoft.com/office/drawing/2014/main" val="1485006670"/>
+                  </a:ext>
+                </a:extLst>
+              </a:tr>
+              <a:tr h="187071">
+                <a:tc rowSpan="3">
+                  <a:txBody>
+                    <a:bodyPr/>
+                    <a:lstStyle/>
+                    <a:p>
+                      <a:pPr>
+                        <a:lnSpc>
+                          <a:spcPct val="107000"/>
+                        </a:lnSpc>
+                        <a:spcAft>
+                          <a:spcPts val="0"/>
+                        </a:spcAft>
+                      </a:pPr>
+                      <a:r>
+                        <a:rPr lang="fr-FR" sz="1100" dirty="0">
+                          <a:effectLst/>
+                          <a:latin typeface="+mn-lt"/>
+                          <a:ea typeface="Calibri" panose="020F0502020204030204" pitchFamily="34" charset="0"/>
+                          <a:cs typeface="Times New Roman" panose="02020603050405020304" pitchFamily="18" charset="0"/>
+                        </a:rPr>
+                        <a:t>FP6</a:t>
+                      </a:r>
+                    </a:p>
+                  </a:txBody>
+                  <a:tcPr marL="68580" marR="68580" marT="0" marB="0"/>
+                </a:tc>
+                <a:tc rowSpan="3">
+                  <a:txBody>
+                    <a:bodyPr/>
+                    <a:lstStyle/>
+                    <a:p>
+                      <a:pPr>
+                        <a:lnSpc>
+                          <a:spcPct val="107000"/>
+                        </a:lnSpc>
+                        <a:spcAft>
+                          <a:spcPts val="0"/>
+                        </a:spcAft>
+                      </a:pPr>
+                      <a:r>
+                        <a:rPr lang="fr-FR" sz="1100" dirty="0">
+                          <a:effectLst/>
+                          <a:latin typeface="+mn-lt"/>
+                          <a:ea typeface="Calibri" panose="020F0502020204030204" pitchFamily="34" charset="0"/>
+                          <a:cs typeface="Times New Roman" panose="02020603050405020304" pitchFamily="18" charset="0"/>
+                        </a:rPr>
+                        <a:t>Liaison au sol</a:t>
+                      </a:r>
+                    </a:p>
+                  </a:txBody>
+                  <a:tcPr marL="68580" marR="68580" marT="0" marB="0"/>
+                </a:tc>
+                <a:tc>
+                  <a:txBody>
+                    <a:bodyPr/>
+                    <a:lstStyle/>
+                    <a:p>
+                      <a:pPr>
+                        <a:lnSpc>
+                          <a:spcPct val="107000"/>
+                        </a:lnSpc>
+                        <a:spcAft>
+                          <a:spcPts val="0"/>
+                        </a:spcAft>
+                      </a:pPr>
+                      <a:r>
+                        <a:rPr lang="fr-FR" sz="1100" dirty="0">
+                          <a:effectLst/>
+                          <a:latin typeface="+mn-lt"/>
+                          <a:ea typeface="Calibri" panose="020F0502020204030204" pitchFamily="34" charset="0"/>
+                          <a:cs typeface="Times New Roman" panose="02020603050405020304" pitchFamily="18" charset="0"/>
+                        </a:rPr>
+                        <a:t>FP6.1</a:t>
+                      </a:r>
+                    </a:p>
+                  </a:txBody>
+                  <a:tcPr marL="68580" marR="68580" marT="0" marB="0"/>
+                </a:tc>
+                <a:tc>
+                  <a:txBody>
+                    <a:bodyPr/>
+                    <a:lstStyle/>
+                    <a:p>
+                      <a:pPr>
+                        <a:lnSpc>
+                          <a:spcPct val="107000"/>
+                        </a:lnSpc>
+                        <a:spcAft>
+                          <a:spcPts val="0"/>
+                        </a:spcAft>
+                      </a:pPr>
+                      <a:r>
+                        <a:rPr lang="fr-FR" sz="1100" dirty="0">
+                          <a:effectLst/>
+                          <a:latin typeface="+mn-lt"/>
+                          <a:ea typeface="Calibri" panose="020F0502020204030204" pitchFamily="34" charset="0"/>
+                          <a:cs typeface="Times New Roman" panose="02020603050405020304" pitchFamily="18" charset="0"/>
+                        </a:rPr>
+                        <a:t>Accélération latérale et </a:t>
+                      </a:r>
+                      <a:r>
+                        <a:rPr lang="fr-FR" sz="1100">
+                          <a:effectLst/>
+                          <a:latin typeface="+mn-lt"/>
+                          <a:ea typeface="Calibri" panose="020F0502020204030204" pitchFamily="34" charset="0"/>
+                          <a:cs typeface="Times New Roman" panose="02020603050405020304" pitchFamily="18" charset="0"/>
+                        </a:rPr>
+                        <a:t>longitudinale maximum</a:t>
+                      </a:r>
+                      <a:endParaRPr lang="fr-FR" sz="1100" dirty="0">
+                        <a:effectLst/>
+                        <a:latin typeface="+mn-lt"/>
+                        <a:ea typeface="Calibri" panose="020F0502020204030204" pitchFamily="34" charset="0"/>
+                        <a:cs typeface="Times New Roman" panose="02020603050405020304" pitchFamily="18" charset="0"/>
+                      </a:endParaRPr>
+                    </a:p>
+                  </a:txBody>
+                  <a:tcPr marL="68580" marR="68580" marT="0" marB="0"/>
+                </a:tc>
+                <a:tc>
+                  <a:txBody>
+                    <a:bodyPr/>
+                    <a:lstStyle/>
+                    <a:p>
+                      <a:pPr>
+                        <a:lnSpc>
+                          <a:spcPct val="107000"/>
+                        </a:lnSpc>
+                        <a:spcAft>
+                          <a:spcPts val="0"/>
+                        </a:spcAft>
+                      </a:pPr>
+                      <a:endParaRPr lang="fr-FR" sz="1100">
+                        <a:effectLst/>
+                        <a:latin typeface="+mn-lt"/>
+                        <a:ea typeface="Calibri" panose="020F0502020204030204" pitchFamily="34" charset="0"/>
+                        <a:cs typeface="Times New Roman" panose="02020603050405020304" pitchFamily="18" charset="0"/>
+                      </a:endParaRPr>
+                    </a:p>
+                  </a:txBody>
+                  <a:tcPr marL="68580" marR="68580" marT="0" marB="0"/>
+                </a:tc>
+                <a:tc>
+                  <a:txBody>
+                    <a:bodyPr/>
+                    <a:lstStyle/>
+                    <a:p>
+                      <a:pPr>
+                        <a:lnSpc>
+                          <a:spcPct val="107000"/>
+                        </a:lnSpc>
+                        <a:spcAft>
+                          <a:spcPts val="0"/>
+                        </a:spcAft>
+                      </a:pPr>
+                      <a:endParaRPr lang="fr-FR" sz="1100">
+                        <a:effectLst/>
+                        <a:latin typeface="+mn-lt"/>
+                        <a:ea typeface="Calibri" panose="020F0502020204030204" pitchFamily="34" charset="0"/>
+                        <a:cs typeface="Times New Roman" panose="02020603050405020304" pitchFamily="18" charset="0"/>
+                      </a:endParaRPr>
+                    </a:p>
+                  </a:txBody>
+                  <a:tcPr marL="68580" marR="68580" marT="0" marB="0"/>
+                </a:tc>
+                <a:tc>
+                  <a:txBody>
+                    <a:bodyPr/>
+                    <a:lstStyle/>
+                    <a:p>
+                      <a:pPr>
+                        <a:lnSpc>
+                          <a:spcPct val="107000"/>
+                        </a:lnSpc>
+                        <a:spcAft>
+                          <a:spcPts val="0"/>
+                        </a:spcAft>
+                      </a:pPr>
+                      <a:endParaRPr lang="fr-FR" sz="1100" dirty="0">
+                        <a:effectLst/>
+                        <a:latin typeface="+mn-lt"/>
+                        <a:ea typeface="Calibri" panose="020F0502020204030204" pitchFamily="34" charset="0"/>
+                        <a:cs typeface="Times New Roman" panose="02020603050405020304" pitchFamily="18" charset="0"/>
+                      </a:endParaRPr>
+                    </a:p>
+                  </a:txBody>
+                  <a:tcPr marL="68580" marR="68580" marT="0" marB="0"/>
+                </a:tc>
+                <a:extLst>
+                  <a:ext uri="{0D108BD9-81ED-4DB2-BD59-A6C34878D82A}">
+                    <a16:rowId xmlns:a16="http://schemas.microsoft.com/office/drawing/2014/main" val="2964940703"/>
+                  </a:ext>
+                </a:extLst>
+              </a:tr>
+              <a:tr h="187071">
+                <a:tc vMerge="1">
+                  <a:txBody>
+                    <a:bodyPr/>
+                    <a:lstStyle/>
+                    <a:p>
+                      <a:pPr>
+                        <a:lnSpc>
+                          <a:spcPct val="107000"/>
+                        </a:lnSpc>
+                        <a:spcAft>
+                          <a:spcPts val="0"/>
+                        </a:spcAft>
+                      </a:pPr>
+                      <a:endParaRPr lang="fr-FR" sz="1100" dirty="0">
+                        <a:effectLst/>
+                        <a:latin typeface="+mn-lt"/>
+                        <a:ea typeface="Calibri" panose="020F0502020204030204" pitchFamily="34" charset="0"/>
+                        <a:cs typeface="Times New Roman" panose="02020603050405020304" pitchFamily="18" charset="0"/>
+                      </a:endParaRPr>
+                    </a:p>
+                  </a:txBody>
+                  <a:tcPr marL="68580" marR="68580" marT="0" marB="0"/>
+                </a:tc>
+                <a:tc vMerge="1">
+                  <a:txBody>
+                    <a:bodyPr/>
+                    <a:lstStyle/>
+                    <a:p>
+                      <a:pPr>
+                        <a:lnSpc>
+                          <a:spcPct val="107000"/>
+                        </a:lnSpc>
+                        <a:spcAft>
+                          <a:spcPts val="0"/>
+                        </a:spcAft>
+                      </a:pPr>
+                      <a:endParaRPr lang="fr-FR" sz="1100" dirty="0">
+                        <a:effectLst/>
+                        <a:latin typeface="+mn-lt"/>
+                        <a:ea typeface="Calibri" panose="020F0502020204030204" pitchFamily="34" charset="0"/>
+                        <a:cs typeface="Times New Roman" panose="02020603050405020304" pitchFamily="18" charset="0"/>
+                      </a:endParaRPr>
+                    </a:p>
+                  </a:txBody>
+                  <a:tcPr marL="68580" marR="68580" marT="0" marB="0"/>
+                </a:tc>
+                <a:tc>
+                  <a:txBody>
+                    <a:bodyPr/>
+                    <a:lstStyle/>
+                    <a:p>
+                      <a:pPr>
+                        <a:lnSpc>
+                          <a:spcPct val="107000"/>
+                        </a:lnSpc>
+                        <a:spcAft>
+                          <a:spcPts val="0"/>
+                        </a:spcAft>
+                      </a:pPr>
+                      <a:r>
+                        <a:rPr lang="fr-FR" sz="1100" dirty="0">
+                          <a:effectLst/>
+                          <a:latin typeface="+mn-lt"/>
+                          <a:ea typeface="Calibri" panose="020F0502020204030204" pitchFamily="34" charset="0"/>
+                          <a:cs typeface="Times New Roman" panose="02020603050405020304" pitchFamily="18" charset="0"/>
+                        </a:rPr>
+                        <a:t>FP6.2</a:t>
+                      </a:r>
+                    </a:p>
+                  </a:txBody>
+                  <a:tcPr marL="68580" marR="68580" marT="0" marB="0"/>
+                </a:tc>
+                <a:tc>
+                  <a:txBody>
+                    <a:bodyPr/>
+                    <a:lstStyle/>
+                    <a:p>
+                      <a:pPr>
+                        <a:lnSpc>
+                          <a:spcPct val="107000"/>
+                        </a:lnSpc>
+                        <a:spcAft>
+                          <a:spcPts val="0"/>
+                        </a:spcAft>
+                      </a:pPr>
+                      <a:r>
+                        <a:rPr lang="fr-FR" sz="1100" dirty="0">
+                          <a:effectLst/>
+                          <a:latin typeface="+mn-lt"/>
+                          <a:ea typeface="Calibri" panose="020F0502020204030204" pitchFamily="34" charset="0"/>
+                          <a:cs typeface="Times New Roman" panose="02020603050405020304" pitchFamily="18" charset="0"/>
+                        </a:rPr>
+                        <a:t>Décorréler roulis-plongée</a:t>
+                      </a:r>
+                    </a:p>
+                  </a:txBody>
+                  <a:tcPr marL="68580" marR="68580" marT="0" marB="0"/>
+                </a:tc>
+                <a:tc>
+                  <a:txBody>
+                    <a:bodyPr/>
+                    <a:lstStyle/>
+                    <a:p>
+                      <a:pPr>
+                        <a:lnSpc>
+                          <a:spcPct val="107000"/>
+                        </a:lnSpc>
+                        <a:spcAft>
+                          <a:spcPts val="0"/>
+                        </a:spcAft>
+                      </a:pPr>
+                      <a:endParaRPr lang="fr-FR" sz="1100">
+                        <a:effectLst/>
+                        <a:latin typeface="+mn-lt"/>
+                        <a:ea typeface="Calibri" panose="020F0502020204030204" pitchFamily="34" charset="0"/>
+                        <a:cs typeface="Times New Roman" panose="02020603050405020304" pitchFamily="18" charset="0"/>
+                      </a:endParaRPr>
+                    </a:p>
+                  </a:txBody>
+                  <a:tcPr marL="68580" marR="68580" marT="0" marB="0"/>
+                </a:tc>
+                <a:tc>
+                  <a:txBody>
+                    <a:bodyPr/>
+                    <a:lstStyle/>
+                    <a:p>
+                      <a:pPr>
+                        <a:lnSpc>
+                          <a:spcPct val="107000"/>
+                        </a:lnSpc>
+                        <a:spcAft>
+                          <a:spcPts val="0"/>
+                        </a:spcAft>
+                      </a:pPr>
+                      <a:endParaRPr lang="fr-FR" sz="1100">
+                        <a:effectLst/>
+                        <a:latin typeface="+mn-lt"/>
+                        <a:ea typeface="Calibri" panose="020F0502020204030204" pitchFamily="34" charset="0"/>
+                        <a:cs typeface="Times New Roman" panose="02020603050405020304" pitchFamily="18" charset="0"/>
+                      </a:endParaRPr>
+                    </a:p>
+                  </a:txBody>
+                  <a:tcPr marL="68580" marR="68580" marT="0" marB="0"/>
+                </a:tc>
+                <a:tc>
+                  <a:txBody>
+                    <a:bodyPr/>
+                    <a:lstStyle/>
+                    <a:p>
+                      <a:pPr>
+                        <a:lnSpc>
+                          <a:spcPct val="107000"/>
+                        </a:lnSpc>
+                        <a:spcAft>
+                          <a:spcPts val="0"/>
+                        </a:spcAft>
+                      </a:pPr>
+                      <a:endParaRPr lang="fr-FR" sz="1100" dirty="0">
+                        <a:effectLst/>
+                        <a:latin typeface="+mn-lt"/>
+                        <a:ea typeface="Calibri" panose="020F0502020204030204" pitchFamily="34" charset="0"/>
+                        <a:cs typeface="Times New Roman" panose="02020603050405020304" pitchFamily="18" charset="0"/>
+                      </a:endParaRPr>
+                    </a:p>
+                  </a:txBody>
+                  <a:tcPr marL="68580" marR="68580" marT="0" marB="0"/>
+                </a:tc>
+                <a:extLst>
+                  <a:ext uri="{0D108BD9-81ED-4DB2-BD59-A6C34878D82A}">
+                    <a16:rowId xmlns:a16="http://schemas.microsoft.com/office/drawing/2014/main" val="214137936"/>
+                  </a:ext>
+                </a:extLst>
+              </a:tr>
+              <a:tr h="187071">
+                <a:tc vMerge="1">
+                  <a:txBody>
+                    <a:bodyPr/>
+                    <a:lstStyle/>
+                    <a:p>
+                      <a:pPr>
+                        <a:lnSpc>
+                          <a:spcPct val="107000"/>
+                        </a:lnSpc>
+                        <a:spcAft>
+                          <a:spcPts val="0"/>
+                        </a:spcAft>
+                      </a:pPr>
+                      <a:endParaRPr lang="fr-FR" sz="1100" dirty="0">
+                        <a:effectLst/>
+                        <a:latin typeface="+mn-lt"/>
+                        <a:ea typeface="Calibri" panose="020F0502020204030204" pitchFamily="34" charset="0"/>
+                        <a:cs typeface="Times New Roman" panose="02020603050405020304" pitchFamily="18" charset="0"/>
+                      </a:endParaRPr>
+                    </a:p>
+                  </a:txBody>
+                  <a:tcPr marL="68580" marR="68580" marT="0" marB="0"/>
+                </a:tc>
+                <a:tc vMerge="1">
+                  <a:txBody>
+                    <a:bodyPr/>
+                    <a:lstStyle/>
+                    <a:p>
+                      <a:pPr>
+                        <a:lnSpc>
+                          <a:spcPct val="107000"/>
+                        </a:lnSpc>
+                        <a:spcAft>
+                          <a:spcPts val="0"/>
+                        </a:spcAft>
+                      </a:pPr>
+                      <a:endParaRPr lang="fr-FR" sz="1100" dirty="0">
+                        <a:effectLst/>
+                        <a:latin typeface="+mn-lt"/>
+                        <a:ea typeface="Calibri" panose="020F0502020204030204" pitchFamily="34" charset="0"/>
+                        <a:cs typeface="Times New Roman" panose="02020603050405020304" pitchFamily="18" charset="0"/>
+                      </a:endParaRPr>
+                    </a:p>
+                  </a:txBody>
+                  <a:tcPr marL="68580" marR="68580" marT="0" marB="0"/>
+                </a:tc>
+                <a:tc>
+                  <a:txBody>
+                    <a:bodyPr/>
+                    <a:lstStyle/>
+                    <a:p>
+                      <a:pPr>
+                        <a:lnSpc>
+                          <a:spcPct val="107000"/>
+                        </a:lnSpc>
+                        <a:spcAft>
+                          <a:spcPts val="0"/>
+                        </a:spcAft>
+                      </a:pPr>
+                      <a:r>
+                        <a:rPr lang="fr-FR" sz="1100" dirty="0">
+                          <a:effectLst/>
+                          <a:latin typeface="+mn-lt"/>
+                          <a:ea typeface="Calibri" panose="020F0502020204030204" pitchFamily="34" charset="0"/>
+                          <a:cs typeface="Times New Roman" panose="02020603050405020304" pitchFamily="18" charset="0"/>
+                        </a:rPr>
+                        <a:t>FP6.3</a:t>
+                      </a:r>
+                    </a:p>
+                  </a:txBody>
+                  <a:tcPr marL="68580" marR="68580" marT="0" marB="0"/>
+                </a:tc>
+                <a:tc>
+                  <a:txBody>
+                    <a:bodyPr/>
+                    <a:lstStyle/>
+                    <a:p>
+                      <a:pPr>
+                        <a:lnSpc>
+                          <a:spcPct val="107000"/>
+                        </a:lnSpc>
+                        <a:spcAft>
+                          <a:spcPts val="0"/>
+                        </a:spcAft>
+                      </a:pPr>
+                      <a:r>
+                        <a:rPr lang="fr-FR" sz="1100" dirty="0">
+                          <a:effectLst/>
+                          <a:latin typeface="+mn-lt"/>
+                          <a:ea typeface="Calibri" panose="020F0502020204030204" pitchFamily="34" charset="0"/>
+                          <a:cs typeface="Times New Roman" panose="02020603050405020304" pitchFamily="18" charset="0"/>
+                        </a:rPr>
+                        <a:t>Taille des pneus</a:t>
+                      </a:r>
+                    </a:p>
+                  </a:txBody>
+                  <a:tcPr marL="68580" marR="68580" marT="0" marB="0"/>
+                </a:tc>
+                <a:tc>
+                  <a:txBody>
+                    <a:bodyPr/>
+                    <a:lstStyle/>
+                    <a:p>
+                      <a:pPr>
+                        <a:lnSpc>
+                          <a:spcPct val="107000"/>
+                        </a:lnSpc>
+                        <a:spcAft>
+                          <a:spcPts val="0"/>
+                        </a:spcAft>
+                      </a:pPr>
+                      <a:endParaRPr lang="fr-FR" sz="1100">
+                        <a:effectLst/>
+                        <a:latin typeface="+mn-lt"/>
+                        <a:ea typeface="Calibri" panose="020F0502020204030204" pitchFamily="34" charset="0"/>
+                        <a:cs typeface="Times New Roman" panose="02020603050405020304" pitchFamily="18" charset="0"/>
+                      </a:endParaRPr>
+                    </a:p>
+                  </a:txBody>
+                  <a:tcPr marL="68580" marR="68580" marT="0" marB="0"/>
+                </a:tc>
+                <a:tc>
+                  <a:txBody>
+                    <a:bodyPr/>
+                    <a:lstStyle/>
+                    <a:p>
+                      <a:pPr>
+                        <a:lnSpc>
+                          <a:spcPct val="107000"/>
+                        </a:lnSpc>
+                        <a:spcAft>
+                          <a:spcPts val="0"/>
+                        </a:spcAft>
+                      </a:pPr>
+                      <a:endParaRPr lang="fr-FR" sz="1100">
+                        <a:effectLst/>
+                        <a:latin typeface="+mn-lt"/>
+                        <a:ea typeface="Calibri" panose="020F0502020204030204" pitchFamily="34" charset="0"/>
+                        <a:cs typeface="Times New Roman" panose="02020603050405020304" pitchFamily="18" charset="0"/>
+                      </a:endParaRPr>
+                    </a:p>
+                  </a:txBody>
+                  <a:tcPr marL="68580" marR="68580" marT="0" marB="0"/>
+                </a:tc>
+                <a:tc>
+                  <a:txBody>
+                    <a:bodyPr/>
+                    <a:lstStyle/>
+                    <a:p>
+                      <a:pPr>
+                        <a:lnSpc>
+                          <a:spcPct val="107000"/>
+                        </a:lnSpc>
+                        <a:spcAft>
+                          <a:spcPts val="0"/>
+                        </a:spcAft>
+                      </a:pPr>
+                      <a:endParaRPr lang="fr-FR" sz="1100" dirty="0">
+                        <a:effectLst/>
+                        <a:latin typeface="+mn-lt"/>
+                        <a:ea typeface="Calibri" panose="020F0502020204030204" pitchFamily="34" charset="0"/>
+                        <a:cs typeface="Times New Roman" panose="02020603050405020304" pitchFamily="18" charset="0"/>
+                      </a:endParaRPr>
+                    </a:p>
+                  </a:txBody>
+                  <a:tcPr marL="68580" marR="68580" marT="0" marB="0"/>
+                </a:tc>
+                <a:extLst>
+                  <a:ext uri="{0D108BD9-81ED-4DB2-BD59-A6C34878D82A}">
+                    <a16:rowId xmlns:a16="http://schemas.microsoft.com/office/drawing/2014/main" val="3245944959"/>
+                  </a:ext>
+                </a:extLst>
+              </a:tr>
+            </a:tbl>
+          </a:graphicData>
+        </a:graphic>
+      </p:graphicFrame>
     </p:spTree>
     <p:extLst>
       <p:ext uri="{BB962C8B-B14F-4D97-AF65-F5344CB8AC3E}">
-        <p14:creationId xmlns:p14="http://schemas.microsoft.com/office/powerpoint/2010/main" val="1421037825"/>
+        <p14:creationId xmlns:p14="http://schemas.microsoft.com/office/powerpoint/2010/main" val="3808356225"/>
       </p:ext>
     </p:extLst>
   </p:cSld>
@@ -6701,7 +9749,7 @@
                   <a:srgbClr val="C2381E"/>
                 </a:solidFill>
               </a:rPr>
-              <a:t>TOP Projet : Budget massique</a:t>
+              <a:t>TOP Projet : Budget financier</a:t>
             </a:r>
           </a:p>
         </p:txBody>
@@ -6709,7 +9757,7 @@
     </p:spTree>
     <p:extLst>
       <p:ext uri="{BB962C8B-B14F-4D97-AF65-F5344CB8AC3E}">
-        <p14:creationId xmlns:p14="http://schemas.microsoft.com/office/powerpoint/2010/main" val="2660608898"/>
+        <p14:creationId xmlns:p14="http://schemas.microsoft.com/office/powerpoint/2010/main" val="1421037825"/>
       </p:ext>
     </p:extLst>
   </p:cSld>
@@ -6785,6 +9833,90 @@
                   <a:srgbClr val="C2381E"/>
                 </a:solidFill>
               </a:rPr>
+              <a:t>TOP Projet : Budget massique</a:t>
+            </a:r>
+          </a:p>
+        </p:txBody>
+      </p:sp>
+    </p:spTree>
+    <p:extLst>
+      <p:ext uri="{BB962C8B-B14F-4D97-AF65-F5344CB8AC3E}">
+        <p14:creationId xmlns:p14="http://schemas.microsoft.com/office/powerpoint/2010/main" val="2660608898"/>
+      </p:ext>
+    </p:extLst>
+  </p:cSld>
+  <p:clrMapOvr>
+    <a:masterClrMapping/>
+  </p:clrMapOvr>
+</p:sld>
+</file>
+
+<file path=ppt/slides/slide8.xml><?xml version="1.0" encoding="utf-8"?>
+<p:sld xmlns:a="http://schemas.openxmlformats.org/drawingml/2006/main" xmlns:r="http://schemas.openxmlformats.org/officeDocument/2006/relationships" xmlns:p="http://schemas.openxmlformats.org/presentationml/2006/main">
+  <p:cSld>
+    <p:bg>
+      <p:bgPr>
+        <a:blipFill dpi="0" rotWithShape="1">
+          <a:blip r:embed="rId2">
+            <a:lum/>
+          </a:blip>
+          <a:srcRect/>
+          <a:stretch>
+            <a:fillRect/>
+          </a:stretch>
+        </a:blipFill>
+        <a:effectLst/>
+      </p:bgPr>
+    </p:bg>
+    <p:spTree>
+      <p:nvGrpSpPr>
+        <p:cNvPr id="1" name=""/>
+        <p:cNvGrpSpPr/>
+        <p:nvPr/>
+      </p:nvGrpSpPr>
+      <p:grpSpPr>
+        <a:xfrm>
+          <a:off x="0" y="0"/>
+          <a:ext cx="0" cy="0"/>
+          <a:chOff x="0" y="0"/>
+          <a:chExt cx="0" cy="0"/>
+        </a:xfrm>
+      </p:grpSpPr>
+      <p:sp>
+        <p:nvSpPr>
+          <p:cNvPr id="4" name="ZoneTexte 3">
+            <a:extLst>
+              <a:ext uri="{FF2B5EF4-FFF2-40B4-BE49-F238E27FC236}">
+                <a16:creationId xmlns:a16="http://schemas.microsoft.com/office/drawing/2014/main" id="{11CB7687-B471-4549-A848-8326224DD138}"/>
+              </a:ext>
+            </a:extLst>
+          </p:cNvPr>
+          <p:cNvSpPr txBox="1"/>
+          <p:nvPr/>
+        </p:nvSpPr>
+        <p:spPr>
+          <a:xfrm>
+            <a:off x="0" y="547255"/>
+            <a:ext cx="12191999" cy="461665"/>
+          </a:xfrm>
+          <a:prstGeom prst="rect">
+            <a:avLst/>
+          </a:prstGeom>
+          <a:noFill/>
+        </p:spPr>
+        <p:txBody>
+          <a:bodyPr wrap="square" rtlCol="0">
+            <a:spAutoFit/>
+          </a:bodyPr>
+          <a:lstStyle/>
+          <a:p>
+            <a:pPr algn="ctr"/>
+            <a:r>
+              <a:rPr lang="fr-FR" sz="2400" b="1" u="sng" dirty="0">
+                <a:solidFill>
+                  <a:srgbClr val="C2381E"/>
+                </a:solidFill>
+              </a:rPr>
               <a:t>TOP Projet : Budget heures/hommes</a:t>
             </a:r>
           </a:p>
@@ -6803,7 +9935,7 @@
 </p:sld>
 </file>
 
-<file path=ppt/slides/slide8.xml><?xml version="1.0" encoding="utf-8"?>
+<file path=ppt/slides/slide9.xml><?xml version="1.0" encoding="utf-8"?>
 <p:sld xmlns:a="http://schemas.openxmlformats.org/drawingml/2006/main" xmlns:r="http://schemas.openxmlformats.org/officeDocument/2006/relationships" xmlns:p="http://schemas.openxmlformats.org/presentationml/2006/main">
   <p:cSld>
     <p:bg>

--- a/AB_TOPs/1_Top_Projet/Top Projet.pptx
+++ b/AB_TOPs/1_Top_Projet/Top Projet.pptx
@@ -205,7 +205,7 @@
           <a:p>
             <a:fld id="{A9258FD7-AA4D-4EFB-8956-C98F2360B098}" type="datetimeFigureOut">
               <a:rPr lang="fr-FR" smtClean="0"/>
-              <a:t>20/03/2019</a:t>
+              <a:t>21/03/2019</a:t>
             </a:fld>
             <a:endParaRPr lang="fr-FR"/>
           </a:p>
@@ -619,7 +619,7 @@
           <a:p>
             <a:fld id="{854B7264-E21A-4329-A994-84F7B09D33B2}" type="datetimeFigureOut">
               <a:rPr lang="fr-FR" smtClean="0"/>
-              <a:t>20/03/2019</a:t>
+              <a:t>21/03/2019</a:t>
             </a:fld>
             <a:endParaRPr lang="fr-FR"/>
           </a:p>
@@ -817,7 +817,7 @@
           <a:p>
             <a:fld id="{854B7264-E21A-4329-A994-84F7B09D33B2}" type="datetimeFigureOut">
               <a:rPr lang="fr-FR" smtClean="0"/>
-              <a:t>20/03/2019</a:t>
+              <a:t>21/03/2019</a:t>
             </a:fld>
             <a:endParaRPr lang="fr-FR"/>
           </a:p>
@@ -1025,7 +1025,7 @@
           <a:p>
             <a:fld id="{854B7264-E21A-4329-A994-84F7B09D33B2}" type="datetimeFigureOut">
               <a:rPr lang="fr-FR" smtClean="0"/>
-              <a:t>20/03/2019</a:t>
+              <a:t>21/03/2019</a:t>
             </a:fld>
             <a:endParaRPr lang="fr-FR"/>
           </a:p>
@@ -1223,7 +1223,7 @@
           <a:p>
             <a:fld id="{854B7264-E21A-4329-A994-84F7B09D33B2}" type="datetimeFigureOut">
               <a:rPr lang="fr-FR" smtClean="0"/>
-              <a:t>20/03/2019</a:t>
+              <a:t>21/03/2019</a:t>
             </a:fld>
             <a:endParaRPr lang="fr-FR"/>
           </a:p>
@@ -1498,7 +1498,7 @@
           <a:p>
             <a:fld id="{854B7264-E21A-4329-A994-84F7B09D33B2}" type="datetimeFigureOut">
               <a:rPr lang="fr-FR" smtClean="0"/>
-              <a:t>20/03/2019</a:t>
+              <a:t>21/03/2019</a:t>
             </a:fld>
             <a:endParaRPr lang="fr-FR"/>
           </a:p>
@@ -1763,7 +1763,7 @@
           <a:p>
             <a:fld id="{854B7264-E21A-4329-A994-84F7B09D33B2}" type="datetimeFigureOut">
               <a:rPr lang="fr-FR" smtClean="0"/>
-              <a:t>20/03/2019</a:t>
+              <a:t>21/03/2019</a:t>
             </a:fld>
             <a:endParaRPr lang="fr-FR"/>
           </a:p>
@@ -2175,7 +2175,7 @@
           <a:p>
             <a:fld id="{854B7264-E21A-4329-A994-84F7B09D33B2}" type="datetimeFigureOut">
               <a:rPr lang="fr-FR" smtClean="0"/>
-              <a:t>20/03/2019</a:t>
+              <a:t>21/03/2019</a:t>
             </a:fld>
             <a:endParaRPr lang="fr-FR"/>
           </a:p>
@@ -2316,7 +2316,7 @@
           <a:p>
             <a:fld id="{854B7264-E21A-4329-A994-84F7B09D33B2}" type="datetimeFigureOut">
               <a:rPr lang="fr-FR" smtClean="0"/>
-              <a:t>20/03/2019</a:t>
+              <a:t>21/03/2019</a:t>
             </a:fld>
             <a:endParaRPr lang="fr-FR"/>
           </a:p>
@@ -2429,7 +2429,7 @@
           <a:p>
             <a:fld id="{854B7264-E21A-4329-A994-84F7B09D33B2}" type="datetimeFigureOut">
               <a:rPr lang="fr-FR" smtClean="0"/>
-              <a:t>20/03/2019</a:t>
+              <a:t>21/03/2019</a:t>
             </a:fld>
             <a:endParaRPr lang="fr-FR"/>
           </a:p>
@@ -2740,7 +2740,7 @@
           <a:p>
             <a:fld id="{854B7264-E21A-4329-A994-84F7B09D33B2}" type="datetimeFigureOut">
               <a:rPr lang="fr-FR" smtClean="0"/>
-              <a:t>20/03/2019</a:t>
+              <a:t>21/03/2019</a:t>
             </a:fld>
             <a:endParaRPr lang="fr-FR"/>
           </a:p>
@@ -3028,7 +3028,7 @@
           <a:p>
             <a:fld id="{854B7264-E21A-4329-A994-84F7B09D33B2}" type="datetimeFigureOut">
               <a:rPr lang="fr-FR" smtClean="0"/>
-              <a:t>20/03/2019</a:t>
+              <a:t>21/03/2019</a:t>
             </a:fld>
             <a:endParaRPr lang="fr-FR"/>
           </a:p>
@@ -3269,7 +3269,7 @@
           <a:p>
             <a:fld id="{854B7264-E21A-4329-A994-84F7B09D33B2}" type="datetimeFigureOut">
               <a:rPr lang="fr-FR" smtClean="0"/>
-              <a:t>20/03/2019</a:t>
+              <a:t>21/03/2019</a:t>
             </a:fld>
             <a:endParaRPr lang="fr-FR"/>
           </a:p>
@@ -6835,14 +6835,14 @@
           <p:nvPr>
             <p:extLst>
               <p:ext uri="{D42A27DB-BD31-4B8C-83A1-F6EECF244321}">
-                <p14:modId xmlns:p14="http://schemas.microsoft.com/office/powerpoint/2010/main" val="1163848168"/>
+                <p14:modId xmlns:p14="http://schemas.microsoft.com/office/powerpoint/2010/main" val="131175839"/>
               </p:ext>
             </p:extLst>
           </p:nvPr>
         </p:nvGraphicFramePr>
         <p:xfrm>
           <a:off x="838197" y="1569984"/>
-          <a:ext cx="10515603" cy="2969832"/>
+          <a:ext cx="10515603" cy="3320670"/>
         </p:xfrm>
         <a:graphic>
           <a:graphicData uri="http://schemas.openxmlformats.org/drawingml/2006/table">
@@ -6872,14 +6872,21 @@
                     </a:ext>
                   </a:extLst>
                 </a:gridCol>
-                <a:gridCol w="1623170">
+                <a:gridCol w="811585">
                   <a:extLst>
                     <a:ext uri="{9D8B030D-6E8A-4147-A177-3AD203B41FA5}">
                       <a16:colId xmlns:a16="http://schemas.microsoft.com/office/drawing/2014/main" val="3752719890"/>
                     </a:ext>
                   </a:extLst>
                 </a:gridCol>
-                <a:gridCol w="2517913">
+                <a:gridCol w="970612">
+                  <a:extLst>
+                    <a:ext uri="{9D8B030D-6E8A-4147-A177-3AD203B41FA5}">
+                      <a16:colId xmlns:a16="http://schemas.microsoft.com/office/drawing/2014/main" val="665874139"/>
+                    </a:ext>
+                  </a:extLst>
+                </a:gridCol>
+                <a:gridCol w="2358886">
                   <a:extLst>
                     <a:ext uri="{9D8B030D-6E8A-4147-A177-3AD203B41FA5}">
                       <a16:colId xmlns:a16="http://schemas.microsoft.com/office/drawing/2014/main" val="2776574227"/>
@@ -6941,7 +6948,7 @@
                   </a:txBody>
                   <a:tcPr/>
                 </a:tc>
-                <a:tc gridSpan="2">
+                <a:tc gridSpan="3">
                   <a:txBody>
                     <a:bodyPr/>
                     <a:lstStyle/>
@@ -6969,6 +6976,16 @@
                     </a:p>
                   </a:txBody>
                   <a:tcPr marL="68580" marR="68580" marT="0" marB="0"/>
+                </a:tc>
+                <a:tc hMerge="1">
+                  <a:txBody>
+                    <a:bodyPr/>
+                    <a:lstStyle/>
+                    <a:p>
+                      <a:endParaRPr lang="fr-FR"/>
+                    </a:p>
+                  </a:txBody>
+                  <a:tcPr/>
                 </a:tc>
                 <a:tc hMerge="1">
                   <a:txBody>
@@ -7149,7 +7166,7 @@
                   </a:txBody>
                   <a:tcPr marL="68580" marR="68580" marT="0" marB="0"/>
                 </a:tc>
-                <a:tc>
+                <a:tc gridSpan="2">
                   <a:txBody>
                     <a:bodyPr/>
                     <a:lstStyle/>
@@ -7171,6 +7188,16 @@
                     </a:p>
                   </a:txBody>
                   <a:tcPr marL="68580" marR="68580" marT="0" marB="0"/>
+                </a:tc>
+                <a:tc hMerge="1">
+                  <a:txBody>
+                    <a:bodyPr/>
+                    <a:lstStyle/>
+                    <a:p>
+                      <a:endParaRPr lang="fr-FR"/>
+                    </a:p>
+                  </a:txBody>
+                  <a:tcPr/>
                 </a:tc>
                 <a:tc>
                   <a:txBody>
@@ -7344,7 +7371,7 @@
                   </a:txBody>
                   <a:tcPr marL="68580" marR="68580" marT="0" marB="0"/>
                 </a:tc>
-                <a:tc>
+                <a:tc gridSpan="2">
                   <a:txBody>
                     <a:bodyPr/>
                     <a:lstStyle/>
@@ -7366,6 +7393,16 @@
                     </a:p>
                   </a:txBody>
                   <a:tcPr marL="68580" marR="68580" marT="0" marB="0"/>
+                </a:tc>
+                <a:tc hMerge="1">
+                  <a:txBody>
+                    <a:bodyPr/>
+                    <a:lstStyle/>
+                    <a:p>
+                      <a:endParaRPr lang="fr-FR"/>
+                    </a:p>
+                  </a:txBody>
+                  <a:tcPr/>
                 </a:tc>
                 <a:tc>
                   <a:txBody>
@@ -7518,7 +7555,7 @@
                   </a:txBody>
                   <a:tcPr marL="68580" marR="68580" marT="0" marB="0"/>
                 </a:tc>
-                <a:tc>
+                <a:tc gridSpan="2">
                   <a:txBody>
                     <a:bodyPr/>
                     <a:lstStyle/>
@@ -7540,6 +7577,16 @@
                     </a:p>
                   </a:txBody>
                   <a:tcPr marL="68580" marR="68580" marT="0" marB="0"/>
+                </a:tc>
+                <a:tc hMerge="1">
+                  <a:txBody>
+                    <a:bodyPr/>
+                    <a:lstStyle/>
+                    <a:p>
+                      <a:endParaRPr lang="fr-FR"/>
+                    </a:p>
+                  </a:txBody>
+                  <a:tcPr/>
                 </a:tc>
                 <a:tc>
                   <a:txBody>
@@ -7695,7 +7742,7 @@
                   </a:txBody>
                   <a:tcPr marL="68580" marR="68580" marT="0" marB="0"/>
                 </a:tc>
-                <a:tc>
+                <a:tc gridSpan="2">
                   <a:txBody>
                     <a:bodyPr/>
                     <a:lstStyle/>
@@ -7720,6 +7767,16 @@
                     </a:p>
                   </a:txBody>
                   <a:tcPr marL="68580" marR="68580" marT="0" marB="0"/>
+                </a:tc>
+                <a:tc hMerge="1">
+                  <a:txBody>
+                    <a:bodyPr/>
+                    <a:lstStyle/>
+                    <a:p>
+                      <a:endParaRPr lang="fr-FR"/>
+                    </a:p>
+                  </a:txBody>
+                  <a:tcPr/>
                 </a:tc>
                 <a:tc>
                   <a:txBody>
@@ -7890,7 +7947,7 @@
                   </a:txBody>
                   <a:tcPr marL="68580" marR="68580" marT="0" marB="0"/>
                 </a:tc>
-                <a:tc>
+                <a:tc gridSpan="2">
                   <a:txBody>
                     <a:bodyPr/>
                     <a:lstStyle/>
@@ -7915,6 +7972,16 @@
                     </a:p>
                   </a:txBody>
                   <a:tcPr marL="68580" marR="68580" marT="0" marB="0"/>
+                </a:tc>
+                <a:tc hMerge="1">
+                  <a:txBody>
+                    <a:bodyPr/>
+                    <a:lstStyle/>
+                    <a:p>
+                      <a:endParaRPr lang="fr-FR"/>
+                    </a:p>
+                  </a:txBody>
+                  <a:tcPr/>
                 </a:tc>
                 <a:tc>
                   <a:txBody>
@@ -8085,7 +8152,7 @@
                   </a:txBody>
                   <a:tcPr marL="68580" marR="68580" marT="0" marB="0"/>
                 </a:tc>
-                <a:tc>
+                <a:tc gridSpan="2">
                   <a:txBody>
                     <a:bodyPr/>
                     <a:lstStyle/>
@@ -8110,6 +8177,16 @@
                     </a:p>
                   </a:txBody>
                   <a:tcPr marL="68580" marR="68580" marT="0" marB="0"/>
+                </a:tc>
+                <a:tc hMerge="1">
+                  <a:txBody>
+                    <a:bodyPr/>
+                    <a:lstStyle/>
+                    <a:p>
+                      <a:endParaRPr lang="fr-FR"/>
+                    </a:p>
+                  </a:txBody>
+                  <a:tcPr/>
                 </a:tc>
                 <a:tc>
                   <a:txBody>
@@ -8278,7 +8355,7 @@
                   </a:txBody>
                   <a:tcPr marL="68580" marR="68580" marT="0" marB="0"/>
                 </a:tc>
-                <a:tc>
+                <a:tc gridSpan="2">
                   <a:txBody>
                     <a:bodyPr/>
                     <a:lstStyle/>
@@ -8304,6 +8381,16 @@
                   </a:txBody>
                   <a:tcPr marL="68580" marR="68580" marT="0" marB="0"/>
                 </a:tc>
+                <a:tc hMerge="1">
+                  <a:txBody>
+                    <a:bodyPr/>
+                    <a:lstStyle/>
+                    <a:p>
+                      <a:endParaRPr lang="fr-FR"/>
+                    </a:p>
+                  </a:txBody>
+                  <a:tcPr/>
+                </a:tc>
                 <a:tc>
                   <a:txBody>
                     <a:bodyPr/>
@@ -8401,7 +8488,7 @@
                 </a:extLst>
               </a:tr>
               <a:tr h="187071">
-                <a:tc rowSpan="4">
+                <a:tc rowSpan="5">
                   <a:txBody>
                     <a:bodyPr/>
                     <a:lstStyle/>
@@ -8427,7 +8514,7 @@
                   </a:txBody>
                   <a:tcPr marL="68580" marR="68580" marT="0" marB="0"/>
                 </a:tc>
-                <a:tc rowSpan="4">
+                <a:tc rowSpan="5">
                   <a:txBody>
                     <a:bodyPr/>
                     <a:lstStyle/>
@@ -8453,7 +8540,7 @@
                   </a:txBody>
                   <a:tcPr marL="68580" marR="68580" marT="0" marB="0"/>
                 </a:tc>
-                <a:tc>
+                <a:tc rowSpan="2">
                   <a:txBody>
                     <a:bodyPr/>
                     <a:lstStyle/>
@@ -8479,7 +8566,7 @@
                   </a:txBody>
                   <a:tcPr marL="68580" marR="68580" marT="0" marB="0"/>
                 </a:tc>
-                <a:tc>
+                <a:tc rowSpan="2">
                   <a:txBody>
                     <a:bodyPr/>
                     <a:lstStyle/>
@@ -8519,13 +8606,39 @@
                         </a:spcAft>
                       </a:pPr>
                       <a:r>
-                        <a:rPr lang="fr-FR" sz="1100">
+                        <a:rPr lang="fr-FR" sz="1100" dirty="0">
+                          <a:effectLst/>
+                          <a:latin typeface="+mn-lt"/>
+                          <a:ea typeface="Calibri" panose="020F0502020204030204" pitchFamily="34" charset="0"/>
+                          <a:cs typeface="Times New Roman" panose="02020603050405020304" pitchFamily="18" charset="0"/>
+                        </a:rPr>
+                        <a:t>Hauteur</a:t>
+                      </a:r>
+                    </a:p>
+                  </a:txBody>
+                  <a:tcPr marL="68580" marR="68580" marT="0" marB="0"/>
+                </a:tc>
+                <a:tc>
+                  <a:txBody>
+                    <a:bodyPr/>
+                    <a:lstStyle/>
+                    <a:p>
+                      <a:pPr>
+                        <a:lnSpc>
+                          <a:spcPct val="107000"/>
+                        </a:lnSpc>
+                        <a:spcAft>
+                          <a:spcPts val="0"/>
+                        </a:spcAft>
+                      </a:pPr>
+                      <a:r>
+                        <a:rPr lang="fr-FR" sz="1100" dirty="0">
                           <a:effectLst/>
                           <a:latin typeface="+mn-lt"/>
                         </a:rPr>
                         <a:t> </a:t>
                       </a:r>
-                      <a:endParaRPr lang="fr-FR" sz="1100">
+                      <a:endParaRPr lang="fr-FR" sz="1100" dirty="0">
                         <a:effectLst/>
                         <a:latin typeface="+mn-lt"/>
                         <a:ea typeface="Calibri" panose="020F0502020204030204" pitchFamily="34" charset="0"/>
@@ -8607,6 +8720,174 @@
                     <a:bodyPr/>
                     <a:lstStyle/>
                     <a:p>
+                      <a:endParaRPr lang="fr-FR"/>
+                    </a:p>
+                  </a:txBody>
+                  <a:tcPr/>
+                </a:tc>
+                <a:tc vMerge="1">
+                  <a:txBody>
+                    <a:bodyPr/>
+                    <a:lstStyle/>
+                    <a:p>
+                      <a:endParaRPr lang="fr-FR"/>
+                    </a:p>
+                  </a:txBody>
+                  <a:tcPr/>
+                </a:tc>
+                <a:tc vMerge="1">
+                  <a:txBody>
+                    <a:bodyPr/>
+                    <a:lstStyle/>
+                    <a:p>
+                      <a:pPr>
+                        <a:lnSpc>
+                          <a:spcPct val="107000"/>
+                        </a:lnSpc>
+                        <a:spcAft>
+                          <a:spcPts val="0"/>
+                        </a:spcAft>
+                      </a:pPr>
+                      <a:endParaRPr lang="fr-FR" sz="1100" dirty="0">
+                        <a:effectLst/>
+                        <a:latin typeface="+mn-lt"/>
+                        <a:ea typeface="Calibri" panose="020F0502020204030204" pitchFamily="34" charset="0"/>
+                        <a:cs typeface="Times New Roman" panose="02020603050405020304" pitchFamily="18" charset="0"/>
+                      </a:endParaRPr>
+                    </a:p>
+                  </a:txBody>
+                  <a:tcPr marL="68580" marR="68580" marT="0" marB="0"/>
+                </a:tc>
+                <a:tc vMerge="1">
+                  <a:txBody>
+                    <a:bodyPr/>
+                    <a:lstStyle/>
+                    <a:p>
+                      <a:pPr>
+                        <a:lnSpc>
+                          <a:spcPct val="107000"/>
+                        </a:lnSpc>
+                        <a:spcAft>
+                          <a:spcPts val="0"/>
+                        </a:spcAft>
+                      </a:pPr>
+                      <a:endParaRPr lang="fr-FR" sz="1100" dirty="0">
+                        <a:effectLst/>
+                        <a:latin typeface="+mn-lt"/>
+                        <a:ea typeface="Calibri" panose="020F0502020204030204" pitchFamily="34" charset="0"/>
+                        <a:cs typeface="Times New Roman" panose="02020603050405020304" pitchFamily="18" charset="0"/>
+                      </a:endParaRPr>
+                    </a:p>
+                  </a:txBody>
+                  <a:tcPr marL="68580" marR="68580" marT="0" marB="0"/>
+                </a:tc>
+                <a:tc>
+                  <a:txBody>
+                    <a:bodyPr/>
+                    <a:lstStyle/>
+                    <a:p>
+                      <a:pPr>
+                        <a:lnSpc>
+                          <a:spcPct val="107000"/>
+                        </a:lnSpc>
+                        <a:spcAft>
+                          <a:spcPts val="0"/>
+                        </a:spcAft>
+                      </a:pPr>
+                      <a:r>
+                        <a:rPr lang="fr-FR" sz="1100" dirty="0">
+                          <a:effectLst/>
+                          <a:latin typeface="+mn-lt"/>
+                          <a:ea typeface="Calibri" panose="020F0502020204030204" pitchFamily="34" charset="0"/>
+                          <a:cs typeface="Times New Roman" panose="02020603050405020304" pitchFamily="18" charset="0"/>
+                        </a:rPr>
+                        <a:t>Répartition de masse</a:t>
+                      </a:r>
+                    </a:p>
+                  </a:txBody>
+                  <a:tcPr marL="68580" marR="68580" marT="0" marB="0"/>
+                </a:tc>
+                <a:tc>
+                  <a:txBody>
+                    <a:bodyPr/>
+                    <a:lstStyle/>
+                    <a:p>
+                      <a:pPr>
+                        <a:lnSpc>
+                          <a:spcPct val="107000"/>
+                        </a:lnSpc>
+                        <a:spcAft>
+                          <a:spcPts val="0"/>
+                        </a:spcAft>
+                      </a:pPr>
+                      <a:endParaRPr lang="fr-FR" sz="1100">
+                        <a:effectLst/>
+                        <a:latin typeface="+mn-lt"/>
+                        <a:ea typeface="Calibri" panose="020F0502020204030204" pitchFamily="34" charset="0"/>
+                        <a:cs typeface="Times New Roman" panose="02020603050405020304" pitchFamily="18" charset="0"/>
+                      </a:endParaRPr>
+                    </a:p>
+                  </a:txBody>
+                  <a:tcPr marL="68580" marR="68580" marT="0" marB="0"/>
+                </a:tc>
+                <a:tc>
+                  <a:txBody>
+                    <a:bodyPr/>
+                    <a:lstStyle/>
+                    <a:p>
+                      <a:pPr>
+                        <a:lnSpc>
+                          <a:spcPct val="107000"/>
+                        </a:lnSpc>
+                        <a:spcAft>
+                          <a:spcPts val="0"/>
+                        </a:spcAft>
+                      </a:pPr>
+                      <a:endParaRPr lang="fr-FR" sz="1100">
+                        <a:effectLst/>
+                        <a:latin typeface="+mn-lt"/>
+                        <a:ea typeface="Calibri" panose="020F0502020204030204" pitchFamily="34" charset="0"/>
+                        <a:cs typeface="Times New Roman" panose="02020603050405020304" pitchFamily="18" charset="0"/>
+                      </a:endParaRPr>
+                    </a:p>
+                  </a:txBody>
+                  <a:tcPr marL="68580" marR="68580" marT="0" marB="0"/>
+                </a:tc>
+                <a:tc>
+                  <a:txBody>
+                    <a:bodyPr/>
+                    <a:lstStyle/>
+                    <a:p>
+                      <a:pPr>
+                        <a:lnSpc>
+                          <a:spcPct val="107000"/>
+                        </a:lnSpc>
+                        <a:spcAft>
+                          <a:spcPts val="0"/>
+                        </a:spcAft>
+                      </a:pPr>
+                      <a:endParaRPr lang="fr-FR" sz="1100" dirty="0">
+                        <a:effectLst/>
+                        <a:latin typeface="+mn-lt"/>
+                        <a:ea typeface="Calibri" panose="020F0502020204030204" pitchFamily="34" charset="0"/>
+                        <a:cs typeface="Times New Roman" panose="02020603050405020304" pitchFamily="18" charset="0"/>
+                      </a:endParaRPr>
+                    </a:p>
+                  </a:txBody>
+                  <a:tcPr marL="68580" marR="68580" marT="0" marB="0"/>
+                </a:tc>
+                <a:extLst>
+                  <a:ext uri="{0D108BD9-81ED-4DB2-BD59-A6C34878D82A}">
+                    <a16:rowId xmlns:a16="http://schemas.microsoft.com/office/drawing/2014/main" val="2062677078"/>
+                  </a:ext>
+                </a:extLst>
+              </a:tr>
+              <a:tr h="187071">
+                <a:tc vMerge="1">
+                  <a:txBody>
+                    <a:bodyPr/>
+                    <a:lstStyle/>
+                    <a:p>
                       <a:pPr>
                         <a:lnSpc>
                           <a:spcPct val="107000"/>
@@ -8674,7 +8955,7 @@
                   </a:txBody>
                   <a:tcPr marL="68580" marR="68580" marT="0" marB="0"/>
                 </a:tc>
-                <a:tc>
+                <a:tc gridSpan="2">
                   <a:txBody>
                     <a:bodyPr/>
                     <a:lstStyle/>
@@ -8699,6 +8980,16 @@
                     </a:p>
                   </a:txBody>
                   <a:tcPr marL="68580" marR="68580" marT="0" marB="0"/>
+                </a:tc>
+                <a:tc hMerge="1">
+                  <a:txBody>
+                    <a:bodyPr/>
+                    <a:lstStyle/>
+                    <a:p>
+                      <a:endParaRPr lang="fr-FR"/>
+                    </a:p>
+                  </a:txBody>
+                  <a:tcPr/>
                 </a:tc>
                 <a:tc>
                   <a:txBody>
@@ -8848,7 +9139,7 @@
                   </a:txBody>
                   <a:tcPr marL="68580" marR="68580" marT="0" marB="0"/>
                 </a:tc>
-                <a:tc>
+                <a:tc gridSpan="2">
                   <a:txBody>
                     <a:bodyPr/>
                     <a:lstStyle/>
@@ -8873,6 +9164,16 @@
                     </a:p>
                   </a:txBody>
                   <a:tcPr marL="68580" marR="68580" marT="0" marB="0"/>
+                </a:tc>
+                <a:tc hMerge="1">
+                  <a:txBody>
+                    <a:bodyPr/>
+                    <a:lstStyle/>
+                    <a:p>
+                      <a:endParaRPr lang="fr-FR"/>
+                    </a:p>
+                  </a:txBody>
+                  <a:tcPr/>
                 </a:tc>
                 <a:tc>
                   <a:txBody>
@@ -9022,7 +9323,7 @@
                   </a:txBody>
                   <a:tcPr marL="68580" marR="68580" marT="0" marB="0"/>
                 </a:tc>
-                <a:tc>
+                <a:tc gridSpan="2">
                   <a:txBody>
                     <a:bodyPr/>
                     <a:lstStyle/>
@@ -9047,6 +9348,16 @@
                     </a:p>
                   </a:txBody>
                   <a:tcPr marL="68580" marR="68580" marT="0" marB="0"/>
+                </a:tc>
+                <a:tc hMerge="1">
+                  <a:txBody>
+                    <a:bodyPr/>
+                    <a:lstStyle/>
+                    <a:p>
+                      <a:endParaRPr lang="fr-FR"/>
+                    </a:p>
+                  </a:txBody>
+                  <a:tcPr/>
                 </a:tc>
                 <a:tc>
                   <a:txBody>
@@ -9202,7 +9513,7 @@
                   </a:txBody>
                   <a:tcPr marL="68580" marR="68580" marT="0" marB="0"/>
                 </a:tc>
-                <a:tc>
+                <a:tc gridSpan="2">
                   <a:txBody>
                     <a:bodyPr/>
                     <a:lstStyle/>
@@ -9242,6 +9553,16 @@
                     </a:p>
                   </a:txBody>
                   <a:tcPr marL="68580" marR="68580" marT="0" marB="0"/>
+                </a:tc>
+                <a:tc hMerge="1">
+                  <a:txBody>
+                    <a:bodyPr/>
+                    <a:lstStyle/>
+                    <a:p>
+                      <a:endParaRPr lang="fr-FR"/>
+                    </a:p>
+                  </a:txBody>
+                  <a:tcPr/>
                 </a:tc>
                 <a:tc>
                   <a:txBody>
@@ -9391,7 +9712,7 @@
                   </a:txBody>
                   <a:tcPr marL="68580" marR="68580" marT="0" marB="0"/>
                 </a:tc>
-                <a:tc>
+                <a:tc gridSpan="2">
                   <a:txBody>
                     <a:bodyPr/>
                     <a:lstStyle/>
@@ -9416,6 +9737,16 @@
                     </a:p>
                   </a:txBody>
                   <a:tcPr marL="68580" marR="68580" marT="0" marB="0"/>
+                </a:tc>
+                <a:tc hMerge="1">
+                  <a:txBody>
+                    <a:bodyPr/>
+                    <a:lstStyle/>
+                    <a:p>
+                      <a:endParaRPr lang="fr-FR"/>
+                    </a:p>
+                  </a:txBody>
+                  <a:tcPr/>
                 </a:tc>
                 <a:tc>
                   <a:txBody>
@@ -9565,7 +9896,7 @@
                   </a:txBody>
                   <a:tcPr marL="68580" marR="68580" marT="0" marB="0"/>
                 </a:tc>
-                <a:tc>
+                <a:tc gridSpan="2">
                   <a:txBody>
                     <a:bodyPr/>
                     <a:lstStyle/>
@@ -9590,6 +9921,16 @@
                     </a:p>
                   </a:txBody>
                   <a:tcPr marL="68580" marR="68580" marT="0" marB="0"/>
+                </a:tc>
+                <a:tc hMerge="1">
+                  <a:txBody>
+                    <a:bodyPr/>
+                    <a:lstStyle/>
+                    <a:p>
+                      <a:endParaRPr lang="fr-FR"/>
+                    </a:p>
+                  </a:txBody>
+                  <a:tcPr/>
                 </a:tc>
                 <a:tc>
                   <a:txBody>
